--- a/preliminary/Figs/Presentation1.pptx
+++ b/preliminary/Figs/Presentation1.pptx
@@ -5,7 +5,7 @@
     <p:sldMasterId id="2147483648" r:id="rId1"/>
   </p:sldMasterIdLst>
   <p:notesMasterIdLst>
-    <p:notesMasterId r:id="rId36"/>
+    <p:notesMasterId r:id="rId58"/>
   </p:notesMasterIdLst>
   <p:sldIdLst>
     <p:sldId id="256" r:id="rId2"/>
@@ -42,6 +42,28 @@
     <p:sldId id="293" r:id="rId33"/>
     <p:sldId id="294" r:id="rId34"/>
     <p:sldId id="291" r:id="rId35"/>
+    <p:sldId id="296" r:id="rId36"/>
+    <p:sldId id="300" r:id="rId37"/>
+    <p:sldId id="301" r:id="rId38"/>
+    <p:sldId id="302" r:id="rId39"/>
+    <p:sldId id="304" r:id="rId40"/>
+    <p:sldId id="303" r:id="rId41"/>
+    <p:sldId id="318" r:id="rId42"/>
+    <p:sldId id="312" r:id="rId43"/>
+    <p:sldId id="307" r:id="rId44"/>
+    <p:sldId id="308" r:id="rId45"/>
+    <p:sldId id="313" r:id="rId46"/>
+    <p:sldId id="319" r:id="rId47"/>
+    <p:sldId id="305" r:id="rId48"/>
+    <p:sldId id="306" r:id="rId49"/>
+    <p:sldId id="309" r:id="rId50"/>
+    <p:sldId id="310" r:id="rId51"/>
+    <p:sldId id="314" r:id="rId52"/>
+    <p:sldId id="315" r:id="rId53"/>
+    <p:sldId id="316" r:id="rId54"/>
+    <p:sldId id="317" r:id="rId55"/>
+    <p:sldId id="311" r:id="rId56"/>
+    <p:sldId id="298" r:id="rId57"/>
   </p:sldIdLst>
   <p:sldSz cx="12192000" cy="6858000"/>
   <p:notesSz cx="6858000" cy="9144000"/>
@@ -10979,6 +11001,951 @@
 </p:sld>
 </file>
 
+<file path=ppt/slides/slide35.xml><?xml version="1.0" encoding="utf-8"?>
+<p:sld xmlns:a="http://schemas.openxmlformats.org/drawingml/2006/main" xmlns:r="http://schemas.openxmlformats.org/officeDocument/2006/relationships" xmlns:p="http://schemas.openxmlformats.org/presentationml/2006/main">
+  <p:cSld>
+    <p:bg>
+      <p:bgPr>
+        <a:solidFill>
+          <a:schemeClr val="accent6">
+            <a:lumMod val="20000"/>
+            <a:lumOff val="80000"/>
+          </a:schemeClr>
+        </a:solidFill>
+        <a:effectLst/>
+      </p:bgPr>
+    </p:bg>
+    <p:spTree>
+      <p:nvGrpSpPr>
+        <p:cNvPr id="1" name=""/>
+        <p:cNvGrpSpPr/>
+        <p:nvPr/>
+      </p:nvGrpSpPr>
+      <p:grpSpPr>
+        <a:xfrm>
+          <a:off x="0" y="0"/>
+          <a:ext cx="0" cy="0"/>
+          <a:chOff x="0" y="0"/>
+          <a:chExt cx="0" cy="0"/>
+        </a:xfrm>
+      </p:grpSpPr>
+      <p:sp>
+        <p:nvSpPr>
+          <p:cNvPr id="2" name="Title 1">
+            <a:extLst>
+              <a:ext uri="{FF2B5EF4-FFF2-40B4-BE49-F238E27FC236}">
+                <a16:creationId xmlns:a16="http://schemas.microsoft.com/office/drawing/2014/main" id="{1D13C5AE-B493-0EB6-EEFA-7185096A3FE3}"/>
+              </a:ext>
+            </a:extLst>
+          </p:cNvPr>
+          <p:cNvSpPr>
+            <a:spLocks noGrp="1"/>
+          </p:cNvSpPr>
+          <p:nvPr>
+            <p:ph type="title"/>
+          </p:nvPr>
+        </p:nvSpPr>
+        <p:spPr>
+          <a:xfrm>
+            <a:off x="838200" y="42510"/>
+            <a:ext cx="10515600" cy="1325563"/>
+          </a:xfrm>
+        </p:spPr>
+        <p:txBody>
+          <a:bodyPr>
+            <a:normAutofit/>
+          </a:bodyPr>
+          <a:lstStyle/>
+          <a:p>
+            <a:pPr algn="ctr"/>
+            <a:r>
+              <a:rPr lang="en-US" sz="3600" b="1" dirty="0">
+                <a:latin typeface="Times" pitchFamily="2" charset="0"/>
+              </a:rPr>
+              <a:t>Correlation of acids with quality of red wines</a:t>
+            </a:r>
+          </a:p>
+        </p:txBody>
+      </p:sp>
+      <p:sp>
+        <p:nvSpPr>
+          <p:cNvPr id="4" name="Slide Number Placeholder 3">
+            <a:extLst>
+              <a:ext uri="{FF2B5EF4-FFF2-40B4-BE49-F238E27FC236}">
+                <a16:creationId xmlns:a16="http://schemas.microsoft.com/office/drawing/2014/main" id="{FD31AD99-9635-208F-783E-589A82632EAA}"/>
+              </a:ext>
+            </a:extLst>
+          </p:cNvPr>
+          <p:cNvSpPr>
+            <a:spLocks noGrp="1"/>
+          </p:cNvSpPr>
+          <p:nvPr>
+            <p:ph type="sldNum" sz="quarter" idx="12"/>
+          </p:nvPr>
+        </p:nvSpPr>
+        <p:spPr/>
+        <p:txBody>
+          <a:bodyPr/>
+          <a:lstStyle/>
+          <a:p>
+            <a:fld id="{B75B56F8-EB57-7748-88E5-B1194B5EAB74}" type="slidenum">
+              <a:rPr lang="en-DE" smtClean="0"/>
+              <a:t>35</a:t>
+            </a:fld>
+            <a:endParaRPr lang="en-DE"/>
+          </a:p>
+        </p:txBody>
+      </p:sp>
+      <p:pic>
+        <p:nvPicPr>
+          <p:cNvPr id="8" name="Picture 7">
+            <a:extLst>
+              <a:ext uri="{FF2B5EF4-FFF2-40B4-BE49-F238E27FC236}">
+                <a16:creationId xmlns:a16="http://schemas.microsoft.com/office/drawing/2014/main" id="{C465DF9F-0333-A67D-BF2F-7A1723C8A6CA}"/>
+              </a:ext>
+            </a:extLst>
+          </p:cNvPr>
+          <p:cNvPicPr>
+            <a:picLocks noChangeAspect="1"/>
+          </p:cNvPicPr>
+          <p:nvPr/>
+        </p:nvPicPr>
+        <p:blipFill>
+          <a:blip r:embed="rId2"/>
+          <a:stretch>
+            <a:fillRect/>
+          </a:stretch>
+        </p:blipFill>
+        <p:spPr>
+          <a:xfrm>
+            <a:off x="-79682" y="5618650"/>
+            <a:ext cx="1394132" cy="1207318"/>
+          </a:xfrm>
+          <a:prstGeom prst="rect">
+            <a:avLst/>
+          </a:prstGeom>
+        </p:spPr>
+      </p:pic>
+      <p:pic>
+        <p:nvPicPr>
+          <p:cNvPr id="5" name="Picture 4">
+            <a:extLst>
+              <a:ext uri="{FF2B5EF4-FFF2-40B4-BE49-F238E27FC236}">
+                <a16:creationId xmlns:a16="http://schemas.microsoft.com/office/drawing/2014/main" id="{96BB41BB-4585-5CDC-A32F-A81C1AAA0BD7}"/>
+              </a:ext>
+            </a:extLst>
+          </p:cNvPr>
+          <p:cNvPicPr>
+            <a:picLocks noChangeAspect="1"/>
+          </p:cNvPicPr>
+          <p:nvPr/>
+        </p:nvPicPr>
+        <p:blipFill>
+          <a:blip r:embed="rId3"/>
+          <a:stretch>
+            <a:fillRect/>
+          </a:stretch>
+        </p:blipFill>
+        <p:spPr>
+          <a:xfrm>
+            <a:off x="316230" y="1513272"/>
+            <a:ext cx="5181600" cy="3949700"/>
+          </a:xfrm>
+          <a:prstGeom prst="rect">
+            <a:avLst/>
+          </a:prstGeom>
+        </p:spPr>
+      </p:pic>
+    </p:spTree>
+    <p:extLst>
+      <p:ext uri="{BB962C8B-B14F-4D97-AF65-F5344CB8AC3E}">
+        <p14:creationId xmlns:p14="http://schemas.microsoft.com/office/powerpoint/2010/main" val="16480817"/>
+      </p:ext>
+    </p:extLst>
+  </p:cSld>
+  <p:clrMapOvr>
+    <a:masterClrMapping/>
+  </p:clrMapOvr>
+</p:sld>
+</file>
+
+<file path=ppt/slides/slide36.xml><?xml version="1.0" encoding="utf-8"?>
+<p:sld xmlns:a="http://schemas.openxmlformats.org/drawingml/2006/main" xmlns:r="http://schemas.openxmlformats.org/officeDocument/2006/relationships" xmlns:p="http://schemas.openxmlformats.org/presentationml/2006/main">
+  <p:cSld>
+    <p:bg>
+      <p:bgPr>
+        <a:solidFill>
+          <a:schemeClr val="accent6">
+            <a:lumMod val="20000"/>
+            <a:lumOff val="80000"/>
+          </a:schemeClr>
+        </a:solidFill>
+        <a:effectLst/>
+      </p:bgPr>
+    </p:bg>
+    <p:spTree>
+      <p:nvGrpSpPr>
+        <p:cNvPr id="1" name=""/>
+        <p:cNvGrpSpPr/>
+        <p:nvPr/>
+      </p:nvGrpSpPr>
+      <p:grpSpPr>
+        <a:xfrm>
+          <a:off x="0" y="0"/>
+          <a:ext cx="0" cy="0"/>
+          <a:chOff x="0" y="0"/>
+          <a:chExt cx="0" cy="0"/>
+        </a:xfrm>
+      </p:grpSpPr>
+      <p:sp>
+        <p:nvSpPr>
+          <p:cNvPr id="2" name="Title 1">
+            <a:extLst>
+              <a:ext uri="{FF2B5EF4-FFF2-40B4-BE49-F238E27FC236}">
+                <a16:creationId xmlns:a16="http://schemas.microsoft.com/office/drawing/2014/main" id="{1D13C5AE-B493-0EB6-EEFA-7185096A3FE3}"/>
+              </a:ext>
+            </a:extLst>
+          </p:cNvPr>
+          <p:cNvSpPr>
+            <a:spLocks noGrp="1"/>
+          </p:cNvSpPr>
+          <p:nvPr>
+            <p:ph type="title"/>
+          </p:nvPr>
+        </p:nvSpPr>
+        <p:spPr>
+          <a:xfrm>
+            <a:off x="838200" y="42510"/>
+            <a:ext cx="10515600" cy="1325563"/>
+          </a:xfrm>
+        </p:spPr>
+        <p:txBody>
+          <a:bodyPr>
+            <a:normAutofit/>
+          </a:bodyPr>
+          <a:lstStyle/>
+          <a:p>
+            <a:pPr algn="ctr"/>
+            <a:r>
+              <a:rPr lang="en-US" sz="3600" b="1" dirty="0">
+                <a:latin typeface="Times" pitchFamily="2" charset="0"/>
+              </a:rPr>
+              <a:t>Correlation of acids with quality of red wines</a:t>
+            </a:r>
+          </a:p>
+        </p:txBody>
+      </p:sp>
+      <p:sp>
+        <p:nvSpPr>
+          <p:cNvPr id="4" name="Slide Number Placeholder 3">
+            <a:extLst>
+              <a:ext uri="{FF2B5EF4-FFF2-40B4-BE49-F238E27FC236}">
+                <a16:creationId xmlns:a16="http://schemas.microsoft.com/office/drawing/2014/main" id="{FD31AD99-9635-208F-783E-589A82632EAA}"/>
+              </a:ext>
+            </a:extLst>
+          </p:cNvPr>
+          <p:cNvSpPr>
+            <a:spLocks noGrp="1"/>
+          </p:cNvSpPr>
+          <p:nvPr>
+            <p:ph type="sldNum" sz="quarter" idx="12"/>
+          </p:nvPr>
+        </p:nvSpPr>
+        <p:spPr/>
+        <p:txBody>
+          <a:bodyPr/>
+          <a:lstStyle/>
+          <a:p>
+            <a:fld id="{B75B56F8-EB57-7748-88E5-B1194B5EAB74}" type="slidenum">
+              <a:rPr lang="en-DE" smtClean="0"/>
+              <a:t>36</a:t>
+            </a:fld>
+            <a:endParaRPr lang="en-DE"/>
+          </a:p>
+        </p:txBody>
+      </p:sp>
+      <p:pic>
+        <p:nvPicPr>
+          <p:cNvPr id="8" name="Picture 7">
+            <a:extLst>
+              <a:ext uri="{FF2B5EF4-FFF2-40B4-BE49-F238E27FC236}">
+                <a16:creationId xmlns:a16="http://schemas.microsoft.com/office/drawing/2014/main" id="{C465DF9F-0333-A67D-BF2F-7A1723C8A6CA}"/>
+              </a:ext>
+            </a:extLst>
+          </p:cNvPr>
+          <p:cNvPicPr>
+            <a:picLocks noChangeAspect="1"/>
+          </p:cNvPicPr>
+          <p:nvPr/>
+        </p:nvPicPr>
+        <p:blipFill>
+          <a:blip r:embed="rId2"/>
+          <a:stretch>
+            <a:fillRect/>
+          </a:stretch>
+        </p:blipFill>
+        <p:spPr>
+          <a:xfrm>
+            <a:off x="-79682" y="5618650"/>
+            <a:ext cx="1394132" cy="1207318"/>
+          </a:xfrm>
+          <a:prstGeom prst="rect">
+            <a:avLst/>
+          </a:prstGeom>
+        </p:spPr>
+      </p:pic>
+      <p:pic>
+        <p:nvPicPr>
+          <p:cNvPr id="5" name="Picture 4">
+            <a:extLst>
+              <a:ext uri="{FF2B5EF4-FFF2-40B4-BE49-F238E27FC236}">
+                <a16:creationId xmlns:a16="http://schemas.microsoft.com/office/drawing/2014/main" id="{96BB41BB-4585-5CDC-A32F-A81C1AAA0BD7}"/>
+              </a:ext>
+            </a:extLst>
+          </p:cNvPr>
+          <p:cNvPicPr>
+            <a:picLocks noChangeAspect="1"/>
+          </p:cNvPicPr>
+          <p:nvPr/>
+        </p:nvPicPr>
+        <p:blipFill>
+          <a:blip r:embed="rId3"/>
+          <a:stretch>
+            <a:fillRect/>
+          </a:stretch>
+        </p:blipFill>
+        <p:spPr>
+          <a:xfrm>
+            <a:off x="316230" y="1513272"/>
+            <a:ext cx="5181600" cy="3949700"/>
+          </a:xfrm>
+          <a:prstGeom prst="rect">
+            <a:avLst/>
+          </a:prstGeom>
+        </p:spPr>
+      </p:pic>
+      <p:pic>
+        <p:nvPicPr>
+          <p:cNvPr id="7" name="Picture 6">
+            <a:extLst>
+              <a:ext uri="{FF2B5EF4-FFF2-40B4-BE49-F238E27FC236}">
+                <a16:creationId xmlns:a16="http://schemas.microsoft.com/office/drawing/2014/main" id="{1528C25B-EAA4-E2F4-8703-20BD465E27E1}"/>
+              </a:ext>
+            </a:extLst>
+          </p:cNvPr>
+          <p:cNvPicPr>
+            <a:picLocks noChangeAspect="1"/>
+          </p:cNvPicPr>
+          <p:nvPr/>
+        </p:nvPicPr>
+        <p:blipFill>
+          <a:blip r:embed="rId4"/>
+          <a:stretch>
+            <a:fillRect/>
+          </a:stretch>
+        </p:blipFill>
+        <p:spPr>
+          <a:xfrm>
+            <a:off x="6019800" y="1454150"/>
+            <a:ext cx="5181600" cy="3949700"/>
+          </a:xfrm>
+          <a:prstGeom prst="rect">
+            <a:avLst/>
+          </a:prstGeom>
+        </p:spPr>
+      </p:pic>
+    </p:spTree>
+    <p:extLst>
+      <p:ext uri="{BB962C8B-B14F-4D97-AF65-F5344CB8AC3E}">
+        <p14:creationId xmlns:p14="http://schemas.microsoft.com/office/powerpoint/2010/main" val="2249719234"/>
+      </p:ext>
+    </p:extLst>
+  </p:cSld>
+  <p:clrMapOvr>
+    <a:masterClrMapping/>
+  </p:clrMapOvr>
+</p:sld>
+</file>
+
+<file path=ppt/slides/slide37.xml><?xml version="1.0" encoding="utf-8"?>
+<p:sld xmlns:a="http://schemas.openxmlformats.org/drawingml/2006/main" xmlns:r="http://schemas.openxmlformats.org/officeDocument/2006/relationships" xmlns:p="http://schemas.openxmlformats.org/presentationml/2006/main">
+  <p:cSld>
+    <p:bg>
+      <p:bgPr>
+        <a:solidFill>
+          <a:schemeClr val="accent6">
+            <a:lumMod val="20000"/>
+            <a:lumOff val="80000"/>
+          </a:schemeClr>
+        </a:solidFill>
+        <a:effectLst/>
+      </p:bgPr>
+    </p:bg>
+    <p:spTree>
+      <p:nvGrpSpPr>
+        <p:cNvPr id="1" name=""/>
+        <p:cNvGrpSpPr/>
+        <p:nvPr/>
+      </p:nvGrpSpPr>
+      <p:grpSpPr>
+        <a:xfrm>
+          <a:off x="0" y="0"/>
+          <a:ext cx="0" cy="0"/>
+          <a:chOff x="0" y="0"/>
+          <a:chExt cx="0" cy="0"/>
+        </a:xfrm>
+      </p:grpSpPr>
+      <p:sp>
+        <p:nvSpPr>
+          <p:cNvPr id="2" name="Title 1">
+            <a:extLst>
+              <a:ext uri="{FF2B5EF4-FFF2-40B4-BE49-F238E27FC236}">
+                <a16:creationId xmlns:a16="http://schemas.microsoft.com/office/drawing/2014/main" id="{1D13C5AE-B493-0EB6-EEFA-7185096A3FE3}"/>
+              </a:ext>
+            </a:extLst>
+          </p:cNvPr>
+          <p:cNvSpPr>
+            <a:spLocks noGrp="1"/>
+          </p:cNvSpPr>
+          <p:nvPr>
+            <p:ph type="title"/>
+          </p:nvPr>
+        </p:nvSpPr>
+        <p:spPr>
+          <a:xfrm>
+            <a:off x="838200" y="42510"/>
+            <a:ext cx="10515600" cy="1325563"/>
+          </a:xfrm>
+        </p:spPr>
+        <p:txBody>
+          <a:bodyPr>
+            <a:normAutofit/>
+          </a:bodyPr>
+          <a:lstStyle/>
+          <a:p>
+            <a:pPr algn="ctr"/>
+            <a:r>
+              <a:rPr lang="en-US" sz="3600" b="1" dirty="0">
+                <a:latin typeface="Times" pitchFamily="2" charset="0"/>
+              </a:rPr>
+              <a:t>Correlation of acids with quality of white wines</a:t>
+            </a:r>
+          </a:p>
+        </p:txBody>
+      </p:sp>
+      <p:sp>
+        <p:nvSpPr>
+          <p:cNvPr id="4" name="Slide Number Placeholder 3">
+            <a:extLst>
+              <a:ext uri="{FF2B5EF4-FFF2-40B4-BE49-F238E27FC236}">
+                <a16:creationId xmlns:a16="http://schemas.microsoft.com/office/drawing/2014/main" id="{FD31AD99-9635-208F-783E-589A82632EAA}"/>
+              </a:ext>
+            </a:extLst>
+          </p:cNvPr>
+          <p:cNvSpPr>
+            <a:spLocks noGrp="1"/>
+          </p:cNvSpPr>
+          <p:nvPr>
+            <p:ph type="sldNum" sz="quarter" idx="12"/>
+          </p:nvPr>
+        </p:nvSpPr>
+        <p:spPr/>
+        <p:txBody>
+          <a:bodyPr/>
+          <a:lstStyle/>
+          <a:p>
+            <a:fld id="{B75B56F8-EB57-7748-88E5-B1194B5EAB74}" type="slidenum">
+              <a:rPr lang="en-DE" smtClean="0"/>
+              <a:t>37</a:t>
+            </a:fld>
+            <a:endParaRPr lang="en-DE"/>
+          </a:p>
+        </p:txBody>
+      </p:sp>
+      <p:pic>
+        <p:nvPicPr>
+          <p:cNvPr id="8" name="Picture 7">
+            <a:extLst>
+              <a:ext uri="{FF2B5EF4-FFF2-40B4-BE49-F238E27FC236}">
+                <a16:creationId xmlns:a16="http://schemas.microsoft.com/office/drawing/2014/main" id="{C465DF9F-0333-A67D-BF2F-7A1723C8A6CA}"/>
+              </a:ext>
+            </a:extLst>
+          </p:cNvPr>
+          <p:cNvPicPr>
+            <a:picLocks noChangeAspect="1"/>
+          </p:cNvPicPr>
+          <p:nvPr/>
+        </p:nvPicPr>
+        <p:blipFill>
+          <a:blip r:embed="rId2"/>
+          <a:stretch>
+            <a:fillRect/>
+          </a:stretch>
+        </p:blipFill>
+        <p:spPr>
+          <a:xfrm>
+            <a:off x="-79682" y="5618650"/>
+            <a:ext cx="1394132" cy="1207318"/>
+          </a:xfrm>
+          <a:prstGeom prst="rect">
+            <a:avLst/>
+          </a:prstGeom>
+        </p:spPr>
+      </p:pic>
+      <p:pic>
+        <p:nvPicPr>
+          <p:cNvPr id="6" name="Picture 5">
+            <a:extLst>
+              <a:ext uri="{FF2B5EF4-FFF2-40B4-BE49-F238E27FC236}">
+                <a16:creationId xmlns:a16="http://schemas.microsoft.com/office/drawing/2014/main" id="{7EADF938-4CE9-6B92-B9FD-40C5C111E32B}"/>
+              </a:ext>
+            </a:extLst>
+          </p:cNvPr>
+          <p:cNvPicPr>
+            <a:picLocks noChangeAspect="1"/>
+          </p:cNvPicPr>
+          <p:nvPr/>
+        </p:nvPicPr>
+        <p:blipFill>
+          <a:blip r:embed="rId3"/>
+          <a:stretch>
+            <a:fillRect/>
+          </a:stretch>
+        </p:blipFill>
+        <p:spPr>
+          <a:xfrm>
+            <a:off x="617384" y="1454150"/>
+            <a:ext cx="5181600" cy="3949700"/>
+          </a:xfrm>
+          <a:prstGeom prst="rect">
+            <a:avLst/>
+          </a:prstGeom>
+        </p:spPr>
+      </p:pic>
+    </p:spTree>
+    <p:extLst>
+      <p:ext uri="{BB962C8B-B14F-4D97-AF65-F5344CB8AC3E}">
+        <p14:creationId xmlns:p14="http://schemas.microsoft.com/office/powerpoint/2010/main" val="3244345826"/>
+      </p:ext>
+    </p:extLst>
+  </p:cSld>
+  <p:clrMapOvr>
+    <a:masterClrMapping/>
+  </p:clrMapOvr>
+</p:sld>
+</file>
+
+<file path=ppt/slides/slide38.xml><?xml version="1.0" encoding="utf-8"?>
+<p:sld xmlns:a="http://schemas.openxmlformats.org/drawingml/2006/main" xmlns:r="http://schemas.openxmlformats.org/officeDocument/2006/relationships" xmlns:p="http://schemas.openxmlformats.org/presentationml/2006/main">
+  <p:cSld>
+    <p:bg>
+      <p:bgPr>
+        <a:solidFill>
+          <a:schemeClr val="accent6">
+            <a:lumMod val="20000"/>
+            <a:lumOff val="80000"/>
+          </a:schemeClr>
+        </a:solidFill>
+        <a:effectLst/>
+      </p:bgPr>
+    </p:bg>
+    <p:spTree>
+      <p:nvGrpSpPr>
+        <p:cNvPr id="1" name=""/>
+        <p:cNvGrpSpPr/>
+        <p:nvPr/>
+      </p:nvGrpSpPr>
+      <p:grpSpPr>
+        <a:xfrm>
+          <a:off x="0" y="0"/>
+          <a:ext cx="0" cy="0"/>
+          <a:chOff x="0" y="0"/>
+          <a:chExt cx="0" cy="0"/>
+        </a:xfrm>
+      </p:grpSpPr>
+      <p:sp>
+        <p:nvSpPr>
+          <p:cNvPr id="2" name="Title 1">
+            <a:extLst>
+              <a:ext uri="{FF2B5EF4-FFF2-40B4-BE49-F238E27FC236}">
+                <a16:creationId xmlns:a16="http://schemas.microsoft.com/office/drawing/2014/main" id="{1D13C5AE-B493-0EB6-EEFA-7185096A3FE3}"/>
+              </a:ext>
+            </a:extLst>
+          </p:cNvPr>
+          <p:cNvSpPr>
+            <a:spLocks noGrp="1"/>
+          </p:cNvSpPr>
+          <p:nvPr>
+            <p:ph type="title"/>
+          </p:nvPr>
+        </p:nvSpPr>
+        <p:spPr>
+          <a:xfrm>
+            <a:off x="838200" y="42510"/>
+            <a:ext cx="10515600" cy="1325563"/>
+          </a:xfrm>
+        </p:spPr>
+        <p:txBody>
+          <a:bodyPr>
+            <a:normAutofit/>
+          </a:bodyPr>
+          <a:lstStyle/>
+          <a:p>
+            <a:pPr algn="ctr"/>
+            <a:r>
+              <a:rPr lang="en-US" sz="3600" b="1" dirty="0">
+                <a:latin typeface="Times" pitchFamily="2" charset="0"/>
+              </a:rPr>
+              <a:t>Correlation of acids with quality of white wines</a:t>
+            </a:r>
+          </a:p>
+        </p:txBody>
+      </p:sp>
+      <p:sp>
+        <p:nvSpPr>
+          <p:cNvPr id="4" name="Slide Number Placeholder 3">
+            <a:extLst>
+              <a:ext uri="{FF2B5EF4-FFF2-40B4-BE49-F238E27FC236}">
+                <a16:creationId xmlns:a16="http://schemas.microsoft.com/office/drawing/2014/main" id="{FD31AD99-9635-208F-783E-589A82632EAA}"/>
+              </a:ext>
+            </a:extLst>
+          </p:cNvPr>
+          <p:cNvSpPr>
+            <a:spLocks noGrp="1"/>
+          </p:cNvSpPr>
+          <p:nvPr>
+            <p:ph type="sldNum" sz="quarter" idx="12"/>
+          </p:nvPr>
+        </p:nvSpPr>
+        <p:spPr/>
+        <p:txBody>
+          <a:bodyPr/>
+          <a:lstStyle/>
+          <a:p>
+            <a:fld id="{B75B56F8-EB57-7748-88E5-B1194B5EAB74}" type="slidenum">
+              <a:rPr lang="en-DE" smtClean="0"/>
+              <a:t>38</a:t>
+            </a:fld>
+            <a:endParaRPr lang="en-DE"/>
+          </a:p>
+        </p:txBody>
+      </p:sp>
+      <p:pic>
+        <p:nvPicPr>
+          <p:cNvPr id="8" name="Picture 7">
+            <a:extLst>
+              <a:ext uri="{FF2B5EF4-FFF2-40B4-BE49-F238E27FC236}">
+                <a16:creationId xmlns:a16="http://schemas.microsoft.com/office/drawing/2014/main" id="{C465DF9F-0333-A67D-BF2F-7A1723C8A6CA}"/>
+              </a:ext>
+            </a:extLst>
+          </p:cNvPr>
+          <p:cNvPicPr>
+            <a:picLocks noChangeAspect="1"/>
+          </p:cNvPicPr>
+          <p:nvPr/>
+        </p:nvPicPr>
+        <p:blipFill>
+          <a:blip r:embed="rId2"/>
+          <a:stretch>
+            <a:fillRect/>
+          </a:stretch>
+        </p:blipFill>
+        <p:spPr>
+          <a:xfrm>
+            <a:off x="-79682" y="5618650"/>
+            <a:ext cx="1394132" cy="1207318"/>
+          </a:xfrm>
+          <a:prstGeom prst="rect">
+            <a:avLst/>
+          </a:prstGeom>
+        </p:spPr>
+      </p:pic>
+      <p:pic>
+        <p:nvPicPr>
+          <p:cNvPr id="6" name="Picture 5">
+            <a:extLst>
+              <a:ext uri="{FF2B5EF4-FFF2-40B4-BE49-F238E27FC236}">
+                <a16:creationId xmlns:a16="http://schemas.microsoft.com/office/drawing/2014/main" id="{7EADF938-4CE9-6B92-B9FD-40C5C111E32B}"/>
+              </a:ext>
+            </a:extLst>
+          </p:cNvPr>
+          <p:cNvPicPr>
+            <a:picLocks noChangeAspect="1"/>
+          </p:cNvPicPr>
+          <p:nvPr/>
+        </p:nvPicPr>
+        <p:blipFill>
+          <a:blip r:embed="rId3"/>
+          <a:stretch>
+            <a:fillRect/>
+          </a:stretch>
+        </p:blipFill>
+        <p:spPr>
+          <a:xfrm>
+            <a:off x="617384" y="1454150"/>
+            <a:ext cx="5181600" cy="3949700"/>
+          </a:xfrm>
+          <a:prstGeom prst="rect">
+            <a:avLst/>
+          </a:prstGeom>
+        </p:spPr>
+      </p:pic>
+      <p:pic>
+        <p:nvPicPr>
+          <p:cNvPr id="10" name="Picture 9">
+            <a:extLst>
+              <a:ext uri="{FF2B5EF4-FFF2-40B4-BE49-F238E27FC236}">
+                <a16:creationId xmlns:a16="http://schemas.microsoft.com/office/drawing/2014/main" id="{339E2D2E-EE88-CB3F-016C-D77DFCF1D2AD}"/>
+              </a:ext>
+            </a:extLst>
+          </p:cNvPr>
+          <p:cNvPicPr>
+            <a:picLocks noChangeAspect="1"/>
+          </p:cNvPicPr>
+          <p:nvPr/>
+        </p:nvPicPr>
+        <p:blipFill>
+          <a:blip r:embed="rId4"/>
+          <a:stretch>
+            <a:fillRect/>
+          </a:stretch>
+        </p:blipFill>
+        <p:spPr>
+          <a:xfrm>
+            <a:off x="6393018" y="1454150"/>
+            <a:ext cx="5346700" cy="3949700"/>
+          </a:xfrm>
+          <a:prstGeom prst="rect">
+            <a:avLst/>
+          </a:prstGeom>
+        </p:spPr>
+      </p:pic>
+    </p:spTree>
+    <p:extLst>
+      <p:ext uri="{BB962C8B-B14F-4D97-AF65-F5344CB8AC3E}">
+        <p14:creationId xmlns:p14="http://schemas.microsoft.com/office/powerpoint/2010/main" val="1076706889"/>
+      </p:ext>
+    </p:extLst>
+  </p:cSld>
+  <p:clrMapOvr>
+    <a:masterClrMapping/>
+  </p:clrMapOvr>
+</p:sld>
+</file>
+
+<file path=ppt/slides/slide39.xml><?xml version="1.0" encoding="utf-8"?>
+<p:sld xmlns:a="http://schemas.openxmlformats.org/drawingml/2006/main" xmlns:r="http://schemas.openxmlformats.org/officeDocument/2006/relationships" xmlns:p="http://schemas.openxmlformats.org/presentationml/2006/main">
+  <p:cSld>
+    <p:bg>
+      <p:bgPr>
+        <a:solidFill>
+          <a:schemeClr val="accent6">
+            <a:lumMod val="20000"/>
+            <a:lumOff val="80000"/>
+          </a:schemeClr>
+        </a:solidFill>
+        <a:effectLst/>
+      </p:bgPr>
+    </p:bg>
+    <p:spTree>
+      <p:nvGrpSpPr>
+        <p:cNvPr id="1" name=""/>
+        <p:cNvGrpSpPr/>
+        <p:nvPr/>
+      </p:nvGrpSpPr>
+      <p:grpSpPr>
+        <a:xfrm>
+          <a:off x="0" y="0"/>
+          <a:ext cx="0" cy="0"/>
+          <a:chOff x="0" y="0"/>
+          <a:chExt cx="0" cy="0"/>
+        </a:xfrm>
+      </p:grpSpPr>
+      <p:sp>
+        <p:nvSpPr>
+          <p:cNvPr id="2" name="Title 1">
+            <a:extLst>
+              <a:ext uri="{FF2B5EF4-FFF2-40B4-BE49-F238E27FC236}">
+                <a16:creationId xmlns:a16="http://schemas.microsoft.com/office/drawing/2014/main" id="{1D13C5AE-B493-0EB6-EEFA-7185096A3FE3}"/>
+              </a:ext>
+            </a:extLst>
+          </p:cNvPr>
+          <p:cNvSpPr>
+            <a:spLocks noGrp="1"/>
+          </p:cNvSpPr>
+          <p:nvPr>
+            <p:ph type="title"/>
+          </p:nvPr>
+        </p:nvSpPr>
+        <p:spPr>
+          <a:xfrm>
+            <a:off x="838200" y="42510"/>
+            <a:ext cx="10515600" cy="1325563"/>
+          </a:xfrm>
+        </p:spPr>
+        <p:txBody>
+          <a:bodyPr>
+            <a:normAutofit/>
+          </a:bodyPr>
+          <a:lstStyle/>
+          <a:p>
+            <a:pPr algn="ctr"/>
+            <a:r>
+              <a:rPr lang="en-US" sz="3600" b="1" dirty="0">
+                <a:latin typeface="Times" pitchFamily="2" charset="0"/>
+              </a:rPr>
+              <a:t>Sulphates in red wines</a:t>
+            </a:r>
+          </a:p>
+        </p:txBody>
+      </p:sp>
+      <p:sp>
+        <p:nvSpPr>
+          <p:cNvPr id="4" name="Slide Number Placeholder 3">
+            <a:extLst>
+              <a:ext uri="{FF2B5EF4-FFF2-40B4-BE49-F238E27FC236}">
+                <a16:creationId xmlns:a16="http://schemas.microsoft.com/office/drawing/2014/main" id="{FD31AD99-9635-208F-783E-589A82632EAA}"/>
+              </a:ext>
+            </a:extLst>
+          </p:cNvPr>
+          <p:cNvSpPr>
+            <a:spLocks noGrp="1"/>
+          </p:cNvSpPr>
+          <p:nvPr>
+            <p:ph type="sldNum" sz="quarter" idx="12"/>
+          </p:nvPr>
+        </p:nvSpPr>
+        <p:spPr/>
+        <p:txBody>
+          <a:bodyPr/>
+          <a:lstStyle/>
+          <a:p>
+            <a:fld id="{B75B56F8-EB57-7748-88E5-B1194B5EAB74}" type="slidenum">
+              <a:rPr lang="en-DE" smtClean="0"/>
+              <a:t>39</a:t>
+            </a:fld>
+            <a:endParaRPr lang="en-DE"/>
+          </a:p>
+        </p:txBody>
+      </p:sp>
+      <p:pic>
+        <p:nvPicPr>
+          <p:cNvPr id="8" name="Picture 7">
+            <a:extLst>
+              <a:ext uri="{FF2B5EF4-FFF2-40B4-BE49-F238E27FC236}">
+                <a16:creationId xmlns:a16="http://schemas.microsoft.com/office/drawing/2014/main" id="{C465DF9F-0333-A67D-BF2F-7A1723C8A6CA}"/>
+              </a:ext>
+            </a:extLst>
+          </p:cNvPr>
+          <p:cNvPicPr>
+            <a:picLocks noChangeAspect="1"/>
+          </p:cNvPicPr>
+          <p:nvPr/>
+        </p:nvPicPr>
+        <p:blipFill>
+          <a:blip r:embed="rId2"/>
+          <a:stretch>
+            <a:fillRect/>
+          </a:stretch>
+        </p:blipFill>
+        <p:spPr>
+          <a:xfrm>
+            <a:off x="-79682" y="5618650"/>
+            <a:ext cx="1394132" cy="1207318"/>
+          </a:xfrm>
+          <a:prstGeom prst="rect">
+            <a:avLst/>
+          </a:prstGeom>
+        </p:spPr>
+      </p:pic>
+      <p:sp>
+        <p:nvSpPr>
+          <p:cNvPr id="7" name="TextBox 6">
+            <a:extLst>
+              <a:ext uri="{FF2B5EF4-FFF2-40B4-BE49-F238E27FC236}">
+                <a16:creationId xmlns:a16="http://schemas.microsoft.com/office/drawing/2014/main" id="{2A4E2FCC-1B88-F82B-D646-A0954130E99C}"/>
+              </a:ext>
+            </a:extLst>
+          </p:cNvPr>
+          <p:cNvSpPr txBox="1"/>
+          <p:nvPr/>
+        </p:nvSpPr>
+        <p:spPr>
+          <a:xfrm>
+            <a:off x="9458325" y="465597"/>
+            <a:ext cx="2215863" cy="646331"/>
+          </a:xfrm>
+          <a:prstGeom prst="rect">
+            <a:avLst/>
+          </a:prstGeom>
+          <a:noFill/>
+        </p:spPr>
+        <p:txBody>
+          <a:bodyPr wrap="none" rtlCol="0">
+            <a:spAutoFit/>
+          </a:bodyPr>
+          <a:lstStyle/>
+          <a:p>
+            <a:r>
+              <a:rPr lang="en-DE" dirty="0"/>
+              <a:t>Low sulphate: &lt; 0.6</a:t>
+            </a:r>
+          </a:p>
+          <a:p>
+            <a:r>
+              <a:rPr lang="en-GB" dirty="0"/>
+              <a:t>H</a:t>
+            </a:r>
+            <a:r>
+              <a:rPr lang="en-DE" dirty="0"/>
+              <a:t>igh sulphate: &gt;= 0.6 </a:t>
+            </a:r>
+          </a:p>
+        </p:txBody>
+      </p:sp>
+      <p:pic>
+        <p:nvPicPr>
+          <p:cNvPr id="6" name="Picture 5">
+            <a:extLst>
+              <a:ext uri="{FF2B5EF4-FFF2-40B4-BE49-F238E27FC236}">
+                <a16:creationId xmlns:a16="http://schemas.microsoft.com/office/drawing/2014/main" id="{66E42BE4-DEBA-4E80-39D4-57EF4189D750}"/>
+              </a:ext>
+            </a:extLst>
+          </p:cNvPr>
+          <p:cNvPicPr>
+            <a:picLocks noChangeAspect="1"/>
+          </p:cNvPicPr>
+          <p:nvPr/>
+        </p:nvPicPr>
+        <p:blipFill>
+          <a:blip r:embed="rId3"/>
+          <a:stretch>
+            <a:fillRect/>
+          </a:stretch>
+        </p:blipFill>
+        <p:spPr>
+          <a:xfrm>
+            <a:off x="3402807" y="1111928"/>
+            <a:ext cx="5386386" cy="5655706"/>
+          </a:xfrm>
+          <a:prstGeom prst="rect">
+            <a:avLst/>
+          </a:prstGeom>
+        </p:spPr>
+      </p:pic>
+    </p:spTree>
+    <p:extLst>
+      <p:ext uri="{BB962C8B-B14F-4D97-AF65-F5344CB8AC3E}">
+        <p14:creationId xmlns:p14="http://schemas.microsoft.com/office/powerpoint/2010/main" val="3845189742"/>
+      </p:ext>
+    </p:extLst>
+  </p:cSld>
+  <p:clrMapOvr>
+    <a:masterClrMapping/>
+  </p:clrMapOvr>
+</p:sld>
+</file>
+
 <file path=ppt/slides/slide4.xml><?xml version="1.0" encoding="utf-8"?>
 <p:sld xmlns:a="http://schemas.openxmlformats.org/drawingml/2006/main" xmlns:r="http://schemas.openxmlformats.org/officeDocument/2006/relationships" xmlns:p="http://schemas.openxmlformats.org/presentationml/2006/main">
   <p:cSld>
@@ -11136,6 +12103,3227 @@
     <p:extLst>
       <p:ext uri="{BB962C8B-B14F-4D97-AF65-F5344CB8AC3E}">
         <p14:creationId xmlns:p14="http://schemas.microsoft.com/office/powerpoint/2010/main" val="3445747176"/>
+      </p:ext>
+    </p:extLst>
+  </p:cSld>
+  <p:clrMapOvr>
+    <a:masterClrMapping/>
+  </p:clrMapOvr>
+</p:sld>
+</file>
+
+<file path=ppt/slides/slide40.xml><?xml version="1.0" encoding="utf-8"?>
+<p:sld xmlns:a="http://schemas.openxmlformats.org/drawingml/2006/main" xmlns:r="http://schemas.openxmlformats.org/officeDocument/2006/relationships" xmlns:p="http://schemas.openxmlformats.org/presentationml/2006/main">
+  <p:cSld>
+    <p:bg>
+      <p:bgPr>
+        <a:solidFill>
+          <a:schemeClr val="accent6">
+            <a:lumMod val="20000"/>
+            <a:lumOff val="80000"/>
+          </a:schemeClr>
+        </a:solidFill>
+        <a:effectLst/>
+      </p:bgPr>
+    </p:bg>
+    <p:spTree>
+      <p:nvGrpSpPr>
+        <p:cNvPr id="1" name=""/>
+        <p:cNvGrpSpPr/>
+        <p:nvPr/>
+      </p:nvGrpSpPr>
+      <p:grpSpPr>
+        <a:xfrm>
+          <a:off x="0" y="0"/>
+          <a:ext cx="0" cy="0"/>
+          <a:chOff x="0" y="0"/>
+          <a:chExt cx="0" cy="0"/>
+        </a:xfrm>
+      </p:grpSpPr>
+      <p:sp>
+        <p:nvSpPr>
+          <p:cNvPr id="2" name="Title 1">
+            <a:extLst>
+              <a:ext uri="{FF2B5EF4-FFF2-40B4-BE49-F238E27FC236}">
+                <a16:creationId xmlns:a16="http://schemas.microsoft.com/office/drawing/2014/main" id="{1D13C5AE-B493-0EB6-EEFA-7185096A3FE3}"/>
+              </a:ext>
+            </a:extLst>
+          </p:cNvPr>
+          <p:cNvSpPr>
+            <a:spLocks noGrp="1"/>
+          </p:cNvSpPr>
+          <p:nvPr>
+            <p:ph type="title"/>
+          </p:nvPr>
+        </p:nvSpPr>
+        <p:spPr>
+          <a:xfrm>
+            <a:off x="838200" y="42510"/>
+            <a:ext cx="10515600" cy="1325563"/>
+          </a:xfrm>
+        </p:spPr>
+        <p:txBody>
+          <a:bodyPr>
+            <a:normAutofit/>
+          </a:bodyPr>
+          <a:lstStyle/>
+          <a:p>
+            <a:pPr algn="ctr"/>
+            <a:r>
+              <a:rPr lang="en-US" sz="3600" b="1" dirty="0">
+                <a:latin typeface="Times" pitchFamily="2" charset="0"/>
+              </a:rPr>
+              <a:t>Sulphates in red wines</a:t>
+            </a:r>
+          </a:p>
+        </p:txBody>
+      </p:sp>
+      <p:sp>
+        <p:nvSpPr>
+          <p:cNvPr id="4" name="Slide Number Placeholder 3">
+            <a:extLst>
+              <a:ext uri="{FF2B5EF4-FFF2-40B4-BE49-F238E27FC236}">
+                <a16:creationId xmlns:a16="http://schemas.microsoft.com/office/drawing/2014/main" id="{FD31AD99-9635-208F-783E-589A82632EAA}"/>
+              </a:ext>
+            </a:extLst>
+          </p:cNvPr>
+          <p:cNvSpPr>
+            <a:spLocks noGrp="1"/>
+          </p:cNvSpPr>
+          <p:nvPr>
+            <p:ph type="sldNum" sz="quarter" idx="12"/>
+          </p:nvPr>
+        </p:nvSpPr>
+        <p:spPr/>
+        <p:txBody>
+          <a:bodyPr/>
+          <a:lstStyle/>
+          <a:p>
+            <a:fld id="{B75B56F8-EB57-7748-88E5-B1194B5EAB74}" type="slidenum">
+              <a:rPr lang="en-DE" smtClean="0"/>
+              <a:t>40</a:t>
+            </a:fld>
+            <a:endParaRPr lang="en-DE"/>
+          </a:p>
+        </p:txBody>
+      </p:sp>
+      <p:pic>
+        <p:nvPicPr>
+          <p:cNvPr id="8" name="Picture 7">
+            <a:extLst>
+              <a:ext uri="{FF2B5EF4-FFF2-40B4-BE49-F238E27FC236}">
+                <a16:creationId xmlns:a16="http://schemas.microsoft.com/office/drawing/2014/main" id="{C465DF9F-0333-A67D-BF2F-7A1723C8A6CA}"/>
+              </a:ext>
+            </a:extLst>
+          </p:cNvPr>
+          <p:cNvPicPr>
+            <a:picLocks noChangeAspect="1"/>
+          </p:cNvPicPr>
+          <p:nvPr/>
+        </p:nvPicPr>
+        <p:blipFill>
+          <a:blip r:embed="rId2"/>
+          <a:stretch>
+            <a:fillRect/>
+          </a:stretch>
+        </p:blipFill>
+        <p:spPr>
+          <a:xfrm>
+            <a:off x="-79682" y="5618650"/>
+            <a:ext cx="1394132" cy="1207318"/>
+          </a:xfrm>
+          <a:prstGeom prst="rect">
+            <a:avLst/>
+          </a:prstGeom>
+        </p:spPr>
+      </p:pic>
+      <p:pic>
+        <p:nvPicPr>
+          <p:cNvPr id="5" name="Picture 4">
+            <a:extLst>
+              <a:ext uri="{FF2B5EF4-FFF2-40B4-BE49-F238E27FC236}">
+                <a16:creationId xmlns:a16="http://schemas.microsoft.com/office/drawing/2014/main" id="{EE71BAFA-27DD-EAA8-F47B-EC8C66BBEB78}"/>
+              </a:ext>
+            </a:extLst>
+          </p:cNvPr>
+          <p:cNvPicPr>
+            <a:picLocks noChangeAspect="1"/>
+          </p:cNvPicPr>
+          <p:nvPr/>
+        </p:nvPicPr>
+        <p:blipFill>
+          <a:blip r:embed="rId3"/>
+          <a:stretch>
+            <a:fillRect/>
+          </a:stretch>
+        </p:blipFill>
+        <p:spPr>
+          <a:xfrm>
+            <a:off x="1364182" y="1628446"/>
+            <a:ext cx="9463635" cy="4593863"/>
+          </a:xfrm>
+          <a:prstGeom prst="rect">
+            <a:avLst/>
+          </a:prstGeom>
+        </p:spPr>
+      </p:pic>
+      <p:sp>
+        <p:nvSpPr>
+          <p:cNvPr id="7" name="TextBox 6">
+            <a:extLst>
+              <a:ext uri="{FF2B5EF4-FFF2-40B4-BE49-F238E27FC236}">
+                <a16:creationId xmlns:a16="http://schemas.microsoft.com/office/drawing/2014/main" id="{2A4E2FCC-1B88-F82B-D646-A0954130E99C}"/>
+              </a:ext>
+            </a:extLst>
+          </p:cNvPr>
+          <p:cNvSpPr txBox="1"/>
+          <p:nvPr/>
+        </p:nvSpPr>
+        <p:spPr>
+          <a:xfrm>
+            <a:off x="9458325" y="465597"/>
+            <a:ext cx="2215863" cy="646331"/>
+          </a:xfrm>
+          <a:prstGeom prst="rect">
+            <a:avLst/>
+          </a:prstGeom>
+          <a:noFill/>
+        </p:spPr>
+        <p:txBody>
+          <a:bodyPr wrap="none" rtlCol="0">
+            <a:spAutoFit/>
+          </a:bodyPr>
+          <a:lstStyle/>
+          <a:p>
+            <a:r>
+              <a:rPr lang="en-DE" dirty="0"/>
+              <a:t>Low sulphate: &lt; 0.6</a:t>
+            </a:r>
+          </a:p>
+          <a:p>
+            <a:r>
+              <a:rPr lang="en-GB" dirty="0"/>
+              <a:t>H</a:t>
+            </a:r>
+            <a:r>
+              <a:rPr lang="en-DE" dirty="0"/>
+              <a:t>igh sulphate: &gt;= 0.6 </a:t>
+            </a:r>
+          </a:p>
+        </p:txBody>
+      </p:sp>
+    </p:spTree>
+    <p:extLst>
+      <p:ext uri="{BB962C8B-B14F-4D97-AF65-F5344CB8AC3E}">
+        <p14:creationId xmlns:p14="http://schemas.microsoft.com/office/powerpoint/2010/main" val="807557045"/>
+      </p:ext>
+    </p:extLst>
+  </p:cSld>
+  <p:clrMapOvr>
+    <a:masterClrMapping/>
+  </p:clrMapOvr>
+</p:sld>
+</file>
+
+<file path=ppt/slides/slide41.xml><?xml version="1.0" encoding="utf-8"?>
+<p:sld xmlns:a="http://schemas.openxmlformats.org/drawingml/2006/main" xmlns:r="http://schemas.openxmlformats.org/officeDocument/2006/relationships" xmlns:p="http://schemas.openxmlformats.org/presentationml/2006/main">
+  <p:cSld>
+    <p:bg>
+      <p:bgPr>
+        <a:solidFill>
+          <a:schemeClr val="accent6">
+            <a:lumMod val="20000"/>
+            <a:lumOff val="80000"/>
+          </a:schemeClr>
+        </a:solidFill>
+        <a:effectLst/>
+      </p:bgPr>
+    </p:bg>
+    <p:spTree>
+      <p:nvGrpSpPr>
+        <p:cNvPr id="1" name=""/>
+        <p:cNvGrpSpPr/>
+        <p:nvPr/>
+      </p:nvGrpSpPr>
+      <p:grpSpPr>
+        <a:xfrm>
+          <a:off x="0" y="0"/>
+          <a:ext cx="0" cy="0"/>
+          <a:chOff x="0" y="0"/>
+          <a:chExt cx="0" cy="0"/>
+        </a:xfrm>
+      </p:grpSpPr>
+      <p:sp>
+        <p:nvSpPr>
+          <p:cNvPr id="2" name="Title 1">
+            <a:extLst>
+              <a:ext uri="{FF2B5EF4-FFF2-40B4-BE49-F238E27FC236}">
+                <a16:creationId xmlns:a16="http://schemas.microsoft.com/office/drawing/2014/main" id="{1D13C5AE-B493-0EB6-EEFA-7185096A3FE3}"/>
+              </a:ext>
+            </a:extLst>
+          </p:cNvPr>
+          <p:cNvSpPr>
+            <a:spLocks noGrp="1"/>
+          </p:cNvSpPr>
+          <p:nvPr>
+            <p:ph type="title"/>
+          </p:nvPr>
+        </p:nvSpPr>
+        <p:spPr>
+          <a:xfrm>
+            <a:off x="838200" y="42510"/>
+            <a:ext cx="10515600" cy="1325563"/>
+          </a:xfrm>
+        </p:spPr>
+        <p:txBody>
+          <a:bodyPr>
+            <a:normAutofit/>
+          </a:bodyPr>
+          <a:lstStyle/>
+          <a:p>
+            <a:pPr algn="ctr"/>
+            <a:r>
+              <a:rPr lang="en-US" sz="3600" b="1" dirty="0">
+                <a:latin typeface="Times" pitchFamily="2" charset="0"/>
+              </a:rPr>
+              <a:t>Red wines quality box plot</a:t>
+            </a:r>
+          </a:p>
+        </p:txBody>
+      </p:sp>
+      <p:sp>
+        <p:nvSpPr>
+          <p:cNvPr id="4" name="Slide Number Placeholder 3">
+            <a:extLst>
+              <a:ext uri="{FF2B5EF4-FFF2-40B4-BE49-F238E27FC236}">
+                <a16:creationId xmlns:a16="http://schemas.microsoft.com/office/drawing/2014/main" id="{FD31AD99-9635-208F-783E-589A82632EAA}"/>
+              </a:ext>
+            </a:extLst>
+          </p:cNvPr>
+          <p:cNvSpPr>
+            <a:spLocks noGrp="1"/>
+          </p:cNvSpPr>
+          <p:nvPr>
+            <p:ph type="sldNum" sz="quarter" idx="12"/>
+          </p:nvPr>
+        </p:nvSpPr>
+        <p:spPr/>
+        <p:txBody>
+          <a:bodyPr/>
+          <a:lstStyle/>
+          <a:p>
+            <a:fld id="{B75B56F8-EB57-7748-88E5-B1194B5EAB74}" type="slidenum">
+              <a:rPr lang="en-DE" smtClean="0"/>
+              <a:t>41</a:t>
+            </a:fld>
+            <a:endParaRPr lang="en-DE"/>
+          </a:p>
+        </p:txBody>
+      </p:sp>
+      <p:pic>
+        <p:nvPicPr>
+          <p:cNvPr id="8" name="Picture 7">
+            <a:extLst>
+              <a:ext uri="{FF2B5EF4-FFF2-40B4-BE49-F238E27FC236}">
+                <a16:creationId xmlns:a16="http://schemas.microsoft.com/office/drawing/2014/main" id="{C465DF9F-0333-A67D-BF2F-7A1723C8A6CA}"/>
+              </a:ext>
+            </a:extLst>
+          </p:cNvPr>
+          <p:cNvPicPr>
+            <a:picLocks noChangeAspect="1"/>
+          </p:cNvPicPr>
+          <p:nvPr/>
+        </p:nvPicPr>
+        <p:blipFill>
+          <a:blip r:embed="rId2"/>
+          <a:stretch>
+            <a:fillRect/>
+          </a:stretch>
+        </p:blipFill>
+        <p:spPr>
+          <a:xfrm>
+            <a:off x="-79682" y="5618650"/>
+            <a:ext cx="1394132" cy="1207318"/>
+          </a:xfrm>
+          <a:prstGeom prst="rect">
+            <a:avLst/>
+          </a:prstGeom>
+        </p:spPr>
+      </p:pic>
+      <p:pic>
+        <p:nvPicPr>
+          <p:cNvPr id="6" name="Picture 5">
+            <a:extLst>
+              <a:ext uri="{FF2B5EF4-FFF2-40B4-BE49-F238E27FC236}">
+                <a16:creationId xmlns:a16="http://schemas.microsoft.com/office/drawing/2014/main" id="{41F3BB7F-3C8B-F1E6-D9C5-41CC0594670E}"/>
+              </a:ext>
+            </a:extLst>
+          </p:cNvPr>
+          <p:cNvPicPr>
+            <a:picLocks noChangeAspect="1"/>
+          </p:cNvPicPr>
+          <p:nvPr/>
+        </p:nvPicPr>
+        <p:blipFill>
+          <a:blip r:embed="rId3"/>
+          <a:stretch>
+            <a:fillRect/>
+          </a:stretch>
+        </p:blipFill>
+        <p:spPr>
+          <a:xfrm>
+            <a:off x="1905918" y="1057275"/>
+            <a:ext cx="8838196" cy="5800725"/>
+          </a:xfrm>
+          <a:prstGeom prst="rect">
+            <a:avLst/>
+          </a:prstGeom>
+        </p:spPr>
+      </p:pic>
+    </p:spTree>
+    <p:extLst>
+      <p:ext uri="{BB962C8B-B14F-4D97-AF65-F5344CB8AC3E}">
+        <p14:creationId xmlns:p14="http://schemas.microsoft.com/office/powerpoint/2010/main" val="3864536864"/>
+      </p:ext>
+    </p:extLst>
+  </p:cSld>
+  <p:clrMapOvr>
+    <a:masterClrMapping/>
+  </p:clrMapOvr>
+</p:sld>
+</file>
+
+<file path=ppt/slides/slide42.xml><?xml version="1.0" encoding="utf-8"?>
+<p:sld xmlns:a="http://schemas.openxmlformats.org/drawingml/2006/main" xmlns:r="http://schemas.openxmlformats.org/officeDocument/2006/relationships" xmlns:p="http://schemas.openxmlformats.org/presentationml/2006/main">
+  <p:cSld>
+    <p:spTree>
+      <p:nvGrpSpPr>
+        <p:cNvPr id="1" name=""/>
+        <p:cNvGrpSpPr/>
+        <p:nvPr/>
+      </p:nvGrpSpPr>
+      <p:grpSpPr>
+        <a:xfrm>
+          <a:off x="0" y="0"/>
+          <a:ext cx="0" cy="0"/>
+          <a:chOff x="0" y="0"/>
+          <a:chExt cx="0" cy="0"/>
+        </a:xfrm>
+      </p:grpSpPr>
+      <p:sp>
+        <p:nvSpPr>
+          <p:cNvPr id="2" name="Title 1">
+            <a:extLst>
+              <a:ext uri="{FF2B5EF4-FFF2-40B4-BE49-F238E27FC236}">
+                <a16:creationId xmlns:a16="http://schemas.microsoft.com/office/drawing/2014/main" id="{1D13C5AE-B493-0EB6-EEFA-7185096A3FE3}"/>
+              </a:ext>
+            </a:extLst>
+          </p:cNvPr>
+          <p:cNvSpPr>
+            <a:spLocks noGrp="1"/>
+          </p:cNvSpPr>
+          <p:nvPr>
+            <p:ph type="title"/>
+          </p:nvPr>
+        </p:nvSpPr>
+        <p:spPr>
+          <a:xfrm>
+            <a:off x="838200" y="-268006"/>
+            <a:ext cx="10515600" cy="1325563"/>
+          </a:xfrm>
+        </p:spPr>
+        <p:txBody>
+          <a:bodyPr/>
+          <a:lstStyle/>
+          <a:p>
+            <a:pPr algn="ctr"/>
+            <a:r>
+              <a:rPr lang="en-DE" sz="3200" b="1">
+                <a:latin typeface="Times" pitchFamily="2" charset="0"/>
+              </a:rPr>
+              <a:t>Avona test </a:t>
+            </a:r>
+          </a:p>
+        </p:txBody>
+      </p:sp>
+      <p:sp>
+        <p:nvSpPr>
+          <p:cNvPr id="4" name="Slide Number Placeholder 3">
+            <a:extLst>
+              <a:ext uri="{FF2B5EF4-FFF2-40B4-BE49-F238E27FC236}">
+                <a16:creationId xmlns:a16="http://schemas.microsoft.com/office/drawing/2014/main" id="{FD31AD99-9635-208F-783E-589A82632EAA}"/>
+              </a:ext>
+            </a:extLst>
+          </p:cNvPr>
+          <p:cNvSpPr>
+            <a:spLocks noGrp="1"/>
+          </p:cNvSpPr>
+          <p:nvPr>
+            <p:ph type="sldNum" sz="quarter" idx="12"/>
+          </p:nvPr>
+        </p:nvSpPr>
+        <p:spPr/>
+        <p:txBody>
+          <a:bodyPr/>
+          <a:lstStyle/>
+          <a:p>
+            <a:fld id="{B75B56F8-EB57-7748-88E5-B1194B5EAB74}" type="slidenum">
+              <a:rPr lang="en-DE" smtClean="0"/>
+              <a:t>42</a:t>
+            </a:fld>
+            <a:endParaRPr lang="en-DE"/>
+          </a:p>
+        </p:txBody>
+      </p:sp>
+      <p:pic>
+        <p:nvPicPr>
+          <p:cNvPr id="8" name="Picture 7">
+            <a:extLst>
+              <a:ext uri="{FF2B5EF4-FFF2-40B4-BE49-F238E27FC236}">
+                <a16:creationId xmlns:a16="http://schemas.microsoft.com/office/drawing/2014/main" id="{C465DF9F-0333-A67D-BF2F-7A1723C8A6CA}"/>
+              </a:ext>
+            </a:extLst>
+          </p:cNvPr>
+          <p:cNvPicPr>
+            <a:picLocks noChangeAspect="1"/>
+          </p:cNvPicPr>
+          <p:nvPr/>
+        </p:nvPicPr>
+        <p:blipFill>
+          <a:blip r:embed="rId2"/>
+          <a:stretch>
+            <a:fillRect/>
+          </a:stretch>
+        </p:blipFill>
+        <p:spPr>
+          <a:xfrm>
+            <a:off x="-79682" y="5618650"/>
+            <a:ext cx="1394132" cy="1207318"/>
+          </a:xfrm>
+          <a:prstGeom prst="rect">
+            <a:avLst/>
+          </a:prstGeom>
+        </p:spPr>
+      </p:pic>
+      <p:pic>
+        <p:nvPicPr>
+          <p:cNvPr id="6" name="Picture 5">
+            <a:extLst>
+              <a:ext uri="{FF2B5EF4-FFF2-40B4-BE49-F238E27FC236}">
+                <a16:creationId xmlns:a16="http://schemas.microsoft.com/office/drawing/2014/main" id="{1102544C-5780-977D-59CD-0BFCAE683810}"/>
+              </a:ext>
+            </a:extLst>
+          </p:cNvPr>
+          <p:cNvPicPr>
+            <a:picLocks noChangeAspect="1"/>
+          </p:cNvPicPr>
+          <p:nvPr/>
+        </p:nvPicPr>
+        <p:blipFill>
+          <a:blip r:embed="rId3"/>
+          <a:stretch>
+            <a:fillRect/>
+          </a:stretch>
+        </p:blipFill>
+        <p:spPr>
+          <a:xfrm>
+            <a:off x="680817" y="614363"/>
+            <a:ext cx="11343948" cy="6243637"/>
+          </a:xfrm>
+          <a:prstGeom prst="rect">
+            <a:avLst/>
+          </a:prstGeom>
+        </p:spPr>
+      </p:pic>
+      <p:grpSp>
+        <p:nvGrpSpPr>
+          <p:cNvPr id="3" name="Group 2">
+            <a:extLst>
+              <a:ext uri="{FF2B5EF4-FFF2-40B4-BE49-F238E27FC236}">
+                <a16:creationId xmlns:a16="http://schemas.microsoft.com/office/drawing/2014/main" id="{BB374B09-9CD7-0481-6190-3E0834B67F56}"/>
+              </a:ext>
+            </a:extLst>
+          </p:cNvPr>
+          <p:cNvGrpSpPr/>
+          <p:nvPr/>
+        </p:nvGrpSpPr>
+        <p:grpSpPr>
+          <a:xfrm>
+            <a:off x="9417032" y="914082"/>
+            <a:ext cx="2607733" cy="2029131"/>
+            <a:chOff x="6513689" y="836989"/>
+            <a:chExt cx="2607733" cy="2029131"/>
+          </a:xfrm>
+        </p:grpSpPr>
+        <p:cxnSp>
+          <p:nvCxnSpPr>
+            <p:cNvPr id="5" name="Straight Connector 4">
+              <a:extLst>
+                <a:ext uri="{FF2B5EF4-FFF2-40B4-BE49-F238E27FC236}">
+                  <a16:creationId xmlns:a16="http://schemas.microsoft.com/office/drawing/2014/main" id="{56C68197-973A-627D-54C0-A3C9CB58E113}"/>
+                </a:ext>
+              </a:extLst>
+            </p:cNvPr>
+            <p:cNvCxnSpPr/>
+            <p:nvPr/>
+          </p:nvCxnSpPr>
+          <p:spPr>
+            <a:xfrm>
+              <a:off x="6513689" y="846667"/>
+              <a:ext cx="2607733" cy="0"/>
+            </a:xfrm>
+            <a:prstGeom prst="line">
+              <a:avLst/>
+            </a:prstGeom>
+            <a:ln w="34925">
+              <a:solidFill>
+                <a:srgbClr val="C00000"/>
+              </a:solidFill>
+            </a:ln>
+          </p:spPr>
+          <p:style>
+            <a:lnRef idx="1">
+              <a:schemeClr val="dk1"/>
+            </a:lnRef>
+            <a:fillRef idx="0">
+              <a:schemeClr val="dk1"/>
+            </a:fillRef>
+            <a:effectRef idx="0">
+              <a:schemeClr val="dk1"/>
+            </a:effectRef>
+            <a:fontRef idx="minor">
+              <a:schemeClr val="tx1"/>
+            </a:fontRef>
+          </p:style>
+        </p:cxnSp>
+        <p:cxnSp>
+          <p:nvCxnSpPr>
+            <p:cNvPr id="7" name="Straight Connector 6">
+              <a:extLst>
+                <a:ext uri="{FF2B5EF4-FFF2-40B4-BE49-F238E27FC236}">
+                  <a16:creationId xmlns:a16="http://schemas.microsoft.com/office/drawing/2014/main" id="{6B7A3D1C-C434-06DD-23E0-97561422562E}"/>
+                </a:ext>
+              </a:extLst>
+            </p:cNvPr>
+            <p:cNvCxnSpPr/>
+            <p:nvPr/>
+          </p:nvCxnSpPr>
+          <p:spPr>
+            <a:xfrm>
+              <a:off x="6513689" y="2856442"/>
+              <a:ext cx="2607733" cy="0"/>
+            </a:xfrm>
+            <a:prstGeom prst="line">
+              <a:avLst/>
+            </a:prstGeom>
+            <a:ln w="34925">
+              <a:solidFill>
+                <a:srgbClr val="C00000"/>
+              </a:solidFill>
+            </a:ln>
+          </p:spPr>
+          <p:style>
+            <a:lnRef idx="1">
+              <a:schemeClr val="dk1"/>
+            </a:lnRef>
+            <a:fillRef idx="0">
+              <a:schemeClr val="dk1"/>
+            </a:fillRef>
+            <a:effectRef idx="0">
+              <a:schemeClr val="dk1"/>
+            </a:effectRef>
+            <a:fontRef idx="minor">
+              <a:schemeClr val="tx1"/>
+            </a:fontRef>
+          </p:style>
+        </p:cxnSp>
+        <p:cxnSp>
+          <p:nvCxnSpPr>
+            <p:cNvPr id="9" name="Straight Connector 8">
+              <a:extLst>
+                <a:ext uri="{FF2B5EF4-FFF2-40B4-BE49-F238E27FC236}">
+                  <a16:creationId xmlns:a16="http://schemas.microsoft.com/office/drawing/2014/main" id="{3CE98AEC-F771-EC89-F577-F3355086B51E}"/>
+                </a:ext>
+              </a:extLst>
+            </p:cNvPr>
+            <p:cNvCxnSpPr>
+              <a:cxnSpLocks/>
+            </p:cNvCxnSpPr>
+            <p:nvPr/>
+          </p:nvCxnSpPr>
+          <p:spPr>
+            <a:xfrm flipV="1">
+              <a:off x="6531327" y="836989"/>
+              <a:ext cx="0" cy="2019453"/>
+            </a:xfrm>
+            <a:prstGeom prst="line">
+              <a:avLst/>
+            </a:prstGeom>
+            <a:ln w="34925">
+              <a:solidFill>
+                <a:srgbClr val="C00000"/>
+              </a:solidFill>
+            </a:ln>
+          </p:spPr>
+          <p:style>
+            <a:lnRef idx="1">
+              <a:schemeClr val="dk1"/>
+            </a:lnRef>
+            <a:fillRef idx="0">
+              <a:schemeClr val="dk1"/>
+            </a:fillRef>
+            <a:effectRef idx="0">
+              <a:schemeClr val="dk1"/>
+            </a:effectRef>
+            <a:fontRef idx="minor">
+              <a:schemeClr val="tx1"/>
+            </a:fontRef>
+          </p:style>
+        </p:cxnSp>
+        <p:cxnSp>
+          <p:nvCxnSpPr>
+            <p:cNvPr id="10" name="Straight Connector 9">
+              <a:extLst>
+                <a:ext uri="{FF2B5EF4-FFF2-40B4-BE49-F238E27FC236}">
+                  <a16:creationId xmlns:a16="http://schemas.microsoft.com/office/drawing/2014/main" id="{ECB58891-CC60-587F-DB47-994944838E0C}"/>
+                </a:ext>
+              </a:extLst>
+            </p:cNvPr>
+            <p:cNvCxnSpPr>
+              <a:cxnSpLocks/>
+            </p:cNvCxnSpPr>
+            <p:nvPr/>
+          </p:nvCxnSpPr>
+          <p:spPr>
+            <a:xfrm flipV="1">
+              <a:off x="9121422" y="846667"/>
+              <a:ext cx="0" cy="2019453"/>
+            </a:xfrm>
+            <a:prstGeom prst="line">
+              <a:avLst/>
+            </a:prstGeom>
+            <a:ln w="34925">
+              <a:solidFill>
+                <a:srgbClr val="C00000"/>
+              </a:solidFill>
+            </a:ln>
+          </p:spPr>
+          <p:style>
+            <a:lnRef idx="1">
+              <a:schemeClr val="dk1"/>
+            </a:lnRef>
+            <a:fillRef idx="0">
+              <a:schemeClr val="dk1"/>
+            </a:fillRef>
+            <a:effectRef idx="0">
+              <a:schemeClr val="dk1"/>
+            </a:effectRef>
+            <a:fontRef idx="minor">
+              <a:schemeClr val="tx1"/>
+            </a:fontRef>
+          </p:style>
+        </p:cxnSp>
+      </p:grpSp>
+      <p:grpSp>
+        <p:nvGrpSpPr>
+          <p:cNvPr id="11" name="Group 10">
+            <a:extLst>
+              <a:ext uri="{FF2B5EF4-FFF2-40B4-BE49-F238E27FC236}">
+                <a16:creationId xmlns:a16="http://schemas.microsoft.com/office/drawing/2014/main" id="{AE97A8FD-94AB-C637-1116-84DF4F527980}"/>
+              </a:ext>
+            </a:extLst>
+          </p:cNvPr>
+          <p:cNvGrpSpPr/>
+          <p:nvPr/>
+        </p:nvGrpSpPr>
+        <p:grpSpPr>
+          <a:xfrm>
+            <a:off x="3679087" y="2796998"/>
+            <a:ext cx="2607733" cy="2029131"/>
+            <a:chOff x="6513689" y="836989"/>
+            <a:chExt cx="2607733" cy="2029131"/>
+          </a:xfrm>
+        </p:grpSpPr>
+        <p:cxnSp>
+          <p:nvCxnSpPr>
+            <p:cNvPr id="12" name="Straight Connector 11">
+              <a:extLst>
+                <a:ext uri="{FF2B5EF4-FFF2-40B4-BE49-F238E27FC236}">
+                  <a16:creationId xmlns:a16="http://schemas.microsoft.com/office/drawing/2014/main" id="{6FB017F3-2A38-D534-FE08-092A2DAF703B}"/>
+                </a:ext>
+              </a:extLst>
+            </p:cNvPr>
+            <p:cNvCxnSpPr/>
+            <p:nvPr/>
+          </p:nvCxnSpPr>
+          <p:spPr>
+            <a:xfrm>
+              <a:off x="6513689" y="846667"/>
+              <a:ext cx="2607733" cy="0"/>
+            </a:xfrm>
+            <a:prstGeom prst="line">
+              <a:avLst/>
+            </a:prstGeom>
+            <a:ln w="34925">
+              <a:solidFill>
+                <a:srgbClr val="C00000"/>
+              </a:solidFill>
+            </a:ln>
+          </p:spPr>
+          <p:style>
+            <a:lnRef idx="1">
+              <a:schemeClr val="dk1"/>
+            </a:lnRef>
+            <a:fillRef idx="0">
+              <a:schemeClr val="dk1"/>
+            </a:fillRef>
+            <a:effectRef idx="0">
+              <a:schemeClr val="dk1"/>
+            </a:effectRef>
+            <a:fontRef idx="minor">
+              <a:schemeClr val="tx1"/>
+            </a:fontRef>
+          </p:style>
+        </p:cxnSp>
+        <p:cxnSp>
+          <p:nvCxnSpPr>
+            <p:cNvPr id="13" name="Straight Connector 12">
+              <a:extLst>
+                <a:ext uri="{FF2B5EF4-FFF2-40B4-BE49-F238E27FC236}">
+                  <a16:creationId xmlns:a16="http://schemas.microsoft.com/office/drawing/2014/main" id="{1D8A2D94-39A6-DFA6-6F1D-33F5CB1141B4}"/>
+                </a:ext>
+              </a:extLst>
+            </p:cNvPr>
+            <p:cNvCxnSpPr/>
+            <p:nvPr/>
+          </p:nvCxnSpPr>
+          <p:spPr>
+            <a:xfrm>
+              <a:off x="6513689" y="2856442"/>
+              <a:ext cx="2607733" cy="0"/>
+            </a:xfrm>
+            <a:prstGeom prst="line">
+              <a:avLst/>
+            </a:prstGeom>
+            <a:ln w="34925">
+              <a:solidFill>
+                <a:srgbClr val="C00000"/>
+              </a:solidFill>
+            </a:ln>
+          </p:spPr>
+          <p:style>
+            <a:lnRef idx="1">
+              <a:schemeClr val="dk1"/>
+            </a:lnRef>
+            <a:fillRef idx="0">
+              <a:schemeClr val="dk1"/>
+            </a:fillRef>
+            <a:effectRef idx="0">
+              <a:schemeClr val="dk1"/>
+            </a:effectRef>
+            <a:fontRef idx="minor">
+              <a:schemeClr val="tx1"/>
+            </a:fontRef>
+          </p:style>
+        </p:cxnSp>
+        <p:cxnSp>
+          <p:nvCxnSpPr>
+            <p:cNvPr id="14" name="Straight Connector 13">
+              <a:extLst>
+                <a:ext uri="{FF2B5EF4-FFF2-40B4-BE49-F238E27FC236}">
+                  <a16:creationId xmlns:a16="http://schemas.microsoft.com/office/drawing/2014/main" id="{E41B8A70-A9AF-4668-9378-861A903FE33D}"/>
+                </a:ext>
+              </a:extLst>
+            </p:cNvPr>
+            <p:cNvCxnSpPr>
+              <a:cxnSpLocks/>
+            </p:cNvCxnSpPr>
+            <p:nvPr/>
+          </p:nvCxnSpPr>
+          <p:spPr>
+            <a:xfrm flipV="1">
+              <a:off x="6531327" y="836989"/>
+              <a:ext cx="0" cy="2019453"/>
+            </a:xfrm>
+            <a:prstGeom prst="line">
+              <a:avLst/>
+            </a:prstGeom>
+            <a:ln w="34925">
+              <a:solidFill>
+                <a:srgbClr val="C00000"/>
+              </a:solidFill>
+            </a:ln>
+          </p:spPr>
+          <p:style>
+            <a:lnRef idx="1">
+              <a:schemeClr val="dk1"/>
+            </a:lnRef>
+            <a:fillRef idx="0">
+              <a:schemeClr val="dk1"/>
+            </a:fillRef>
+            <a:effectRef idx="0">
+              <a:schemeClr val="dk1"/>
+            </a:effectRef>
+            <a:fontRef idx="minor">
+              <a:schemeClr val="tx1"/>
+            </a:fontRef>
+          </p:style>
+        </p:cxnSp>
+        <p:cxnSp>
+          <p:nvCxnSpPr>
+            <p:cNvPr id="15" name="Straight Connector 14">
+              <a:extLst>
+                <a:ext uri="{FF2B5EF4-FFF2-40B4-BE49-F238E27FC236}">
+                  <a16:creationId xmlns:a16="http://schemas.microsoft.com/office/drawing/2014/main" id="{A361C9AA-6CB0-8522-B84A-35AB2390D52E}"/>
+                </a:ext>
+              </a:extLst>
+            </p:cNvPr>
+            <p:cNvCxnSpPr>
+              <a:cxnSpLocks/>
+            </p:cNvCxnSpPr>
+            <p:nvPr/>
+          </p:nvCxnSpPr>
+          <p:spPr>
+            <a:xfrm flipV="1">
+              <a:off x="9121422" y="846667"/>
+              <a:ext cx="0" cy="2019453"/>
+            </a:xfrm>
+            <a:prstGeom prst="line">
+              <a:avLst/>
+            </a:prstGeom>
+            <a:ln w="34925">
+              <a:solidFill>
+                <a:srgbClr val="C00000"/>
+              </a:solidFill>
+            </a:ln>
+          </p:spPr>
+          <p:style>
+            <a:lnRef idx="1">
+              <a:schemeClr val="dk1"/>
+            </a:lnRef>
+            <a:fillRef idx="0">
+              <a:schemeClr val="dk1"/>
+            </a:fillRef>
+            <a:effectRef idx="0">
+              <a:schemeClr val="dk1"/>
+            </a:effectRef>
+            <a:fontRef idx="minor">
+              <a:schemeClr val="tx1"/>
+            </a:fontRef>
+          </p:style>
+        </p:cxnSp>
+      </p:grpSp>
+    </p:spTree>
+    <p:extLst>
+      <p:ext uri="{BB962C8B-B14F-4D97-AF65-F5344CB8AC3E}">
+        <p14:creationId xmlns:p14="http://schemas.microsoft.com/office/powerpoint/2010/main" val="834774720"/>
+      </p:ext>
+    </p:extLst>
+  </p:cSld>
+  <p:clrMapOvr>
+    <a:masterClrMapping/>
+  </p:clrMapOvr>
+</p:sld>
+</file>
+
+<file path=ppt/slides/slide43.xml><?xml version="1.0" encoding="utf-8"?>
+<p:sld xmlns:a="http://schemas.openxmlformats.org/drawingml/2006/main" xmlns:r="http://schemas.openxmlformats.org/officeDocument/2006/relationships" xmlns:p="http://schemas.openxmlformats.org/presentationml/2006/main">
+  <p:cSld>
+    <p:bg>
+      <p:bgPr>
+        <a:solidFill>
+          <a:schemeClr val="accent6">
+            <a:lumMod val="20000"/>
+            <a:lumOff val="80000"/>
+          </a:schemeClr>
+        </a:solidFill>
+        <a:effectLst/>
+      </p:bgPr>
+    </p:bg>
+    <p:spTree>
+      <p:nvGrpSpPr>
+        <p:cNvPr id="1" name=""/>
+        <p:cNvGrpSpPr/>
+        <p:nvPr/>
+      </p:nvGrpSpPr>
+      <p:grpSpPr>
+        <a:xfrm>
+          <a:off x="0" y="0"/>
+          <a:ext cx="0" cy="0"/>
+          <a:chOff x="0" y="0"/>
+          <a:chExt cx="0" cy="0"/>
+        </a:xfrm>
+      </p:grpSpPr>
+      <p:sp>
+        <p:nvSpPr>
+          <p:cNvPr id="2" name="Title 1">
+            <a:extLst>
+              <a:ext uri="{FF2B5EF4-FFF2-40B4-BE49-F238E27FC236}">
+                <a16:creationId xmlns:a16="http://schemas.microsoft.com/office/drawing/2014/main" id="{1D13C5AE-B493-0EB6-EEFA-7185096A3FE3}"/>
+              </a:ext>
+            </a:extLst>
+          </p:cNvPr>
+          <p:cNvSpPr>
+            <a:spLocks noGrp="1"/>
+          </p:cNvSpPr>
+          <p:nvPr>
+            <p:ph type="title"/>
+          </p:nvPr>
+        </p:nvSpPr>
+        <p:spPr>
+          <a:xfrm>
+            <a:off x="838200" y="42510"/>
+            <a:ext cx="10515600" cy="1325563"/>
+          </a:xfrm>
+        </p:spPr>
+        <p:txBody>
+          <a:bodyPr>
+            <a:normAutofit/>
+          </a:bodyPr>
+          <a:lstStyle/>
+          <a:p>
+            <a:pPr algn="ctr"/>
+            <a:r>
+              <a:rPr lang="en-US" sz="3600" b="1" dirty="0">
+                <a:latin typeface="Times" pitchFamily="2" charset="0"/>
+              </a:rPr>
+              <a:t>Red wines quality box plot</a:t>
+            </a:r>
+          </a:p>
+        </p:txBody>
+      </p:sp>
+      <p:sp>
+        <p:nvSpPr>
+          <p:cNvPr id="4" name="Slide Number Placeholder 3">
+            <a:extLst>
+              <a:ext uri="{FF2B5EF4-FFF2-40B4-BE49-F238E27FC236}">
+                <a16:creationId xmlns:a16="http://schemas.microsoft.com/office/drawing/2014/main" id="{FD31AD99-9635-208F-783E-589A82632EAA}"/>
+              </a:ext>
+            </a:extLst>
+          </p:cNvPr>
+          <p:cNvSpPr>
+            <a:spLocks noGrp="1"/>
+          </p:cNvSpPr>
+          <p:nvPr>
+            <p:ph type="sldNum" sz="quarter" idx="12"/>
+          </p:nvPr>
+        </p:nvSpPr>
+        <p:spPr/>
+        <p:txBody>
+          <a:bodyPr/>
+          <a:lstStyle/>
+          <a:p>
+            <a:fld id="{B75B56F8-EB57-7748-88E5-B1194B5EAB74}" type="slidenum">
+              <a:rPr lang="en-DE" smtClean="0"/>
+              <a:t>43</a:t>
+            </a:fld>
+            <a:endParaRPr lang="en-DE"/>
+          </a:p>
+        </p:txBody>
+      </p:sp>
+      <p:pic>
+        <p:nvPicPr>
+          <p:cNvPr id="8" name="Picture 7">
+            <a:extLst>
+              <a:ext uri="{FF2B5EF4-FFF2-40B4-BE49-F238E27FC236}">
+                <a16:creationId xmlns:a16="http://schemas.microsoft.com/office/drawing/2014/main" id="{C465DF9F-0333-A67D-BF2F-7A1723C8A6CA}"/>
+              </a:ext>
+            </a:extLst>
+          </p:cNvPr>
+          <p:cNvPicPr>
+            <a:picLocks noChangeAspect="1"/>
+          </p:cNvPicPr>
+          <p:nvPr/>
+        </p:nvPicPr>
+        <p:blipFill>
+          <a:blip r:embed="rId2"/>
+          <a:stretch>
+            <a:fillRect/>
+          </a:stretch>
+        </p:blipFill>
+        <p:spPr>
+          <a:xfrm>
+            <a:off x="-79682" y="5618650"/>
+            <a:ext cx="1394132" cy="1207318"/>
+          </a:xfrm>
+          <a:prstGeom prst="rect">
+            <a:avLst/>
+          </a:prstGeom>
+        </p:spPr>
+      </p:pic>
+      <p:pic>
+        <p:nvPicPr>
+          <p:cNvPr id="6" name="Picture 5">
+            <a:extLst>
+              <a:ext uri="{FF2B5EF4-FFF2-40B4-BE49-F238E27FC236}">
+                <a16:creationId xmlns:a16="http://schemas.microsoft.com/office/drawing/2014/main" id="{41F3BB7F-3C8B-F1E6-D9C5-41CC0594670E}"/>
+              </a:ext>
+            </a:extLst>
+          </p:cNvPr>
+          <p:cNvPicPr>
+            <a:picLocks noChangeAspect="1"/>
+          </p:cNvPicPr>
+          <p:nvPr/>
+        </p:nvPicPr>
+        <p:blipFill>
+          <a:blip r:embed="rId3"/>
+          <a:stretch>
+            <a:fillRect/>
+          </a:stretch>
+        </p:blipFill>
+        <p:spPr>
+          <a:xfrm>
+            <a:off x="1905918" y="1057275"/>
+            <a:ext cx="8838196" cy="5800725"/>
+          </a:xfrm>
+          <a:prstGeom prst="rect">
+            <a:avLst/>
+          </a:prstGeom>
+        </p:spPr>
+      </p:pic>
+      <p:grpSp>
+        <p:nvGrpSpPr>
+          <p:cNvPr id="9" name="Group 8">
+            <a:extLst>
+              <a:ext uri="{FF2B5EF4-FFF2-40B4-BE49-F238E27FC236}">
+                <a16:creationId xmlns:a16="http://schemas.microsoft.com/office/drawing/2014/main" id="{61473563-034C-75B5-EF55-6E8CC712F99D}"/>
+              </a:ext>
+            </a:extLst>
+          </p:cNvPr>
+          <p:cNvGrpSpPr/>
+          <p:nvPr/>
+        </p:nvGrpSpPr>
+        <p:grpSpPr>
+          <a:xfrm>
+            <a:off x="4086228" y="2914650"/>
+            <a:ext cx="2414907" cy="1971678"/>
+            <a:chOff x="6513689" y="836989"/>
+            <a:chExt cx="2607733" cy="2029131"/>
+          </a:xfrm>
+        </p:grpSpPr>
+        <p:cxnSp>
+          <p:nvCxnSpPr>
+            <p:cNvPr id="10" name="Straight Connector 9">
+              <a:extLst>
+                <a:ext uri="{FF2B5EF4-FFF2-40B4-BE49-F238E27FC236}">
+                  <a16:creationId xmlns:a16="http://schemas.microsoft.com/office/drawing/2014/main" id="{9E1FE868-4CDD-6D6F-B5F4-F31A9055B4FE}"/>
+                </a:ext>
+              </a:extLst>
+            </p:cNvPr>
+            <p:cNvCxnSpPr/>
+            <p:nvPr/>
+          </p:nvCxnSpPr>
+          <p:spPr>
+            <a:xfrm>
+              <a:off x="6513689" y="846667"/>
+              <a:ext cx="2607733" cy="0"/>
+            </a:xfrm>
+            <a:prstGeom prst="line">
+              <a:avLst/>
+            </a:prstGeom>
+            <a:ln w="34925">
+              <a:solidFill>
+                <a:srgbClr val="C00000"/>
+              </a:solidFill>
+            </a:ln>
+          </p:spPr>
+          <p:style>
+            <a:lnRef idx="1">
+              <a:schemeClr val="dk1"/>
+            </a:lnRef>
+            <a:fillRef idx="0">
+              <a:schemeClr val="dk1"/>
+            </a:fillRef>
+            <a:effectRef idx="0">
+              <a:schemeClr val="dk1"/>
+            </a:effectRef>
+            <a:fontRef idx="minor">
+              <a:schemeClr val="tx1"/>
+            </a:fontRef>
+          </p:style>
+        </p:cxnSp>
+        <p:cxnSp>
+          <p:nvCxnSpPr>
+            <p:cNvPr id="11" name="Straight Connector 10">
+              <a:extLst>
+                <a:ext uri="{FF2B5EF4-FFF2-40B4-BE49-F238E27FC236}">
+                  <a16:creationId xmlns:a16="http://schemas.microsoft.com/office/drawing/2014/main" id="{0B3F96D6-6670-F5BF-A4C3-8F6D30AF72DD}"/>
+                </a:ext>
+              </a:extLst>
+            </p:cNvPr>
+            <p:cNvCxnSpPr/>
+            <p:nvPr/>
+          </p:nvCxnSpPr>
+          <p:spPr>
+            <a:xfrm>
+              <a:off x="6513689" y="2856442"/>
+              <a:ext cx="2607733" cy="0"/>
+            </a:xfrm>
+            <a:prstGeom prst="line">
+              <a:avLst/>
+            </a:prstGeom>
+            <a:ln w="34925">
+              <a:solidFill>
+                <a:srgbClr val="C00000"/>
+              </a:solidFill>
+            </a:ln>
+          </p:spPr>
+          <p:style>
+            <a:lnRef idx="1">
+              <a:schemeClr val="dk1"/>
+            </a:lnRef>
+            <a:fillRef idx="0">
+              <a:schemeClr val="dk1"/>
+            </a:fillRef>
+            <a:effectRef idx="0">
+              <a:schemeClr val="dk1"/>
+            </a:effectRef>
+            <a:fontRef idx="minor">
+              <a:schemeClr val="tx1"/>
+            </a:fontRef>
+          </p:style>
+        </p:cxnSp>
+        <p:cxnSp>
+          <p:nvCxnSpPr>
+            <p:cNvPr id="12" name="Straight Connector 11">
+              <a:extLst>
+                <a:ext uri="{FF2B5EF4-FFF2-40B4-BE49-F238E27FC236}">
+                  <a16:creationId xmlns:a16="http://schemas.microsoft.com/office/drawing/2014/main" id="{4BA57AE6-7278-2B28-7D2E-5FD692BD6238}"/>
+                </a:ext>
+              </a:extLst>
+            </p:cNvPr>
+            <p:cNvCxnSpPr>
+              <a:cxnSpLocks/>
+            </p:cNvCxnSpPr>
+            <p:nvPr/>
+          </p:nvCxnSpPr>
+          <p:spPr>
+            <a:xfrm flipV="1">
+              <a:off x="6531327" y="836989"/>
+              <a:ext cx="0" cy="2019453"/>
+            </a:xfrm>
+            <a:prstGeom prst="line">
+              <a:avLst/>
+            </a:prstGeom>
+            <a:ln w="34925">
+              <a:solidFill>
+                <a:srgbClr val="C00000"/>
+              </a:solidFill>
+            </a:ln>
+          </p:spPr>
+          <p:style>
+            <a:lnRef idx="1">
+              <a:schemeClr val="dk1"/>
+            </a:lnRef>
+            <a:fillRef idx="0">
+              <a:schemeClr val="dk1"/>
+            </a:fillRef>
+            <a:effectRef idx="0">
+              <a:schemeClr val="dk1"/>
+            </a:effectRef>
+            <a:fontRef idx="minor">
+              <a:schemeClr val="tx1"/>
+            </a:fontRef>
+          </p:style>
+        </p:cxnSp>
+        <p:cxnSp>
+          <p:nvCxnSpPr>
+            <p:cNvPr id="13" name="Straight Connector 12">
+              <a:extLst>
+                <a:ext uri="{FF2B5EF4-FFF2-40B4-BE49-F238E27FC236}">
+                  <a16:creationId xmlns:a16="http://schemas.microsoft.com/office/drawing/2014/main" id="{D3842690-0033-72CE-C054-B703AD154816}"/>
+                </a:ext>
+              </a:extLst>
+            </p:cNvPr>
+            <p:cNvCxnSpPr>
+              <a:cxnSpLocks/>
+            </p:cNvCxnSpPr>
+            <p:nvPr/>
+          </p:nvCxnSpPr>
+          <p:spPr>
+            <a:xfrm flipV="1">
+              <a:off x="9121422" y="846667"/>
+              <a:ext cx="0" cy="2019453"/>
+            </a:xfrm>
+            <a:prstGeom prst="line">
+              <a:avLst/>
+            </a:prstGeom>
+            <a:ln w="34925">
+              <a:solidFill>
+                <a:srgbClr val="C00000"/>
+              </a:solidFill>
+            </a:ln>
+          </p:spPr>
+          <p:style>
+            <a:lnRef idx="1">
+              <a:schemeClr val="dk1"/>
+            </a:lnRef>
+            <a:fillRef idx="0">
+              <a:schemeClr val="dk1"/>
+            </a:fillRef>
+            <a:effectRef idx="0">
+              <a:schemeClr val="dk1"/>
+            </a:effectRef>
+            <a:fontRef idx="minor">
+              <a:schemeClr val="tx1"/>
+            </a:fontRef>
+          </p:style>
+        </p:cxnSp>
+      </p:grpSp>
+      <p:grpSp>
+        <p:nvGrpSpPr>
+          <p:cNvPr id="14" name="Group 13">
+            <a:extLst>
+              <a:ext uri="{FF2B5EF4-FFF2-40B4-BE49-F238E27FC236}">
+                <a16:creationId xmlns:a16="http://schemas.microsoft.com/office/drawing/2014/main" id="{AA4037A8-EA33-D23C-4A8F-202FEB658C1F}"/>
+              </a:ext>
+            </a:extLst>
+          </p:cNvPr>
+          <p:cNvGrpSpPr/>
+          <p:nvPr/>
+        </p:nvGrpSpPr>
+        <p:grpSpPr>
+          <a:xfrm>
+            <a:off x="8774746" y="976250"/>
+            <a:ext cx="2414907" cy="1971678"/>
+            <a:chOff x="6513689" y="836989"/>
+            <a:chExt cx="2607733" cy="2029131"/>
+          </a:xfrm>
+        </p:grpSpPr>
+        <p:cxnSp>
+          <p:nvCxnSpPr>
+            <p:cNvPr id="15" name="Straight Connector 14">
+              <a:extLst>
+                <a:ext uri="{FF2B5EF4-FFF2-40B4-BE49-F238E27FC236}">
+                  <a16:creationId xmlns:a16="http://schemas.microsoft.com/office/drawing/2014/main" id="{48441256-CBD0-5659-D8F1-2D2C2E3E2034}"/>
+                </a:ext>
+              </a:extLst>
+            </p:cNvPr>
+            <p:cNvCxnSpPr/>
+            <p:nvPr/>
+          </p:nvCxnSpPr>
+          <p:spPr>
+            <a:xfrm>
+              <a:off x="6513689" y="846667"/>
+              <a:ext cx="2607733" cy="0"/>
+            </a:xfrm>
+            <a:prstGeom prst="line">
+              <a:avLst/>
+            </a:prstGeom>
+            <a:ln w="34925">
+              <a:solidFill>
+                <a:srgbClr val="C00000"/>
+              </a:solidFill>
+            </a:ln>
+          </p:spPr>
+          <p:style>
+            <a:lnRef idx="1">
+              <a:schemeClr val="dk1"/>
+            </a:lnRef>
+            <a:fillRef idx="0">
+              <a:schemeClr val="dk1"/>
+            </a:fillRef>
+            <a:effectRef idx="0">
+              <a:schemeClr val="dk1"/>
+            </a:effectRef>
+            <a:fontRef idx="minor">
+              <a:schemeClr val="tx1"/>
+            </a:fontRef>
+          </p:style>
+        </p:cxnSp>
+        <p:cxnSp>
+          <p:nvCxnSpPr>
+            <p:cNvPr id="16" name="Straight Connector 15">
+              <a:extLst>
+                <a:ext uri="{FF2B5EF4-FFF2-40B4-BE49-F238E27FC236}">
+                  <a16:creationId xmlns:a16="http://schemas.microsoft.com/office/drawing/2014/main" id="{DD729E75-5806-EAEC-2693-26612AF7EFCA}"/>
+                </a:ext>
+              </a:extLst>
+            </p:cNvPr>
+            <p:cNvCxnSpPr/>
+            <p:nvPr/>
+          </p:nvCxnSpPr>
+          <p:spPr>
+            <a:xfrm>
+              <a:off x="6513689" y="2856442"/>
+              <a:ext cx="2607733" cy="0"/>
+            </a:xfrm>
+            <a:prstGeom prst="line">
+              <a:avLst/>
+            </a:prstGeom>
+            <a:ln w="34925">
+              <a:solidFill>
+                <a:srgbClr val="C00000"/>
+              </a:solidFill>
+            </a:ln>
+          </p:spPr>
+          <p:style>
+            <a:lnRef idx="1">
+              <a:schemeClr val="dk1"/>
+            </a:lnRef>
+            <a:fillRef idx="0">
+              <a:schemeClr val="dk1"/>
+            </a:fillRef>
+            <a:effectRef idx="0">
+              <a:schemeClr val="dk1"/>
+            </a:effectRef>
+            <a:fontRef idx="minor">
+              <a:schemeClr val="tx1"/>
+            </a:fontRef>
+          </p:style>
+        </p:cxnSp>
+        <p:cxnSp>
+          <p:nvCxnSpPr>
+            <p:cNvPr id="17" name="Straight Connector 16">
+              <a:extLst>
+                <a:ext uri="{FF2B5EF4-FFF2-40B4-BE49-F238E27FC236}">
+                  <a16:creationId xmlns:a16="http://schemas.microsoft.com/office/drawing/2014/main" id="{96F97BC5-91F4-0063-23FB-D07BF18F3D0B}"/>
+                </a:ext>
+              </a:extLst>
+            </p:cNvPr>
+            <p:cNvCxnSpPr>
+              <a:cxnSpLocks/>
+            </p:cNvCxnSpPr>
+            <p:nvPr/>
+          </p:nvCxnSpPr>
+          <p:spPr>
+            <a:xfrm flipV="1">
+              <a:off x="6531327" y="836989"/>
+              <a:ext cx="0" cy="2019453"/>
+            </a:xfrm>
+            <a:prstGeom prst="line">
+              <a:avLst/>
+            </a:prstGeom>
+            <a:ln w="34925">
+              <a:solidFill>
+                <a:srgbClr val="C00000"/>
+              </a:solidFill>
+            </a:ln>
+          </p:spPr>
+          <p:style>
+            <a:lnRef idx="1">
+              <a:schemeClr val="dk1"/>
+            </a:lnRef>
+            <a:fillRef idx="0">
+              <a:schemeClr val="dk1"/>
+            </a:fillRef>
+            <a:effectRef idx="0">
+              <a:schemeClr val="dk1"/>
+            </a:effectRef>
+            <a:fontRef idx="minor">
+              <a:schemeClr val="tx1"/>
+            </a:fontRef>
+          </p:style>
+        </p:cxnSp>
+        <p:cxnSp>
+          <p:nvCxnSpPr>
+            <p:cNvPr id="18" name="Straight Connector 17">
+              <a:extLst>
+                <a:ext uri="{FF2B5EF4-FFF2-40B4-BE49-F238E27FC236}">
+                  <a16:creationId xmlns:a16="http://schemas.microsoft.com/office/drawing/2014/main" id="{9E720B72-3FFC-B629-D033-F80DDC396D32}"/>
+                </a:ext>
+              </a:extLst>
+            </p:cNvPr>
+            <p:cNvCxnSpPr>
+              <a:cxnSpLocks/>
+            </p:cNvCxnSpPr>
+            <p:nvPr/>
+          </p:nvCxnSpPr>
+          <p:spPr>
+            <a:xfrm flipV="1">
+              <a:off x="9121422" y="846667"/>
+              <a:ext cx="0" cy="2019453"/>
+            </a:xfrm>
+            <a:prstGeom prst="line">
+              <a:avLst/>
+            </a:prstGeom>
+            <a:ln w="34925">
+              <a:solidFill>
+                <a:srgbClr val="C00000"/>
+              </a:solidFill>
+            </a:ln>
+          </p:spPr>
+          <p:style>
+            <a:lnRef idx="1">
+              <a:schemeClr val="dk1"/>
+            </a:lnRef>
+            <a:fillRef idx="0">
+              <a:schemeClr val="dk1"/>
+            </a:fillRef>
+            <a:effectRef idx="0">
+              <a:schemeClr val="dk1"/>
+            </a:effectRef>
+            <a:fontRef idx="minor">
+              <a:schemeClr val="tx1"/>
+            </a:fontRef>
+          </p:style>
+        </p:cxnSp>
+      </p:grpSp>
+    </p:spTree>
+    <p:extLst>
+      <p:ext uri="{BB962C8B-B14F-4D97-AF65-F5344CB8AC3E}">
+        <p14:creationId xmlns:p14="http://schemas.microsoft.com/office/powerpoint/2010/main" val="260592515"/>
+      </p:ext>
+    </p:extLst>
+  </p:cSld>
+  <p:clrMapOvr>
+    <a:masterClrMapping/>
+  </p:clrMapOvr>
+</p:sld>
+</file>
+
+<file path=ppt/slides/slide44.xml><?xml version="1.0" encoding="utf-8"?>
+<p:sld xmlns:a="http://schemas.openxmlformats.org/drawingml/2006/main" xmlns:r="http://schemas.openxmlformats.org/officeDocument/2006/relationships" xmlns:p="http://schemas.openxmlformats.org/presentationml/2006/main">
+  <p:cSld>
+    <p:bg>
+      <p:bgPr>
+        <a:solidFill>
+          <a:schemeClr val="accent6">
+            <a:lumMod val="20000"/>
+            <a:lumOff val="80000"/>
+          </a:schemeClr>
+        </a:solidFill>
+        <a:effectLst/>
+      </p:bgPr>
+    </p:bg>
+    <p:spTree>
+      <p:nvGrpSpPr>
+        <p:cNvPr id="1" name=""/>
+        <p:cNvGrpSpPr/>
+        <p:nvPr/>
+      </p:nvGrpSpPr>
+      <p:grpSpPr>
+        <a:xfrm>
+          <a:off x="0" y="0"/>
+          <a:ext cx="0" cy="0"/>
+          <a:chOff x="0" y="0"/>
+          <a:chExt cx="0" cy="0"/>
+        </a:xfrm>
+      </p:grpSpPr>
+      <p:sp>
+        <p:nvSpPr>
+          <p:cNvPr id="2" name="Title 1">
+            <a:extLst>
+              <a:ext uri="{FF2B5EF4-FFF2-40B4-BE49-F238E27FC236}">
+                <a16:creationId xmlns:a16="http://schemas.microsoft.com/office/drawing/2014/main" id="{1D13C5AE-B493-0EB6-EEFA-7185096A3FE3}"/>
+              </a:ext>
+            </a:extLst>
+          </p:cNvPr>
+          <p:cNvSpPr>
+            <a:spLocks noGrp="1"/>
+          </p:cNvSpPr>
+          <p:nvPr>
+            <p:ph type="title"/>
+          </p:nvPr>
+        </p:nvSpPr>
+        <p:spPr>
+          <a:xfrm>
+            <a:off x="838200" y="42510"/>
+            <a:ext cx="10515600" cy="1325563"/>
+          </a:xfrm>
+        </p:spPr>
+        <p:txBody>
+          <a:bodyPr>
+            <a:normAutofit/>
+          </a:bodyPr>
+          <a:lstStyle/>
+          <a:p>
+            <a:pPr algn="ctr"/>
+            <a:r>
+              <a:rPr lang="en-US" sz="3600" b="1" dirty="0">
+                <a:latin typeface="Times" pitchFamily="2" charset="0"/>
+              </a:rPr>
+              <a:t>White wines quality box plot</a:t>
+            </a:r>
+          </a:p>
+        </p:txBody>
+      </p:sp>
+      <p:sp>
+        <p:nvSpPr>
+          <p:cNvPr id="4" name="Slide Number Placeholder 3">
+            <a:extLst>
+              <a:ext uri="{FF2B5EF4-FFF2-40B4-BE49-F238E27FC236}">
+                <a16:creationId xmlns:a16="http://schemas.microsoft.com/office/drawing/2014/main" id="{FD31AD99-9635-208F-783E-589A82632EAA}"/>
+              </a:ext>
+            </a:extLst>
+          </p:cNvPr>
+          <p:cNvSpPr>
+            <a:spLocks noGrp="1"/>
+          </p:cNvSpPr>
+          <p:nvPr>
+            <p:ph type="sldNum" sz="quarter" idx="12"/>
+          </p:nvPr>
+        </p:nvSpPr>
+        <p:spPr/>
+        <p:txBody>
+          <a:bodyPr/>
+          <a:lstStyle/>
+          <a:p>
+            <a:fld id="{B75B56F8-EB57-7748-88E5-B1194B5EAB74}" type="slidenum">
+              <a:rPr lang="en-DE" smtClean="0"/>
+              <a:t>44</a:t>
+            </a:fld>
+            <a:endParaRPr lang="en-DE"/>
+          </a:p>
+        </p:txBody>
+      </p:sp>
+      <p:pic>
+        <p:nvPicPr>
+          <p:cNvPr id="8" name="Picture 7">
+            <a:extLst>
+              <a:ext uri="{FF2B5EF4-FFF2-40B4-BE49-F238E27FC236}">
+                <a16:creationId xmlns:a16="http://schemas.microsoft.com/office/drawing/2014/main" id="{C465DF9F-0333-A67D-BF2F-7A1723C8A6CA}"/>
+              </a:ext>
+            </a:extLst>
+          </p:cNvPr>
+          <p:cNvPicPr>
+            <a:picLocks noChangeAspect="1"/>
+          </p:cNvPicPr>
+          <p:nvPr/>
+        </p:nvPicPr>
+        <p:blipFill>
+          <a:blip r:embed="rId2"/>
+          <a:stretch>
+            <a:fillRect/>
+          </a:stretch>
+        </p:blipFill>
+        <p:spPr>
+          <a:xfrm>
+            <a:off x="-79682" y="5618650"/>
+            <a:ext cx="1394132" cy="1207318"/>
+          </a:xfrm>
+          <a:prstGeom prst="rect">
+            <a:avLst/>
+          </a:prstGeom>
+        </p:spPr>
+      </p:pic>
+      <p:pic>
+        <p:nvPicPr>
+          <p:cNvPr id="5" name="Picture 4">
+            <a:extLst>
+              <a:ext uri="{FF2B5EF4-FFF2-40B4-BE49-F238E27FC236}">
+                <a16:creationId xmlns:a16="http://schemas.microsoft.com/office/drawing/2014/main" id="{452AA593-10C2-CAE9-8C76-44FAD4FE73A8}"/>
+              </a:ext>
+            </a:extLst>
+          </p:cNvPr>
+          <p:cNvPicPr>
+            <a:picLocks noChangeAspect="1"/>
+          </p:cNvPicPr>
+          <p:nvPr/>
+        </p:nvPicPr>
+        <p:blipFill>
+          <a:blip r:embed="rId3"/>
+          <a:stretch>
+            <a:fillRect/>
+          </a:stretch>
+        </p:blipFill>
+        <p:spPr>
+          <a:xfrm>
+            <a:off x="2028738" y="942753"/>
+            <a:ext cx="9012686" cy="5915247"/>
+          </a:xfrm>
+          <a:prstGeom prst="rect">
+            <a:avLst/>
+          </a:prstGeom>
+        </p:spPr>
+      </p:pic>
+    </p:spTree>
+    <p:extLst>
+      <p:ext uri="{BB962C8B-B14F-4D97-AF65-F5344CB8AC3E}">
+        <p14:creationId xmlns:p14="http://schemas.microsoft.com/office/powerpoint/2010/main" val="1126843710"/>
+      </p:ext>
+    </p:extLst>
+  </p:cSld>
+  <p:clrMapOvr>
+    <a:masterClrMapping/>
+  </p:clrMapOvr>
+</p:sld>
+</file>
+
+<file path=ppt/slides/slide45.xml><?xml version="1.0" encoding="utf-8"?>
+<p:sld xmlns:a="http://schemas.openxmlformats.org/drawingml/2006/main" xmlns:r="http://schemas.openxmlformats.org/officeDocument/2006/relationships" xmlns:p="http://schemas.openxmlformats.org/presentationml/2006/main">
+  <p:cSld>
+    <p:spTree>
+      <p:nvGrpSpPr>
+        <p:cNvPr id="1" name=""/>
+        <p:cNvGrpSpPr/>
+        <p:nvPr/>
+      </p:nvGrpSpPr>
+      <p:grpSpPr>
+        <a:xfrm>
+          <a:off x="0" y="0"/>
+          <a:ext cx="0" cy="0"/>
+          <a:chOff x="0" y="0"/>
+          <a:chExt cx="0" cy="0"/>
+        </a:xfrm>
+      </p:grpSpPr>
+      <p:sp>
+        <p:nvSpPr>
+          <p:cNvPr id="2" name="Title 1">
+            <a:extLst>
+              <a:ext uri="{FF2B5EF4-FFF2-40B4-BE49-F238E27FC236}">
+                <a16:creationId xmlns:a16="http://schemas.microsoft.com/office/drawing/2014/main" id="{1D13C5AE-B493-0EB6-EEFA-7185096A3FE3}"/>
+              </a:ext>
+            </a:extLst>
+          </p:cNvPr>
+          <p:cNvSpPr>
+            <a:spLocks noGrp="1"/>
+          </p:cNvSpPr>
+          <p:nvPr>
+            <p:ph type="title"/>
+          </p:nvPr>
+        </p:nvSpPr>
+        <p:spPr>
+          <a:xfrm>
+            <a:off x="824980" y="-336174"/>
+            <a:ext cx="10515600" cy="1325563"/>
+          </a:xfrm>
+        </p:spPr>
+        <p:txBody>
+          <a:bodyPr/>
+          <a:lstStyle/>
+          <a:p>
+            <a:pPr algn="ctr"/>
+            <a:r>
+              <a:rPr lang="en-DE" sz="3200" b="1">
+                <a:latin typeface="Times" pitchFamily="2" charset="0"/>
+              </a:rPr>
+              <a:t>Avona test </a:t>
+            </a:r>
+          </a:p>
+        </p:txBody>
+      </p:sp>
+      <p:sp>
+        <p:nvSpPr>
+          <p:cNvPr id="4" name="Slide Number Placeholder 3">
+            <a:extLst>
+              <a:ext uri="{FF2B5EF4-FFF2-40B4-BE49-F238E27FC236}">
+                <a16:creationId xmlns:a16="http://schemas.microsoft.com/office/drawing/2014/main" id="{FD31AD99-9635-208F-783E-589A82632EAA}"/>
+              </a:ext>
+            </a:extLst>
+          </p:cNvPr>
+          <p:cNvSpPr>
+            <a:spLocks noGrp="1"/>
+          </p:cNvSpPr>
+          <p:nvPr>
+            <p:ph type="sldNum" sz="quarter" idx="12"/>
+          </p:nvPr>
+        </p:nvSpPr>
+        <p:spPr/>
+        <p:txBody>
+          <a:bodyPr/>
+          <a:lstStyle/>
+          <a:p>
+            <a:fld id="{B75B56F8-EB57-7748-88E5-B1194B5EAB74}" type="slidenum">
+              <a:rPr lang="en-DE" smtClean="0"/>
+              <a:t>45</a:t>
+            </a:fld>
+            <a:endParaRPr lang="en-DE"/>
+          </a:p>
+        </p:txBody>
+      </p:sp>
+      <p:pic>
+        <p:nvPicPr>
+          <p:cNvPr id="8" name="Picture 7">
+            <a:extLst>
+              <a:ext uri="{FF2B5EF4-FFF2-40B4-BE49-F238E27FC236}">
+                <a16:creationId xmlns:a16="http://schemas.microsoft.com/office/drawing/2014/main" id="{C465DF9F-0333-A67D-BF2F-7A1723C8A6CA}"/>
+              </a:ext>
+            </a:extLst>
+          </p:cNvPr>
+          <p:cNvPicPr>
+            <a:picLocks noChangeAspect="1"/>
+          </p:cNvPicPr>
+          <p:nvPr/>
+        </p:nvPicPr>
+        <p:blipFill>
+          <a:blip r:embed="rId2"/>
+          <a:stretch>
+            <a:fillRect/>
+          </a:stretch>
+        </p:blipFill>
+        <p:spPr>
+          <a:xfrm>
+            <a:off x="-79682" y="5618650"/>
+            <a:ext cx="1394132" cy="1207318"/>
+          </a:xfrm>
+          <a:prstGeom prst="rect">
+            <a:avLst/>
+          </a:prstGeom>
+        </p:spPr>
+      </p:pic>
+      <p:pic>
+        <p:nvPicPr>
+          <p:cNvPr id="6" name="Picture 5">
+            <a:extLst>
+              <a:ext uri="{FF2B5EF4-FFF2-40B4-BE49-F238E27FC236}">
+                <a16:creationId xmlns:a16="http://schemas.microsoft.com/office/drawing/2014/main" id="{3134F589-64D9-C7CE-9362-34F9F2837E12}"/>
+              </a:ext>
+            </a:extLst>
+          </p:cNvPr>
+          <p:cNvPicPr>
+            <a:picLocks noChangeAspect="1"/>
+          </p:cNvPicPr>
+          <p:nvPr/>
+        </p:nvPicPr>
+        <p:blipFill>
+          <a:blip r:embed="rId3"/>
+          <a:stretch>
+            <a:fillRect/>
+          </a:stretch>
+        </p:blipFill>
+        <p:spPr>
+          <a:xfrm>
+            <a:off x="617384" y="554413"/>
+            <a:ext cx="11452869" cy="6303587"/>
+          </a:xfrm>
+          <a:prstGeom prst="rect">
+            <a:avLst/>
+          </a:prstGeom>
+          <a:ln>
+            <a:solidFill>
+              <a:schemeClr val="accent1">
+                <a:shade val="50000"/>
+              </a:schemeClr>
+            </a:solidFill>
+          </a:ln>
+          <a:effectLst>
+            <a:reflection stA="0" endPos="69910" dist="50800" dir="5400000" sy="-100000" algn="bl" rotWithShape="0"/>
+          </a:effectLst>
+        </p:spPr>
+      </p:pic>
+      <p:grpSp>
+        <p:nvGrpSpPr>
+          <p:cNvPr id="17" name="Group 16">
+            <a:extLst>
+              <a:ext uri="{FF2B5EF4-FFF2-40B4-BE49-F238E27FC236}">
+                <a16:creationId xmlns:a16="http://schemas.microsoft.com/office/drawing/2014/main" id="{449D6D13-ECE2-0553-16FD-C8315DFB73E9}"/>
+              </a:ext>
+            </a:extLst>
+          </p:cNvPr>
+          <p:cNvGrpSpPr/>
+          <p:nvPr/>
+        </p:nvGrpSpPr>
+        <p:grpSpPr>
+          <a:xfrm>
+            <a:off x="6513689" y="836989"/>
+            <a:ext cx="2607733" cy="2029131"/>
+            <a:chOff x="6513689" y="836989"/>
+            <a:chExt cx="2607733" cy="2029131"/>
+          </a:xfrm>
+        </p:grpSpPr>
+        <p:cxnSp>
+          <p:nvCxnSpPr>
+            <p:cNvPr id="10" name="Straight Connector 9">
+              <a:extLst>
+                <a:ext uri="{FF2B5EF4-FFF2-40B4-BE49-F238E27FC236}">
+                  <a16:creationId xmlns:a16="http://schemas.microsoft.com/office/drawing/2014/main" id="{86965966-4C06-D429-9DF7-AFB95F673C17}"/>
+                </a:ext>
+              </a:extLst>
+            </p:cNvPr>
+            <p:cNvCxnSpPr/>
+            <p:nvPr/>
+          </p:nvCxnSpPr>
+          <p:spPr>
+            <a:xfrm>
+              <a:off x="6513689" y="846667"/>
+              <a:ext cx="2607733" cy="0"/>
+            </a:xfrm>
+            <a:prstGeom prst="line">
+              <a:avLst/>
+            </a:prstGeom>
+            <a:ln w="34925">
+              <a:solidFill>
+                <a:srgbClr val="C00000"/>
+              </a:solidFill>
+            </a:ln>
+          </p:spPr>
+          <p:style>
+            <a:lnRef idx="1">
+              <a:schemeClr val="dk1"/>
+            </a:lnRef>
+            <a:fillRef idx="0">
+              <a:schemeClr val="dk1"/>
+            </a:fillRef>
+            <a:effectRef idx="0">
+              <a:schemeClr val="dk1"/>
+            </a:effectRef>
+            <a:fontRef idx="minor">
+              <a:schemeClr val="tx1"/>
+            </a:fontRef>
+          </p:style>
+        </p:cxnSp>
+        <p:cxnSp>
+          <p:nvCxnSpPr>
+            <p:cNvPr id="11" name="Straight Connector 10">
+              <a:extLst>
+                <a:ext uri="{FF2B5EF4-FFF2-40B4-BE49-F238E27FC236}">
+                  <a16:creationId xmlns:a16="http://schemas.microsoft.com/office/drawing/2014/main" id="{71C8E297-B9A6-C4F3-FE0C-B0D01B3684D6}"/>
+                </a:ext>
+              </a:extLst>
+            </p:cNvPr>
+            <p:cNvCxnSpPr/>
+            <p:nvPr/>
+          </p:nvCxnSpPr>
+          <p:spPr>
+            <a:xfrm>
+              <a:off x="6513689" y="2856442"/>
+              <a:ext cx="2607733" cy="0"/>
+            </a:xfrm>
+            <a:prstGeom prst="line">
+              <a:avLst/>
+            </a:prstGeom>
+            <a:ln w="34925">
+              <a:solidFill>
+                <a:srgbClr val="C00000"/>
+              </a:solidFill>
+            </a:ln>
+          </p:spPr>
+          <p:style>
+            <a:lnRef idx="1">
+              <a:schemeClr val="dk1"/>
+            </a:lnRef>
+            <a:fillRef idx="0">
+              <a:schemeClr val="dk1"/>
+            </a:fillRef>
+            <a:effectRef idx="0">
+              <a:schemeClr val="dk1"/>
+            </a:effectRef>
+            <a:fontRef idx="minor">
+              <a:schemeClr val="tx1"/>
+            </a:fontRef>
+          </p:style>
+        </p:cxnSp>
+        <p:cxnSp>
+          <p:nvCxnSpPr>
+            <p:cNvPr id="14" name="Straight Connector 13">
+              <a:extLst>
+                <a:ext uri="{FF2B5EF4-FFF2-40B4-BE49-F238E27FC236}">
+                  <a16:creationId xmlns:a16="http://schemas.microsoft.com/office/drawing/2014/main" id="{4F63D210-96D8-696F-6C9F-A2A55201E04B}"/>
+                </a:ext>
+              </a:extLst>
+            </p:cNvPr>
+            <p:cNvCxnSpPr>
+              <a:cxnSpLocks/>
+            </p:cNvCxnSpPr>
+            <p:nvPr/>
+          </p:nvCxnSpPr>
+          <p:spPr>
+            <a:xfrm flipV="1">
+              <a:off x="6531327" y="836989"/>
+              <a:ext cx="0" cy="2019453"/>
+            </a:xfrm>
+            <a:prstGeom prst="line">
+              <a:avLst/>
+            </a:prstGeom>
+            <a:ln w="34925">
+              <a:solidFill>
+                <a:srgbClr val="C00000"/>
+              </a:solidFill>
+            </a:ln>
+          </p:spPr>
+          <p:style>
+            <a:lnRef idx="1">
+              <a:schemeClr val="dk1"/>
+            </a:lnRef>
+            <a:fillRef idx="0">
+              <a:schemeClr val="dk1"/>
+            </a:fillRef>
+            <a:effectRef idx="0">
+              <a:schemeClr val="dk1"/>
+            </a:effectRef>
+            <a:fontRef idx="minor">
+              <a:schemeClr val="tx1"/>
+            </a:fontRef>
+          </p:style>
+        </p:cxnSp>
+        <p:cxnSp>
+          <p:nvCxnSpPr>
+            <p:cNvPr id="16" name="Straight Connector 15">
+              <a:extLst>
+                <a:ext uri="{FF2B5EF4-FFF2-40B4-BE49-F238E27FC236}">
+                  <a16:creationId xmlns:a16="http://schemas.microsoft.com/office/drawing/2014/main" id="{361F2B43-8C90-9752-A5AE-8B0DAB6C60A0}"/>
+                </a:ext>
+              </a:extLst>
+            </p:cNvPr>
+            <p:cNvCxnSpPr>
+              <a:cxnSpLocks/>
+            </p:cNvCxnSpPr>
+            <p:nvPr/>
+          </p:nvCxnSpPr>
+          <p:spPr>
+            <a:xfrm flipV="1">
+              <a:off x="9121422" y="846667"/>
+              <a:ext cx="0" cy="2019453"/>
+            </a:xfrm>
+            <a:prstGeom prst="line">
+              <a:avLst/>
+            </a:prstGeom>
+            <a:ln w="34925">
+              <a:solidFill>
+                <a:srgbClr val="C00000"/>
+              </a:solidFill>
+            </a:ln>
+          </p:spPr>
+          <p:style>
+            <a:lnRef idx="1">
+              <a:schemeClr val="dk1"/>
+            </a:lnRef>
+            <a:fillRef idx="0">
+              <a:schemeClr val="dk1"/>
+            </a:fillRef>
+            <a:effectRef idx="0">
+              <a:schemeClr val="dk1"/>
+            </a:effectRef>
+            <a:fontRef idx="minor">
+              <a:schemeClr val="tx1"/>
+            </a:fontRef>
+          </p:style>
+        </p:cxnSp>
+      </p:grpSp>
+      <p:grpSp>
+        <p:nvGrpSpPr>
+          <p:cNvPr id="18" name="Group 17">
+            <a:extLst>
+              <a:ext uri="{FF2B5EF4-FFF2-40B4-BE49-F238E27FC236}">
+                <a16:creationId xmlns:a16="http://schemas.microsoft.com/office/drawing/2014/main" id="{33BA5188-4946-2521-3024-BEBB8BB1D1E7}"/>
+              </a:ext>
+            </a:extLst>
+          </p:cNvPr>
+          <p:cNvGrpSpPr/>
+          <p:nvPr/>
+        </p:nvGrpSpPr>
+        <p:grpSpPr>
+          <a:xfrm>
+            <a:off x="3643579" y="2846012"/>
+            <a:ext cx="2607733" cy="2029131"/>
+            <a:chOff x="6513689" y="836989"/>
+            <a:chExt cx="2607733" cy="2029131"/>
+          </a:xfrm>
+        </p:grpSpPr>
+        <p:cxnSp>
+          <p:nvCxnSpPr>
+            <p:cNvPr id="19" name="Straight Connector 18">
+              <a:extLst>
+                <a:ext uri="{FF2B5EF4-FFF2-40B4-BE49-F238E27FC236}">
+                  <a16:creationId xmlns:a16="http://schemas.microsoft.com/office/drawing/2014/main" id="{165E6952-5EE0-A6F9-3821-5B63A1D2D9B3}"/>
+                </a:ext>
+              </a:extLst>
+            </p:cNvPr>
+            <p:cNvCxnSpPr/>
+            <p:nvPr/>
+          </p:nvCxnSpPr>
+          <p:spPr>
+            <a:xfrm>
+              <a:off x="6513689" y="846667"/>
+              <a:ext cx="2607733" cy="0"/>
+            </a:xfrm>
+            <a:prstGeom prst="line">
+              <a:avLst/>
+            </a:prstGeom>
+            <a:ln w="34925">
+              <a:solidFill>
+                <a:srgbClr val="C00000"/>
+              </a:solidFill>
+            </a:ln>
+          </p:spPr>
+          <p:style>
+            <a:lnRef idx="1">
+              <a:schemeClr val="dk1"/>
+            </a:lnRef>
+            <a:fillRef idx="0">
+              <a:schemeClr val="dk1"/>
+            </a:fillRef>
+            <a:effectRef idx="0">
+              <a:schemeClr val="dk1"/>
+            </a:effectRef>
+            <a:fontRef idx="minor">
+              <a:schemeClr val="tx1"/>
+            </a:fontRef>
+          </p:style>
+        </p:cxnSp>
+        <p:cxnSp>
+          <p:nvCxnSpPr>
+            <p:cNvPr id="20" name="Straight Connector 19">
+              <a:extLst>
+                <a:ext uri="{FF2B5EF4-FFF2-40B4-BE49-F238E27FC236}">
+                  <a16:creationId xmlns:a16="http://schemas.microsoft.com/office/drawing/2014/main" id="{ECA52FBA-9F07-02A9-C566-C50E05A517A0}"/>
+                </a:ext>
+              </a:extLst>
+            </p:cNvPr>
+            <p:cNvCxnSpPr/>
+            <p:nvPr/>
+          </p:nvCxnSpPr>
+          <p:spPr>
+            <a:xfrm>
+              <a:off x="6513689" y="2856442"/>
+              <a:ext cx="2607733" cy="0"/>
+            </a:xfrm>
+            <a:prstGeom prst="line">
+              <a:avLst/>
+            </a:prstGeom>
+            <a:ln w="34925">
+              <a:solidFill>
+                <a:srgbClr val="C00000"/>
+              </a:solidFill>
+            </a:ln>
+          </p:spPr>
+          <p:style>
+            <a:lnRef idx="1">
+              <a:schemeClr val="dk1"/>
+            </a:lnRef>
+            <a:fillRef idx="0">
+              <a:schemeClr val="dk1"/>
+            </a:fillRef>
+            <a:effectRef idx="0">
+              <a:schemeClr val="dk1"/>
+            </a:effectRef>
+            <a:fontRef idx="minor">
+              <a:schemeClr val="tx1"/>
+            </a:fontRef>
+          </p:style>
+        </p:cxnSp>
+        <p:cxnSp>
+          <p:nvCxnSpPr>
+            <p:cNvPr id="21" name="Straight Connector 20">
+              <a:extLst>
+                <a:ext uri="{FF2B5EF4-FFF2-40B4-BE49-F238E27FC236}">
+                  <a16:creationId xmlns:a16="http://schemas.microsoft.com/office/drawing/2014/main" id="{83EB663A-E1D6-57E5-8571-B5354F1A2E2C}"/>
+                </a:ext>
+              </a:extLst>
+            </p:cNvPr>
+            <p:cNvCxnSpPr>
+              <a:cxnSpLocks/>
+            </p:cNvCxnSpPr>
+            <p:nvPr/>
+          </p:nvCxnSpPr>
+          <p:spPr>
+            <a:xfrm flipV="1">
+              <a:off x="6531327" y="836989"/>
+              <a:ext cx="0" cy="2019453"/>
+            </a:xfrm>
+            <a:prstGeom prst="line">
+              <a:avLst/>
+            </a:prstGeom>
+            <a:ln w="34925">
+              <a:solidFill>
+                <a:srgbClr val="C00000"/>
+              </a:solidFill>
+            </a:ln>
+          </p:spPr>
+          <p:style>
+            <a:lnRef idx="1">
+              <a:schemeClr val="dk1"/>
+            </a:lnRef>
+            <a:fillRef idx="0">
+              <a:schemeClr val="dk1"/>
+            </a:fillRef>
+            <a:effectRef idx="0">
+              <a:schemeClr val="dk1"/>
+            </a:effectRef>
+            <a:fontRef idx="minor">
+              <a:schemeClr val="tx1"/>
+            </a:fontRef>
+          </p:style>
+        </p:cxnSp>
+        <p:cxnSp>
+          <p:nvCxnSpPr>
+            <p:cNvPr id="22" name="Straight Connector 21">
+              <a:extLst>
+                <a:ext uri="{FF2B5EF4-FFF2-40B4-BE49-F238E27FC236}">
+                  <a16:creationId xmlns:a16="http://schemas.microsoft.com/office/drawing/2014/main" id="{32098823-75D6-2656-F156-B18E40101524}"/>
+                </a:ext>
+              </a:extLst>
+            </p:cNvPr>
+            <p:cNvCxnSpPr>
+              <a:cxnSpLocks/>
+            </p:cNvCxnSpPr>
+            <p:nvPr/>
+          </p:nvCxnSpPr>
+          <p:spPr>
+            <a:xfrm flipV="1">
+              <a:off x="9121422" y="846667"/>
+              <a:ext cx="0" cy="2019453"/>
+            </a:xfrm>
+            <a:prstGeom prst="line">
+              <a:avLst/>
+            </a:prstGeom>
+            <a:ln w="34925">
+              <a:solidFill>
+                <a:srgbClr val="C00000"/>
+              </a:solidFill>
+            </a:ln>
+          </p:spPr>
+          <p:style>
+            <a:lnRef idx="1">
+              <a:schemeClr val="dk1"/>
+            </a:lnRef>
+            <a:fillRef idx="0">
+              <a:schemeClr val="dk1"/>
+            </a:fillRef>
+            <a:effectRef idx="0">
+              <a:schemeClr val="dk1"/>
+            </a:effectRef>
+            <a:fontRef idx="minor">
+              <a:schemeClr val="tx1"/>
+            </a:fontRef>
+          </p:style>
+        </p:cxnSp>
+      </p:grpSp>
+    </p:spTree>
+    <p:extLst>
+      <p:ext uri="{BB962C8B-B14F-4D97-AF65-F5344CB8AC3E}">
+        <p14:creationId xmlns:p14="http://schemas.microsoft.com/office/powerpoint/2010/main" val="714478037"/>
+      </p:ext>
+    </p:extLst>
+  </p:cSld>
+  <p:clrMapOvr>
+    <a:masterClrMapping/>
+  </p:clrMapOvr>
+</p:sld>
+</file>
+
+<file path=ppt/slides/slide46.xml><?xml version="1.0" encoding="utf-8"?>
+<p:sld xmlns:a="http://schemas.openxmlformats.org/drawingml/2006/main" xmlns:r="http://schemas.openxmlformats.org/officeDocument/2006/relationships" xmlns:p="http://schemas.openxmlformats.org/presentationml/2006/main">
+  <p:cSld>
+    <p:bg>
+      <p:bgPr>
+        <a:solidFill>
+          <a:schemeClr val="accent6">
+            <a:lumMod val="20000"/>
+            <a:lumOff val="80000"/>
+          </a:schemeClr>
+        </a:solidFill>
+        <a:effectLst/>
+      </p:bgPr>
+    </p:bg>
+    <p:spTree>
+      <p:nvGrpSpPr>
+        <p:cNvPr id="1" name=""/>
+        <p:cNvGrpSpPr/>
+        <p:nvPr/>
+      </p:nvGrpSpPr>
+      <p:grpSpPr>
+        <a:xfrm>
+          <a:off x="0" y="0"/>
+          <a:ext cx="0" cy="0"/>
+          <a:chOff x="0" y="0"/>
+          <a:chExt cx="0" cy="0"/>
+        </a:xfrm>
+      </p:grpSpPr>
+      <p:sp>
+        <p:nvSpPr>
+          <p:cNvPr id="2" name="Title 1">
+            <a:extLst>
+              <a:ext uri="{FF2B5EF4-FFF2-40B4-BE49-F238E27FC236}">
+                <a16:creationId xmlns:a16="http://schemas.microsoft.com/office/drawing/2014/main" id="{1D13C5AE-B493-0EB6-EEFA-7185096A3FE3}"/>
+              </a:ext>
+            </a:extLst>
+          </p:cNvPr>
+          <p:cNvSpPr>
+            <a:spLocks noGrp="1"/>
+          </p:cNvSpPr>
+          <p:nvPr>
+            <p:ph type="title"/>
+          </p:nvPr>
+        </p:nvSpPr>
+        <p:spPr>
+          <a:xfrm>
+            <a:off x="838200" y="42510"/>
+            <a:ext cx="10515600" cy="1325563"/>
+          </a:xfrm>
+        </p:spPr>
+        <p:txBody>
+          <a:bodyPr>
+            <a:normAutofit/>
+          </a:bodyPr>
+          <a:lstStyle/>
+          <a:p>
+            <a:pPr algn="ctr"/>
+            <a:r>
+              <a:rPr lang="en-US" sz="3600" b="1" dirty="0">
+                <a:latin typeface="Times" pitchFamily="2" charset="0"/>
+              </a:rPr>
+              <a:t>White wines quality box plot</a:t>
+            </a:r>
+          </a:p>
+        </p:txBody>
+      </p:sp>
+      <p:sp>
+        <p:nvSpPr>
+          <p:cNvPr id="4" name="Slide Number Placeholder 3">
+            <a:extLst>
+              <a:ext uri="{FF2B5EF4-FFF2-40B4-BE49-F238E27FC236}">
+                <a16:creationId xmlns:a16="http://schemas.microsoft.com/office/drawing/2014/main" id="{FD31AD99-9635-208F-783E-589A82632EAA}"/>
+              </a:ext>
+            </a:extLst>
+          </p:cNvPr>
+          <p:cNvSpPr>
+            <a:spLocks noGrp="1"/>
+          </p:cNvSpPr>
+          <p:nvPr>
+            <p:ph type="sldNum" sz="quarter" idx="12"/>
+          </p:nvPr>
+        </p:nvSpPr>
+        <p:spPr/>
+        <p:txBody>
+          <a:bodyPr/>
+          <a:lstStyle/>
+          <a:p>
+            <a:fld id="{B75B56F8-EB57-7748-88E5-B1194B5EAB74}" type="slidenum">
+              <a:rPr lang="en-DE" smtClean="0"/>
+              <a:t>46</a:t>
+            </a:fld>
+            <a:endParaRPr lang="en-DE"/>
+          </a:p>
+        </p:txBody>
+      </p:sp>
+      <p:pic>
+        <p:nvPicPr>
+          <p:cNvPr id="8" name="Picture 7">
+            <a:extLst>
+              <a:ext uri="{FF2B5EF4-FFF2-40B4-BE49-F238E27FC236}">
+                <a16:creationId xmlns:a16="http://schemas.microsoft.com/office/drawing/2014/main" id="{C465DF9F-0333-A67D-BF2F-7A1723C8A6CA}"/>
+              </a:ext>
+            </a:extLst>
+          </p:cNvPr>
+          <p:cNvPicPr>
+            <a:picLocks noChangeAspect="1"/>
+          </p:cNvPicPr>
+          <p:nvPr/>
+        </p:nvPicPr>
+        <p:blipFill>
+          <a:blip r:embed="rId2"/>
+          <a:stretch>
+            <a:fillRect/>
+          </a:stretch>
+        </p:blipFill>
+        <p:spPr>
+          <a:xfrm>
+            <a:off x="-79682" y="5618650"/>
+            <a:ext cx="1394132" cy="1207318"/>
+          </a:xfrm>
+          <a:prstGeom prst="rect">
+            <a:avLst/>
+          </a:prstGeom>
+        </p:spPr>
+      </p:pic>
+      <p:pic>
+        <p:nvPicPr>
+          <p:cNvPr id="5" name="Picture 4">
+            <a:extLst>
+              <a:ext uri="{FF2B5EF4-FFF2-40B4-BE49-F238E27FC236}">
+                <a16:creationId xmlns:a16="http://schemas.microsoft.com/office/drawing/2014/main" id="{452AA593-10C2-CAE9-8C76-44FAD4FE73A8}"/>
+              </a:ext>
+            </a:extLst>
+          </p:cNvPr>
+          <p:cNvPicPr>
+            <a:picLocks noChangeAspect="1"/>
+          </p:cNvPicPr>
+          <p:nvPr/>
+        </p:nvPicPr>
+        <p:blipFill>
+          <a:blip r:embed="rId3"/>
+          <a:stretch>
+            <a:fillRect/>
+          </a:stretch>
+        </p:blipFill>
+        <p:spPr>
+          <a:xfrm>
+            <a:off x="2028738" y="942753"/>
+            <a:ext cx="9012686" cy="5915247"/>
+          </a:xfrm>
+          <a:prstGeom prst="rect">
+            <a:avLst/>
+          </a:prstGeom>
+        </p:spPr>
+      </p:pic>
+      <p:grpSp>
+        <p:nvGrpSpPr>
+          <p:cNvPr id="3" name="Group 2">
+            <a:extLst>
+              <a:ext uri="{FF2B5EF4-FFF2-40B4-BE49-F238E27FC236}">
+                <a16:creationId xmlns:a16="http://schemas.microsoft.com/office/drawing/2014/main" id="{9BFBBDFD-103A-D58F-0AA2-A089047908B7}"/>
+              </a:ext>
+            </a:extLst>
+          </p:cNvPr>
+          <p:cNvGrpSpPr/>
+          <p:nvPr/>
+        </p:nvGrpSpPr>
+        <p:grpSpPr>
+          <a:xfrm>
+            <a:off x="4257678" y="2876372"/>
+            <a:ext cx="2414907" cy="1971678"/>
+            <a:chOff x="6513689" y="836989"/>
+            <a:chExt cx="2607733" cy="2029131"/>
+          </a:xfrm>
+        </p:grpSpPr>
+        <p:cxnSp>
+          <p:nvCxnSpPr>
+            <p:cNvPr id="6" name="Straight Connector 5">
+              <a:extLst>
+                <a:ext uri="{FF2B5EF4-FFF2-40B4-BE49-F238E27FC236}">
+                  <a16:creationId xmlns:a16="http://schemas.microsoft.com/office/drawing/2014/main" id="{871714F6-CDD7-BDBA-66A3-08673FC31DF1}"/>
+                </a:ext>
+              </a:extLst>
+            </p:cNvPr>
+            <p:cNvCxnSpPr/>
+            <p:nvPr/>
+          </p:nvCxnSpPr>
+          <p:spPr>
+            <a:xfrm>
+              <a:off x="6513689" y="846667"/>
+              <a:ext cx="2607733" cy="0"/>
+            </a:xfrm>
+            <a:prstGeom prst="line">
+              <a:avLst/>
+            </a:prstGeom>
+            <a:ln w="34925">
+              <a:solidFill>
+                <a:srgbClr val="C00000"/>
+              </a:solidFill>
+            </a:ln>
+          </p:spPr>
+          <p:style>
+            <a:lnRef idx="1">
+              <a:schemeClr val="dk1"/>
+            </a:lnRef>
+            <a:fillRef idx="0">
+              <a:schemeClr val="dk1"/>
+            </a:fillRef>
+            <a:effectRef idx="0">
+              <a:schemeClr val="dk1"/>
+            </a:effectRef>
+            <a:fontRef idx="minor">
+              <a:schemeClr val="tx1"/>
+            </a:fontRef>
+          </p:style>
+        </p:cxnSp>
+        <p:cxnSp>
+          <p:nvCxnSpPr>
+            <p:cNvPr id="7" name="Straight Connector 6">
+              <a:extLst>
+                <a:ext uri="{FF2B5EF4-FFF2-40B4-BE49-F238E27FC236}">
+                  <a16:creationId xmlns:a16="http://schemas.microsoft.com/office/drawing/2014/main" id="{090D88E5-814D-1A63-0BE6-D46FD1E841C7}"/>
+                </a:ext>
+              </a:extLst>
+            </p:cNvPr>
+            <p:cNvCxnSpPr/>
+            <p:nvPr/>
+          </p:nvCxnSpPr>
+          <p:spPr>
+            <a:xfrm>
+              <a:off x="6513689" y="2856442"/>
+              <a:ext cx="2607733" cy="0"/>
+            </a:xfrm>
+            <a:prstGeom prst="line">
+              <a:avLst/>
+            </a:prstGeom>
+            <a:ln w="34925">
+              <a:solidFill>
+                <a:srgbClr val="C00000"/>
+              </a:solidFill>
+            </a:ln>
+          </p:spPr>
+          <p:style>
+            <a:lnRef idx="1">
+              <a:schemeClr val="dk1"/>
+            </a:lnRef>
+            <a:fillRef idx="0">
+              <a:schemeClr val="dk1"/>
+            </a:fillRef>
+            <a:effectRef idx="0">
+              <a:schemeClr val="dk1"/>
+            </a:effectRef>
+            <a:fontRef idx="minor">
+              <a:schemeClr val="tx1"/>
+            </a:fontRef>
+          </p:style>
+        </p:cxnSp>
+        <p:cxnSp>
+          <p:nvCxnSpPr>
+            <p:cNvPr id="9" name="Straight Connector 8">
+              <a:extLst>
+                <a:ext uri="{FF2B5EF4-FFF2-40B4-BE49-F238E27FC236}">
+                  <a16:creationId xmlns:a16="http://schemas.microsoft.com/office/drawing/2014/main" id="{E71308BA-2A13-F97A-22E6-E29C25B1879F}"/>
+                </a:ext>
+              </a:extLst>
+            </p:cNvPr>
+            <p:cNvCxnSpPr>
+              <a:cxnSpLocks/>
+            </p:cNvCxnSpPr>
+            <p:nvPr/>
+          </p:nvCxnSpPr>
+          <p:spPr>
+            <a:xfrm flipV="1">
+              <a:off x="6531327" y="836989"/>
+              <a:ext cx="0" cy="2019453"/>
+            </a:xfrm>
+            <a:prstGeom prst="line">
+              <a:avLst/>
+            </a:prstGeom>
+            <a:ln w="34925">
+              <a:solidFill>
+                <a:srgbClr val="C00000"/>
+              </a:solidFill>
+            </a:ln>
+          </p:spPr>
+          <p:style>
+            <a:lnRef idx="1">
+              <a:schemeClr val="dk1"/>
+            </a:lnRef>
+            <a:fillRef idx="0">
+              <a:schemeClr val="dk1"/>
+            </a:fillRef>
+            <a:effectRef idx="0">
+              <a:schemeClr val="dk1"/>
+            </a:effectRef>
+            <a:fontRef idx="minor">
+              <a:schemeClr val="tx1"/>
+            </a:fontRef>
+          </p:style>
+        </p:cxnSp>
+        <p:cxnSp>
+          <p:nvCxnSpPr>
+            <p:cNvPr id="10" name="Straight Connector 9">
+              <a:extLst>
+                <a:ext uri="{FF2B5EF4-FFF2-40B4-BE49-F238E27FC236}">
+                  <a16:creationId xmlns:a16="http://schemas.microsoft.com/office/drawing/2014/main" id="{4B9E70A0-7E9E-1EEC-E5CD-D425B34FD0A8}"/>
+                </a:ext>
+              </a:extLst>
+            </p:cNvPr>
+            <p:cNvCxnSpPr>
+              <a:cxnSpLocks/>
+            </p:cNvCxnSpPr>
+            <p:nvPr/>
+          </p:nvCxnSpPr>
+          <p:spPr>
+            <a:xfrm flipV="1">
+              <a:off x="9121422" y="846667"/>
+              <a:ext cx="0" cy="2019453"/>
+            </a:xfrm>
+            <a:prstGeom prst="line">
+              <a:avLst/>
+            </a:prstGeom>
+            <a:ln w="34925">
+              <a:solidFill>
+                <a:srgbClr val="C00000"/>
+              </a:solidFill>
+            </a:ln>
+          </p:spPr>
+          <p:style>
+            <a:lnRef idx="1">
+              <a:schemeClr val="dk1"/>
+            </a:lnRef>
+            <a:fillRef idx="0">
+              <a:schemeClr val="dk1"/>
+            </a:fillRef>
+            <a:effectRef idx="0">
+              <a:schemeClr val="dk1"/>
+            </a:effectRef>
+            <a:fontRef idx="minor">
+              <a:schemeClr val="tx1"/>
+            </a:fontRef>
+          </p:style>
+        </p:cxnSp>
+      </p:grpSp>
+      <p:grpSp>
+        <p:nvGrpSpPr>
+          <p:cNvPr id="11" name="Group 10">
+            <a:extLst>
+              <a:ext uri="{FF2B5EF4-FFF2-40B4-BE49-F238E27FC236}">
+                <a16:creationId xmlns:a16="http://schemas.microsoft.com/office/drawing/2014/main" id="{50D742E3-60BA-F61D-CBA8-666393B7D3B9}"/>
+              </a:ext>
+            </a:extLst>
+          </p:cNvPr>
+          <p:cNvGrpSpPr/>
+          <p:nvPr/>
+        </p:nvGrpSpPr>
+        <p:grpSpPr>
+          <a:xfrm>
+            <a:off x="6549369" y="918690"/>
+            <a:ext cx="2414907" cy="1971678"/>
+            <a:chOff x="6513689" y="836989"/>
+            <a:chExt cx="2607733" cy="2029131"/>
+          </a:xfrm>
+        </p:grpSpPr>
+        <p:cxnSp>
+          <p:nvCxnSpPr>
+            <p:cNvPr id="12" name="Straight Connector 11">
+              <a:extLst>
+                <a:ext uri="{FF2B5EF4-FFF2-40B4-BE49-F238E27FC236}">
+                  <a16:creationId xmlns:a16="http://schemas.microsoft.com/office/drawing/2014/main" id="{4E6AABB5-7A55-BEED-9AD3-4EA6C133BE55}"/>
+                </a:ext>
+              </a:extLst>
+            </p:cNvPr>
+            <p:cNvCxnSpPr/>
+            <p:nvPr/>
+          </p:nvCxnSpPr>
+          <p:spPr>
+            <a:xfrm>
+              <a:off x="6513689" y="846667"/>
+              <a:ext cx="2607733" cy="0"/>
+            </a:xfrm>
+            <a:prstGeom prst="line">
+              <a:avLst/>
+            </a:prstGeom>
+            <a:ln w="34925">
+              <a:solidFill>
+                <a:srgbClr val="C00000"/>
+              </a:solidFill>
+            </a:ln>
+          </p:spPr>
+          <p:style>
+            <a:lnRef idx="1">
+              <a:schemeClr val="dk1"/>
+            </a:lnRef>
+            <a:fillRef idx="0">
+              <a:schemeClr val="dk1"/>
+            </a:fillRef>
+            <a:effectRef idx="0">
+              <a:schemeClr val="dk1"/>
+            </a:effectRef>
+            <a:fontRef idx="minor">
+              <a:schemeClr val="tx1"/>
+            </a:fontRef>
+          </p:style>
+        </p:cxnSp>
+        <p:cxnSp>
+          <p:nvCxnSpPr>
+            <p:cNvPr id="13" name="Straight Connector 12">
+              <a:extLst>
+                <a:ext uri="{FF2B5EF4-FFF2-40B4-BE49-F238E27FC236}">
+                  <a16:creationId xmlns:a16="http://schemas.microsoft.com/office/drawing/2014/main" id="{7FAE9D0D-A682-19E8-886D-000D86AE201F}"/>
+                </a:ext>
+              </a:extLst>
+            </p:cNvPr>
+            <p:cNvCxnSpPr/>
+            <p:nvPr/>
+          </p:nvCxnSpPr>
+          <p:spPr>
+            <a:xfrm>
+              <a:off x="6513689" y="2856442"/>
+              <a:ext cx="2607733" cy="0"/>
+            </a:xfrm>
+            <a:prstGeom prst="line">
+              <a:avLst/>
+            </a:prstGeom>
+            <a:ln w="34925">
+              <a:solidFill>
+                <a:srgbClr val="C00000"/>
+              </a:solidFill>
+            </a:ln>
+          </p:spPr>
+          <p:style>
+            <a:lnRef idx="1">
+              <a:schemeClr val="dk1"/>
+            </a:lnRef>
+            <a:fillRef idx="0">
+              <a:schemeClr val="dk1"/>
+            </a:fillRef>
+            <a:effectRef idx="0">
+              <a:schemeClr val="dk1"/>
+            </a:effectRef>
+            <a:fontRef idx="minor">
+              <a:schemeClr val="tx1"/>
+            </a:fontRef>
+          </p:style>
+        </p:cxnSp>
+        <p:cxnSp>
+          <p:nvCxnSpPr>
+            <p:cNvPr id="14" name="Straight Connector 13">
+              <a:extLst>
+                <a:ext uri="{FF2B5EF4-FFF2-40B4-BE49-F238E27FC236}">
+                  <a16:creationId xmlns:a16="http://schemas.microsoft.com/office/drawing/2014/main" id="{2269C3BF-1C22-F63D-E9AF-04FC6304C68D}"/>
+                </a:ext>
+              </a:extLst>
+            </p:cNvPr>
+            <p:cNvCxnSpPr>
+              <a:cxnSpLocks/>
+            </p:cNvCxnSpPr>
+            <p:nvPr/>
+          </p:nvCxnSpPr>
+          <p:spPr>
+            <a:xfrm flipV="1">
+              <a:off x="6531327" y="836989"/>
+              <a:ext cx="0" cy="2019453"/>
+            </a:xfrm>
+            <a:prstGeom prst="line">
+              <a:avLst/>
+            </a:prstGeom>
+            <a:ln w="34925">
+              <a:solidFill>
+                <a:srgbClr val="C00000"/>
+              </a:solidFill>
+            </a:ln>
+          </p:spPr>
+          <p:style>
+            <a:lnRef idx="1">
+              <a:schemeClr val="dk1"/>
+            </a:lnRef>
+            <a:fillRef idx="0">
+              <a:schemeClr val="dk1"/>
+            </a:fillRef>
+            <a:effectRef idx="0">
+              <a:schemeClr val="dk1"/>
+            </a:effectRef>
+            <a:fontRef idx="minor">
+              <a:schemeClr val="tx1"/>
+            </a:fontRef>
+          </p:style>
+        </p:cxnSp>
+        <p:cxnSp>
+          <p:nvCxnSpPr>
+            <p:cNvPr id="15" name="Straight Connector 14">
+              <a:extLst>
+                <a:ext uri="{FF2B5EF4-FFF2-40B4-BE49-F238E27FC236}">
+                  <a16:creationId xmlns:a16="http://schemas.microsoft.com/office/drawing/2014/main" id="{A0AD4C33-4646-B927-F4D9-1294F2967A65}"/>
+                </a:ext>
+              </a:extLst>
+            </p:cNvPr>
+            <p:cNvCxnSpPr>
+              <a:cxnSpLocks/>
+            </p:cNvCxnSpPr>
+            <p:nvPr/>
+          </p:nvCxnSpPr>
+          <p:spPr>
+            <a:xfrm flipV="1">
+              <a:off x="9121422" y="846667"/>
+              <a:ext cx="0" cy="2019453"/>
+            </a:xfrm>
+            <a:prstGeom prst="line">
+              <a:avLst/>
+            </a:prstGeom>
+            <a:ln w="34925">
+              <a:solidFill>
+                <a:srgbClr val="C00000"/>
+              </a:solidFill>
+            </a:ln>
+          </p:spPr>
+          <p:style>
+            <a:lnRef idx="1">
+              <a:schemeClr val="dk1"/>
+            </a:lnRef>
+            <a:fillRef idx="0">
+              <a:schemeClr val="dk1"/>
+            </a:fillRef>
+            <a:effectRef idx="0">
+              <a:schemeClr val="dk1"/>
+            </a:effectRef>
+            <a:fontRef idx="minor">
+              <a:schemeClr val="tx1"/>
+            </a:fontRef>
+          </p:style>
+        </p:cxnSp>
+      </p:grpSp>
+    </p:spTree>
+    <p:extLst>
+      <p:ext uri="{BB962C8B-B14F-4D97-AF65-F5344CB8AC3E}">
+        <p14:creationId xmlns:p14="http://schemas.microsoft.com/office/powerpoint/2010/main" val="3757822422"/>
+      </p:ext>
+    </p:extLst>
+  </p:cSld>
+  <p:clrMapOvr>
+    <a:masterClrMapping/>
+  </p:clrMapOvr>
+</p:sld>
+</file>
+
+<file path=ppt/slides/slide47.xml><?xml version="1.0" encoding="utf-8"?>
+<p:sld xmlns:a="http://schemas.openxmlformats.org/drawingml/2006/main" xmlns:r="http://schemas.openxmlformats.org/officeDocument/2006/relationships" xmlns:p="http://schemas.openxmlformats.org/presentationml/2006/main">
+  <p:cSld>
+    <p:bg>
+      <p:bgPr>
+        <a:solidFill>
+          <a:schemeClr val="accent6">
+            <a:lumMod val="20000"/>
+            <a:lumOff val="80000"/>
+          </a:schemeClr>
+        </a:solidFill>
+        <a:effectLst/>
+      </p:bgPr>
+    </p:bg>
+    <p:spTree>
+      <p:nvGrpSpPr>
+        <p:cNvPr id="1" name=""/>
+        <p:cNvGrpSpPr/>
+        <p:nvPr/>
+      </p:nvGrpSpPr>
+      <p:grpSpPr>
+        <a:xfrm>
+          <a:off x="0" y="0"/>
+          <a:ext cx="0" cy="0"/>
+          <a:chOff x="0" y="0"/>
+          <a:chExt cx="0" cy="0"/>
+        </a:xfrm>
+      </p:grpSpPr>
+      <p:sp>
+        <p:nvSpPr>
+          <p:cNvPr id="2" name="Title 1">
+            <a:extLst>
+              <a:ext uri="{FF2B5EF4-FFF2-40B4-BE49-F238E27FC236}">
+                <a16:creationId xmlns:a16="http://schemas.microsoft.com/office/drawing/2014/main" id="{1D13C5AE-B493-0EB6-EEFA-7185096A3FE3}"/>
+              </a:ext>
+            </a:extLst>
+          </p:cNvPr>
+          <p:cNvSpPr>
+            <a:spLocks noGrp="1"/>
+          </p:cNvSpPr>
+          <p:nvPr>
+            <p:ph type="title"/>
+          </p:nvPr>
+        </p:nvSpPr>
+        <p:spPr>
+          <a:xfrm>
+            <a:off x="838200" y="-143230"/>
+            <a:ext cx="10515600" cy="1325563"/>
+          </a:xfrm>
+        </p:spPr>
+        <p:txBody>
+          <a:bodyPr>
+            <a:normAutofit/>
+          </a:bodyPr>
+          <a:lstStyle/>
+          <a:p>
+            <a:pPr algn="ctr"/>
+            <a:r>
+              <a:rPr lang="en-US" sz="3600" b="1" dirty="0">
+                <a:latin typeface="Times" pitchFamily="2" charset="0"/>
+              </a:rPr>
+              <a:t>Total wines</a:t>
+            </a:r>
+          </a:p>
+        </p:txBody>
+      </p:sp>
+      <p:sp>
+        <p:nvSpPr>
+          <p:cNvPr id="4" name="Slide Number Placeholder 3">
+            <a:extLst>
+              <a:ext uri="{FF2B5EF4-FFF2-40B4-BE49-F238E27FC236}">
+                <a16:creationId xmlns:a16="http://schemas.microsoft.com/office/drawing/2014/main" id="{FD31AD99-9635-208F-783E-589A82632EAA}"/>
+              </a:ext>
+            </a:extLst>
+          </p:cNvPr>
+          <p:cNvSpPr>
+            <a:spLocks noGrp="1"/>
+          </p:cNvSpPr>
+          <p:nvPr>
+            <p:ph type="sldNum" sz="quarter" idx="12"/>
+          </p:nvPr>
+        </p:nvSpPr>
+        <p:spPr/>
+        <p:txBody>
+          <a:bodyPr/>
+          <a:lstStyle/>
+          <a:p>
+            <a:fld id="{B75B56F8-EB57-7748-88E5-B1194B5EAB74}" type="slidenum">
+              <a:rPr lang="en-DE" smtClean="0"/>
+              <a:t>47</a:t>
+            </a:fld>
+            <a:endParaRPr lang="en-DE"/>
+          </a:p>
+        </p:txBody>
+      </p:sp>
+      <p:pic>
+        <p:nvPicPr>
+          <p:cNvPr id="8" name="Picture 7">
+            <a:extLst>
+              <a:ext uri="{FF2B5EF4-FFF2-40B4-BE49-F238E27FC236}">
+                <a16:creationId xmlns:a16="http://schemas.microsoft.com/office/drawing/2014/main" id="{C465DF9F-0333-A67D-BF2F-7A1723C8A6CA}"/>
+              </a:ext>
+            </a:extLst>
+          </p:cNvPr>
+          <p:cNvPicPr>
+            <a:picLocks noChangeAspect="1"/>
+          </p:cNvPicPr>
+          <p:nvPr/>
+        </p:nvPicPr>
+        <p:blipFill>
+          <a:blip r:embed="rId2"/>
+          <a:stretch>
+            <a:fillRect/>
+          </a:stretch>
+        </p:blipFill>
+        <p:spPr>
+          <a:xfrm>
+            <a:off x="-79682" y="5618650"/>
+            <a:ext cx="1394132" cy="1207318"/>
+          </a:xfrm>
+          <a:prstGeom prst="rect">
+            <a:avLst/>
+          </a:prstGeom>
+        </p:spPr>
+      </p:pic>
+      <p:pic>
+        <p:nvPicPr>
+          <p:cNvPr id="10" name="Picture 9">
+            <a:extLst>
+              <a:ext uri="{FF2B5EF4-FFF2-40B4-BE49-F238E27FC236}">
+                <a16:creationId xmlns:a16="http://schemas.microsoft.com/office/drawing/2014/main" id="{5F0EF04C-B684-B984-111C-C8D9D2E0E3BC}"/>
+              </a:ext>
+            </a:extLst>
+          </p:cNvPr>
+          <p:cNvPicPr>
+            <a:picLocks noChangeAspect="1"/>
+          </p:cNvPicPr>
+          <p:nvPr/>
+        </p:nvPicPr>
+        <p:blipFill>
+          <a:blip r:embed="rId3"/>
+          <a:stretch>
+            <a:fillRect/>
+          </a:stretch>
+        </p:blipFill>
+        <p:spPr>
+          <a:xfrm>
+            <a:off x="247290" y="914400"/>
+            <a:ext cx="11944710" cy="5787054"/>
+          </a:xfrm>
+          <a:prstGeom prst="rect">
+            <a:avLst/>
+          </a:prstGeom>
+        </p:spPr>
+      </p:pic>
+    </p:spTree>
+    <p:extLst>
+      <p:ext uri="{BB962C8B-B14F-4D97-AF65-F5344CB8AC3E}">
+        <p14:creationId xmlns:p14="http://schemas.microsoft.com/office/powerpoint/2010/main" val="4078626547"/>
+      </p:ext>
+    </p:extLst>
+  </p:cSld>
+  <p:clrMapOvr>
+    <a:masterClrMapping/>
+  </p:clrMapOvr>
+</p:sld>
+</file>
+
+<file path=ppt/slides/slide48.xml><?xml version="1.0" encoding="utf-8"?>
+<p:sld xmlns:a="http://schemas.openxmlformats.org/drawingml/2006/main" xmlns:r="http://schemas.openxmlformats.org/officeDocument/2006/relationships" xmlns:p="http://schemas.openxmlformats.org/presentationml/2006/main">
+  <p:cSld>
+    <p:bg>
+      <p:bgPr>
+        <a:solidFill>
+          <a:schemeClr val="accent6">
+            <a:lumMod val="20000"/>
+            <a:lumOff val="80000"/>
+          </a:schemeClr>
+        </a:solidFill>
+        <a:effectLst/>
+      </p:bgPr>
+    </p:bg>
+    <p:spTree>
+      <p:nvGrpSpPr>
+        <p:cNvPr id="1" name=""/>
+        <p:cNvGrpSpPr/>
+        <p:nvPr/>
+      </p:nvGrpSpPr>
+      <p:grpSpPr>
+        <a:xfrm>
+          <a:off x="0" y="0"/>
+          <a:ext cx="0" cy="0"/>
+          <a:chOff x="0" y="0"/>
+          <a:chExt cx="0" cy="0"/>
+        </a:xfrm>
+      </p:grpSpPr>
+      <p:sp>
+        <p:nvSpPr>
+          <p:cNvPr id="2" name="Title 1">
+            <a:extLst>
+              <a:ext uri="{FF2B5EF4-FFF2-40B4-BE49-F238E27FC236}">
+                <a16:creationId xmlns:a16="http://schemas.microsoft.com/office/drawing/2014/main" id="{1D13C5AE-B493-0EB6-EEFA-7185096A3FE3}"/>
+              </a:ext>
+            </a:extLst>
+          </p:cNvPr>
+          <p:cNvSpPr>
+            <a:spLocks noGrp="1"/>
+          </p:cNvSpPr>
+          <p:nvPr>
+            <p:ph type="title"/>
+          </p:nvPr>
+        </p:nvSpPr>
+        <p:spPr>
+          <a:xfrm>
+            <a:off x="838200" y="-228956"/>
+            <a:ext cx="10515600" cy="1325563"/>
+          </a:xfrm>
+        </p:spPr>
+        <p:txBody>
+          <a:bodyPr>
+            <a:normAutofit/>
+          </a:bodyPr>
+          <a:lstStyle/>
+          <a:p>
+            <a:pPr algn="ctr"/>
+            <a:r>
+              <a:rPr lang="en-US" sz="3600" b="1" dirty="0">
+                <a:latin typeface="Times" pitchFamily="2" charset="0"/>
+              </a:rPr>
+              <a:t>Total wines</a:t>
+            </a:r>
+          </a:p>
+        </p:txBody>
+      </p:sp>
+      <p:sp>
+        <p:nvSpPr>
+          <p:cNvPr id="4" name="Slide Number Placeholder 3">
+            <a:extLst>
+              <a:ext uri="{FF2B5EF4-FFF2-40B4-BE49-F238E27FC236}">
+                <a16:creationId xmlns:a16="http://schemas.microsoft.com/office/drawing/2014/main" id="{FD31AD99-9635-208F-783E-589A82632EAA}"/>
+              </a:ext>
+            </a:extLst>
+          </p:cNvPr>
+          <p:cNvSpPr>
+            <a:spLocks noGrp="1"/>
+          </p:cNvSpPr>
+          <p:nvPr>
+            <p:ph type="sldNum" sz="quarter" idx="12"/>
+          </p:nvPr>
+        </p:nvSpPr>
+        <p:spPr/>
+        <p:txBody>
+          <a:bodyPr/>
+          <a:lstStyle/>
+          <a:p>
+            <a:fld id="{B75B56F8-EB57-7748-88E5-B1194B5EAB74}" type="slidenum">
+              <a:rPr lang="en-DE" smtClean="0"/>
+              <a:t>48</a:t>
+            </a:fld>
+            <a:endParaRPr lang="en-DE"/>
+          </a:p>
+        </p:txBody>
+      </p:sp>
+      <p:pic>
+        <p:nvPicPr>
+          <p:cNvPr id="8" name="Picture 7">
+            <a:extLst>
+              <a:ext uri="{FF2B5EF4-FFF2-40B4-BE49-F238E27FC236}">
+                <a16:creationId xmlns:a16="http://schemas.microsoft.com/office/drawing/2014/main" id="{C465DF9F-0333-A67D-BF2F-7A1723C8A6CA}"/>
+              </a:ext>
+            </a:extLst>
+          </p:cNvPr>
+          <p:cNvPicPr>
+            <a:picLocks noChangeAspect="1"/>
+          </p:cNvPicPr>
+          <p:nvPr/>
+        </p:nvPicPr>
+        <p:blipFill>
+          <a:blip r:embed="rId2"/>
+          <a:stretch>
+            <a:fillRect/>
+          </a:stretch>
+        </p:blipFill>
+        <p:spPr>
+          <a:xfrm>
+            <a:off x="-79682" y="5618650"/>
+            <a:ext cx="1394132" cy="1207318"/>
+          </a:xfrm>
+          <a:prstGeom prst="rect">
+            <a:avLst/>
+          </a:prstGeom>
+        </p:spPr>
+      </p:pic>
+      <p:pic>
+        <p:nvPicPr>
+          <p:cNvPr id="5" name="Picture 4">
+            <a:extLst>
+              <a:ext uri="{FF2B5EF4-FFF2-40B4-BE49-F238E27FC236}">
+                <a16:creationId xmlns:a16="http://schemas.microsoft.com/office/drawing/2014/main" id="{38934DF0-8D47-87F2-479A-9B03746A7062}"/>
+              </a:ext>
+            </a:extLst>
+          </p:cNvPr>
+          <p:cNvPicPr>
+            <a:picLocks noChangeAspect="1"/>
+          </p:cNvPicPr>
+          <p:nvPr/>
+        </p:nvPicPr>
+        <p:blipFill>
+          <a:blip r:embed="rId3"/>
+          <a:stretch>
+            <a:fillRect/>
+          </a:stretch>
+        </p:blipFill>
+        <p:spPr>
+          <a:xfrm>
+            <a:off x="1952624" y="853442"/>
+            <a:ext cx="9148763" cy="6004558"/>
+          </a:xfrm>
+          <a:prstGeom prst="rect">
+            <a:avLst/>
+          </a:prstGeom>
+        </p:spPr>
+      </p:pic>
+    </p:spTree>
+    <p:extLst>
+      <p:ext uri="{BB962C8B-B14F-4D97-AF65-F5344CB8AC3E}">
+        <p14:creationId xmlns:p14="http://schemas.microsoft.com/office/powerpoint/2010/main" val="1718426312"/>
+      </p:ext>
+    </p:extLst>
+  </p:cSld>
+  <p:clrMapOvr>
+    <a:masterClrMapping/>
+  </p:clrMapOvr>
+</p:sld>
+</file>
+
+<file path=ppt/slides/slide49.xml><?xml version="1.0" encoding="utf-8"?>
+<p:sld xmlns:a="http://schemas.openxmlformats.org/drawingml/2006/main" xmlns:r="http://schemas.openxmlformats.org/officeDocument/2006/relationships" xmlns:p="http://schemas.openxmlformats.org/presentationml/2006/main">
+  <p:cSld>
+    <p:bg>
+      <p:bgPr>
+        <a:solidFill>
+          <a:schemeClr val="accent6">
+            <a:lumMod val="20000"/>
+            <a:lumOff val="80000"/>
+          </a:schemeClr>
+        </a:solidFill>
+        <a:effectLst/>
+      </p:bgPr>
+    </p:bg>
+    <p:spTree>
+      <p:nvGrpSpPr>
+        <p:cNvPr id="1" name=""/>
+        <p:cNvGrpSpPr/>
+        <p:nvPr/>
+      </p:nvGrpSpPr>
+      <p:grpSpPr>
+        <a:xfrm>
+          <a:off x="0" y="0"/>
+          <a:ext cx="0" cy="0"/>
+          <a:chOff x="0" y="0"/>
+          <a:chExt cx="0" cy="0"/>
+        </a:xfrm>
+      </p:grpSpPr>
+      <p:sp>
+        <p:nvSpPr>
+          <p:cNvPr id="2" name="Title 1">
+            <a:extLst>
+              <a:ext uri="{FF2B5EF4-FFF2-40B4-BE49-F238E27FC236}">
+                <a16:creationId xmlns:a16="http://schemas.microsoft.com/office/drawing/2014/main" id="{1D13C5AE-B493-0EB6-EEFA-7185096A3FE3}"/>
+              </a:ext>
+            </a:extLst>
+          </p:cNvPr>
+          <p:cNvSpPr>
+            <a:spLocks noGrp="1"/>
+          </p:cNvSpPr>
+          <p:nvPr>
+            <p:ph type="title"/>
+          </p:nvPr>
+        </p:nvSpPr>
+        <p:spPr>
+          <a:xfrm>
+            <a:off x="838200" y="-228956"/>
+            <a:ext cx="10515600" cy="1325563"/>
+          </a:xfrm>
+        </p:spPr>
+        <p:txBody>
+          <a:bodyPr>
+            <a:normAutofit/>
+          </a:bodyPr>
+          <a:lstStyle/>
+          <a:p>
+            <a:pPr algn="ctr"/>
+            <a:r>
+              <a:rPr lang="en-US" sz="3600" b="1" dirty="0">
+                <a:latin typeface="Times" pitchFamily="2" charset="0"/>
+              </a:rPr>
+              <a:t>Total wines</a:t>
+            </a:r>
+          </a:p>
+        </p:txBody>
+      </p:sp>
+      <p:sp>
+        <p:nvSpPr>
+          <p:cNvPr id="4" name="Slide Number Placeholder 3">
+            <a:extLst>
+              <a:ext uri="{FF2B5EF4-FFF2-40B4-BE49-F238E27FC236}">
+                <a16:creationId xmlns:a16="http://schemas.microsoft.com/office/drawing/2014/main" id="{FD31AD99-9635-208F-783E-589A82632EAA}"/>
+              </a:ext>
+            </a:extLst>
+          </p:cNvPr>
+          <p:cNvSpPr>
+            <a:spLocks noGrp="1"/>
+          </p:cNvSpPr>
+          <p:nvPr>
+            <p:ph type="sldNum" sz="quarter" idx="12"/>
+          </p:nvPr>
+        </p:nvSpPr>
+        <p:spPr/>
+        <p:txBody>
+          <a:bodyPr/>
+          <a:lstStyle/>
+          <a:p>
+            <a:fld id="{B75B56F8-EB57-7748-88E5-B1194B5EAB74}" type="slidenum">
+              <a:rPr lang="en-DE" smtClean="0"/>
+              <a:t>49</a:t>
+            </a:fld>
+            <a:endParaRPr lang="en-DE"/>
+          </a:p>
+        </p:txBody>
+      </p:sp>
+      <p:pic>
+        <p:nvPicPr>
+          <p:cNvPr id="8" name="Picture 7">
+            <a:extLst>
+              <a:ext uri="{FF2B5EF4-FFF2-40B4-BE49-F238E27FC236}">
+                <a16:creationId xmlns:a16="http://schemas.microsoft.com/office/drawing/2014/main" id="{C465DF9F-0333-A67D-BF2F-7A1723C8A6CA}"/>
+              </a:ext>
+            </a:extLst>
+          </p:cNvPr>
+          <p:cNvPicPr>
+            <a:picLocks noChangeAspect="1"/>
+          </p:cNvPicPr>
+          <p:nvPr/>
+        </p:nvPicPr>
+        <p:blipFill>
+          <a:blip r:embed="rId2"/>
+          <a:stretch>
+            <a:fillRect/>
+          </a:stretch>
+        </p:blipFill>
+        <p:spPr>
+          <a:xfrm>
+            <a:off x="-79682" y="5618650"/>
+            <a:ext cx="1394132" cy="1207318"/>
+          </a:xfrm>
+          <a:prstGeom prst="rect">
+            <a:avLst/>
+          </a:prstGeom>
+        </p:spPr>
+      </p:pic>
+      <p:pic>
+        <p:nvPicPr>
+          <p:cNvPr id="9" name="Picture 8">
+            <a:extLst>
+              <a:ext uri="{FF2B5EF4-FFF2-40B4-BE49-F238E27FC236}">
+                <a16:creationId xmlns:a16="http://schemas.microsoft.com/office/drawing/2014/main" id="{8C401996-76AC-8735-2904-8ECC305A67D4}"/>
+              </a:ext>
+            </a:extLst>
+          </p:cNvPr>
+          <p:cNvPicPr>
+            <a:picLocks noChangeAspect="1"/>
+          </p:cNvPicPr>
+          <p:nvPr/>
+        </p:nvPicPr>
+        <p:blipFill>
+          <a:blip r:embed="rId3"/>
+          <a:stretch>
+            <a:fillRect/>
+          </a:stretch>
+        </p:blipFill>
+        <p:spPr>
+          <a:xfrm>
+            <a:off x="838200" y="727662"/>
+            <a:ext cx="11011187" cy="6060488"/>
+          </a:xfrm>
+          <a:prstGeom prst="rect">
+            <a:avLst/>
+          </a:prstGeom>
+        </p:spPr>
+      </p:pic>
+    </p:spTree>
+    <p:extLst>
+      <p:ext uri="{BB962C8B-B14F-4D97-AF65-F5344CB8AC3E}">
+        <p14:creationId xmlns:p14="http://schemas.microsoft.com/office/powerpoint/2010/main" val="4232187766"/>
       </p:ext>
     </p:extLst>
   </p:cSld>
@@ -11302,6 +15490,1471 @@
     <p:extLst>
       <p:ext uri="{BB962C8B-B14F-4D97-AF65-F5344CB8AC3E}">
         <p14:creationId xmlns:p14="http://schemas.microsoft.com/office/powerpoint/2010/main" val="2267155655"/>
+      </p:ext>
+    </p:extLst>
+  </p:cSld>
+  <p:clrMapOvr>
+    <a:masterClrMapping/>
+  </p:clrMapOvr>
+</p:sld>
+</file>
+
+<file path=ppt/slides/slide50.xml><?xml version="1.0" encoding="utf-8"?>
+<p:sld xmlns:a="http://schemas.openxmlformats.org/drawingml/2006/main" xmlns:r="http://schemas.openxmlformats.org/officeDocument/2006/relationships" xmlns:p="http://schemas.openxmlformats.org/presentationml/2006/main">
+  <p:cSld>
+    <p:bg>
+      <p:bgPr>
+        <a:solidFill>
+          <a:schemeClr val="accent6">
+            <a:lumMod val="20000"/>
+            <a:lumOff val="80000"/>
+          </a:schemeClr>
+        </a:solidFill>
+        <a:effectLst/>
+      </p:bgPr>
+    </p:bg>
+    <p:spTree>
+      <p:nvGrpSpPr>
+        <p:cNvPr id="1" name=""/>
+        <p:cNvGrpSpPr/>
+        <p:nvPr/>
+      </p:nvGrpSpPr>
+      <p:grpSpPr>
+        <a:xfrm>
+          <a:off x="0" y="0"/>
+          <a:ext cx="0" cy="0"/>
+          <a:chOff x="0" y="0"/>
+          <a:chExt cx="0" cy="0"/>
+        </a:xfrm>
+      </p:grpSpPr>
+      <p:sp>
+        <p:nvSpPr>
+          <p:cNvPr id="2" name="Title 1">
+            <a:extLst>
+              <a:ext uri="{FF2B5EF4-FFF2-40B4-BE49-F238E27FC236}">
+                <a16:creationId xmlns:a16="http://schemas.microsoft.com/office/drawing/2014/main" id="{1D13C5AE-B493-0EB6-EEFA-7185096A3FE3}"/>
+              </a:ext>
+            </a:extLst>
+          </p:cNvPr>
+          <p:cNvSpPr>
+            <a:spLocks noGrp="1"/>
+          </p:cNvSpPr>
+          <p:nvPr>
+            <p:ph type="title"/>
+          </p:nvPr>
+        </p:nvSpPr>
+        <p:spPr>
+          <a:xfrm>
+            <a:off x="838200" y="-228956"/>
+            <a:ext cx="10515600" cy="1325563"/>
+          </a:xfrm>
+        </p:spPr>
+        <p:txBody>
+          <a:bodyPr>
+            <a:normAutofit/>
+          </a:bodyPr>
+          <a:lstStyle/>
+          <a:p>
+            <a:pPr algn="ctr"/>
+            <a:r>
+              <a:rPr lang="en-US" sz="3600" b="1" dirty="0">
+                <a:latin typeface="Times" pitchFamily="2" charset="0"/>
+              </a:rPr>
+              <a:t>Total wines</a:t>
+            </a:r>
+          </a:p>
+        </p:txBody>
+      </p:sp>
+      <p:sp>
+        <p:nvSpPr>
+          <p:cNvPr id="4" name="Slide Number Placeholder 3">
+            <a:extLst>
+              <a:ext uri="{FF2B5EF4-FFF2-40B4-BE49-F238E27FC236}">
+                <a16:creationId xmlns:a16="http://schemas.microsoft.com/office/drawing/2014/main" id="{FD31AD99-9635-208F-783E-589A82632EAA}"/>
+              </a:ext>
+            </a:extLst>
+          </p:cNvPr>
+          <p:cNvSpPr>
+            <a:spLocks noGrp="1"/>
+          </p:cNvSpPr>
+          <p:nvPr>
+            <p:ph type="sldNum" sz="quarter" idx="12"/>
+          </p:nvPr>
+        </p:nvSpPr>
+        <p:spPr/>
+        <p:txBody>
+          <a:bodyPr/>
+          <a:lstStyle/>
+          <a:p>
+            <a:fld id="{B75B56F8-EB57-7748-88E5-B1194B5EAB74}" type="slidenum">
+              <a:rPr lang="en-DE" smtClean="0"/>
+              <a:t>50</a:t>
+            </a:fld>
+            <a:endParaRPr lang="en-DE"/>
+          </a:p>
+        </p:txBody>
+      </p:sp>
+      <p:pic>
+        <p:nvPicPr>
+          <p:cNvPr id="8" name="Picture 7">
+            <a:extLst>
+              <a:ext uri="{FF2B5EF4-FFF2-40B4-BE49-F238E27FC236}">
+                <a16:creationId xmlns:a16="http://schemas.microsoft.com/office/drawing/2014/main" id="{C465DF9F-0333-A67D-BF2F-7A1723C8A6CA}"/>
+              </a:ext>
+            </a:extLst>
+          </p:cNvPr>
+          <p:cNvPicPr>
+            <a:picLocks noChangeAspect="1"/>
+          </p:cNvPicPr>
+          <p:nvPr/>
+        </p:nvPicPr>
+        <p:blipFill>
+          <a:blip r:embed="rId2"/>
+          <a:stretch>
+            <a:fillRect/>
+          </a:stretch>
+        </p:blipFill>
+        <p:spPr>
+          <a:xfrm>
+            <a:off x="-79682" y="5618650"/>
+            <a:ext cx="1394132" cy="1207318"/>
+          </a:xfrm>
+          <a:prstGeom prst="rect">
+            <a:avLst/>
+          </a:prstGeom>
+        </p:spPr>
+      </p:pic>
+      <p:pic>
+        <p:nvPicPr>
+          <p:cNvPr id="5" name="Picture 4">
+            <a:extLst>
+              <a:ext uri="{FF2B5EF4-FFF2-40B4-BE49-F238E27FC236}">
+                <a16:creationId xmlns:a16="http://schemas.microsoft.com/office/drawing/2014/main" id="{2B6ADC8E-6FE3-CA49-9866-CDE25D0B82D7}"/>
+              </a:ext>
+            </a:extLst>
+          </p:cNvPr>
+          <p:cNvPicPr>
+            <a:picLocks noChangeAspect="1"/>
+          </p:cNvPicPr>
+          <p:nvPr/>
+        </p:nvPicPr>
+        <p:blipFill>
+          <a:blip r:embed="rId3"/>
+          <a:stretch>
+            <a:fillRect/>
+          </a:stretch>
+        </p:blipFill>
+        <p:spPr>
+          <a:xfrm>
+            <a:off x="838201" y="687360"/>
+            <a:ext cx="10963274" cy="6034116"/>
+          </a:xfrm>
+          <a:prstGeom prst="rect">
+            <a:avLst/>
+          </a:prstGeom>
+        </p:spPr>
+      </p:pic>
+    </p:spTree>
+    <p:extLst>
+      <p:ext uri="{BB962C8B-B14F-4D97-AF65-F5344CB8AC3E}">
+        <p14:creationId xmlns:p14="http://schemas.microsoft.com/office/powerpoint/2010/main" val="357603419"/>
+      </p:ext>
+    </p:extLst>
+  </p:cSld>
+  <p:clrMapOvr>
+    <a:masterClrMapping/>
+  </p:clrMapOvr>
+</p:sld>
+</file>
+
+<file path=ppt/slides/slide51.xml><?xml version="1.0" encoding="utf-8"?>
+<p:sld xmlns:a="http://schemas.openxmlformats.org/drawingml/2006/main" xmlns:r="http://schemas.openxmlformats.org/officeDocument/2006/relationships" xmlns:p="http://schemas.openxmlformats.org/presentationml/2006/main">
+  <p:cSld>
+    <p:bg>
+      <p:bgPr>
+        <a:solidFill>
+          <a:schemeClr val="accent6">
+            <a:lumMod val="20000"/>
+            <a:lumOff val="80000"/>
+          </a:schemeClr>
+        </a:solidFill>
+        <a:effectLst/>
+      </p:bgPr>
+    </p:bg>
+    <p:spTree>
+      <p:nvGrpSpPr>
+        <p:cNvPr id="1" name=""/>
+        <p:cNvGrpSpPr/>
+        <p:nvPr/>
+      </p:nvGrpSpPr>
+      <p:grpSpPr>
+        <a:xfrm>
+          <a:off x="0" y="0"/>
+          <a:ext cx="0" cy="0"/>
+          <a:chOff x="0" y="0"/>
+          <a:chExt cx="0" cy="0"/>
+        </a:xfrm>
+      </p:grpSpPr>
+      <p:sp>
+        <p:nvSpPr>
+          <p:cNvPr id="4" name="Slide Number Placeholder 3">
+            <a:extLst>
+              <a:ext uri="{FF2B5EF4-FFF2-40B4-BE49-F238E27FC236}">
+                <a16:creationId xmlns:a16="http://schemas.microsoft.com/office/drawing/2014/main" id="{FD31AD99-9635-208F-783E-589A82632EAA}"/>
+              </a:ext>
+            </a:extLst>
+          </p:cNvPr>
+          <p:cNvSpPr>
+            <a:spLocks noGrp="1"/>
+          </p:cNvSpPr>
+          <p:nvPr>
+            <p:ph type="sldNum" sz="quarter" idx="12"/>
+          </p:nvPr>
+        </p:nvSpPr>
+        <p:spPr/>
+        <p:txBody>
+          <a:bodyPr/>
+          <a:lstStyle/>
+          <a:p>
+            <a:fld id="{B75B56F8-EB57-7748-88E5-B1194B5EAB74}" type="slidenum">
+              <a:rPr lang="en-DE" smtClean="0"/>
+              <a:t>51</a:t>
+            </a:fld>
+            <a:endParaRPr lang="en-DE"/>
+          </a:p>
+        </p:txBody>
+      </p:sp>
+      <p:pic>
+        <p:nvPicPr>
+          <p:cNvPr id="8" name="Picture 7">
+            <a:extLst>
+              <a:ext uri="{FF2B5EF4-FFF2-40B4-BE49-F238E27FC236}">
+                <a16:creationId xmlns:a16="http://schemas.microsoft.com/office/drawing/2014/main" id="{C465DF9F-0333-A67D-BF2F-7A1723C8A6CA}"/>
+              </a:ext>
+            </a:extLst>
+          </p:cNvPr>
+          <p:cNvPicPr>
+            <a:picLocks noChangeAspect="1"/>
+          </p:cNvPicPr>
+          <p:nvPr/>
+        </p:nvPicPr>
+        <p:blipFill>
+          <a:blip r:embed="rId2"/>
+          <a:stretch>
+            <a:fillRect/>
+          </a:stretch>
+        </p:blipFill>
+        <p:spPr>
+          <a:xfrm>
+            <a:off x="-79682" y="5618650"/>
+            <a:ext cx="1394132" cy="1207318"/>
+          </a:xfrm>
+          <a:prstGeom prst="rect">
+            <a:avLst/>
+          </a:prstGeom>
+        </p:spPr>
+      </p:pic>
+      <p:sp>
+        <p:nvSpPr>
+          <p:cNvPr id="9" name="TextBox 8">
+            <a:extLst>
+              <a:ext uri="{FF2B5EF4-FFF2-40B4-BE49-F238E27FC236}">
+                <a16:creationId xmlns:a16="http://schemas.microsoft.com/office/drawing/2014/main" id="{41E0AFF5-BEA3-5F4F-8679-27B7428C4E5B}"/>
+              </a:ext>
+            </a:extLst>
+          </p:cNvPr>
+          <p:cNvSpPr txBox="1"/>
+          <p:nvPr/>
+        </p:nvSpPr>
+        <p:spPr>
+          <a:xfrm>
+            <a:off x="1438275" y="1785937"/>
+            <a:ext cx="10615613" cy="4247317"/>
+          </a:xfrm>
+          <a:prstGeom prst="rect">
+            <a:avLst/>
+          </a:prstGeom>
+          <a:noFill/>
+        </p:spPr>
+        <p:txBody>
+          <a:bodyPr wrap="square">
+            <a:spAutoFit/>
+          </a:bodyPr>
+          <a:lstStyle/>
+          <a:p>
+            <a:endParaRPr lang="en-DE" dirty="0"/>
+          </a:p>
+          <a:p>
+            <a:r>
+              <a:rPr lang="en-DE" dirty="0"/>
+              <a:t>Anova test of volatile_acidity : </a:t>
+            </a:r>
+          </a:p>
+          <a:p>
+            <a:r>
+              <a:rPr lang="en-DE" dirty="0"/>
+              <a:t>                                      sum_sq      df            F        PR(&gt;F)</a:t>
+            </a:r>
+          </a:p>
+          <a:p>
+            <a:r>
+              <a:rPr lang="en-DE" dirty="0"/>
+              <a:t>C(quality_label)                   3.849092     2.0   166.181173  6.196629e-71</a:t>
+            </a:r>
+          </a:p>
+          <a:p>
+            <a:r>
+              <a:rPr lang="en-DE" dirty="0"/>
+              <a:t>C(kind_of_wine)                   63.774732     1.0  5506.836881  0.000000e+00</a:t>
+            </a:r>
+          </a:p>
+          <a:p>
+            <a:r>
+              <a:rPr lang="en-DE" dirty="0"/>
+              <a:t>C(quality_label):C(kind_of_wine)   1.096269     2.0    47.330451  4.056553e-21</a:t>
+            </a:r>
+          </a:p>
+          <a:p>
+            <a:r>
+              <a:rPr lang="en-DE" dirty="0"/>
+              <a:t>Residual                          68.177405  5887.0          NaN           NaN</a:t>
+            </a:r>
+          </a:p>
+          <a:p>
+            <a:endParaRPr lang="en-DE" dirty="0"/>
+          </a:p>
+          <a:p>
+            <a:endParaRPr lang="en-DE" dirty="0"/>
+          </a:p>
+          <a:p>
+            <a:r>
+              <a:rPr lang="en-DE" dirty="0"/>
+              <a:t>Anova test of citric_acid : </a:t>
+            </a:r>
+          </a:p>
+          <a:p>
+            <a:r>
+              <a:rPr lang="en-DE" dirty="0"/>
+              <a:t>                                      sum_sq      df           F        PR(&gt;F)</a:t>
+            </a:r>
+          </a:p>
+          <a:p>
+            <a:r>
+              <a:rPr lang="en-DE" dirty="0"/>
+              <a:t>C(quality_label)                   0.458190     2.0   14.096864  7.805902e-07</a:t>
+            </a:r>
+          </a:p>
+          <a:p>
+            <a:r>
+              <a:rPr lang="en-DE" dirty="0"/>
+              <a:t>C(kind_of_wine)                    3.786756     1.0  233.009654  1.267906e-51</a:t>
+            </a:r>
+          </a:p>
+          <a:p>
+            <a:r>
+              <a:rPr lang="en-DE" dirty="0"/>
+              <a:t>C(quality_label):C(kind_of_wine)   1.374516     2.0   42.288902  5.818926e-19</a:t>
+            </a:r>
+          </a:p>
+          <a:p>
+            <a:r>
+              <a:rPr lang="en-DE" dirty="0"/>
+              <a:t>Residual                          95.672564  5887.0         NaN           NaN</a:t>
+            </a:r>
+          </a:p>
+        </p:txBody>
+      </p:sp>
+      <p:sp>
+        <p:nvSpPr>
+          <p:cNvPr id="12" name="Title 1">
+            <a:extLst>
+              <a:ext uri="{FF2B5EF4-FFF2-40B4-BE49-F238E27FC236}">
+                <a16:creationId xmlns:a16="http://schemas.microsoft.com/office/drawing/2014/main" id="{1A3A1EBD-41FB-E0BD-0FB8-78B99D317B6B}"/>
+              </a:ext>
+            </a:extLst>
+          </p:cNvPr>
+          <p:cNvSpPr>
+            <a:spLocks noGrp="1"/>
+          </p:cNvSpPr>
+          <p:nvPr>
+            <p:ph type="title"/>
+          </p:nvPr>
+        </p:nvSpPr>
+        <p:spPr>
+          <a:xfrm>
+            <a:off x="838200" y="-228956"/>
+            <a:ext cx="10515600" cy="1325563"/>
+          </a:xfrm>
+        </p:spPr>
+        <p:txBody>
+          <a:bodyPr>
+            <a:normAutofit/>
+          </a:bodyPr>
+          <a:lstStyle/>
+          <a:p>
+            <a:pPr algn="ctr"/>
+            <a:r>
+              <a:rPr lang="en-US" sz="3600" b="1" dirty="0">
+                <a:latin typeface="Times" pitchFamily="2" charset="0"/>
+              </a:rPr>
+              <a:t>Total wines: two way </a:t>
+            </a:r>
+            <a:r>
+              <a:rPr lang="en-US" sz="3600" b="1" dirty="0" err="1">
+                <a:latin typeface="Times" pitchFamily="2" charset="0"/>
+              </a:rPr>
+              <a:t>Anova</a:t>
+            </a:r>
+            <a:r>
+              <a:rPr lang="en-US" sz="3600" b="1" dirty="0">
+                <a:latin typeface="Times" pitchFamily="2" charset="0"/>
+              </a:rPr>
+              <a:t> test:</a:t>
+            </a:r>
+          </a:p>
+        </p:txBody>
+      </p:sp>
+    </p:spTree>
+    <p:extLst>
+      <p:ext uri="{BB962C8B-B14F-4D97-AF65-F5344CB8AC3E}">
+        <p14:creationId xmlns:p14="http://schemas.microsoft.com/office/powerpoint/2010/main" val="2989736521"/>
+      </p:ext>
+    </p:extLst>
+  </p:cSld>
+  <p:clrMapOvr>
+    <a:masterClrMapping/>
+  </p:clrMapOvr>
+</p:sld>
+</file>
+
+<file path=ppt/slides/slide52.xml><?xml version="1.0" encoding="utf-8"?>
+<p:sld xmlns:a="http://schemas.openxmlformats.org/drawingml/2006/main" xmlns:r="http://schemas.openxmlformats.org/officeDocument/2006/relationships" xmlns:p="http://schemas.openxmlformats.org/presentationml/2006/main">
+  <p:cSld>
+    <p:bg>
+      <p:bgPr>
+        <a:solidFill>
+          <a:schemeClr val="accent6">
+            <a:lumMod val="20000"/>
+            <a:lumOff val="80000"/>
+          </a:schemeClr>
+        </a:solidFill>
+        <a:effectLst/>
+      </p:bgPr>
+    </p:bg>
+    <p:spTree>
+      <p:nvGrpSpPr>
+        <p:cNvPr id="1" name=""/>
+        <p:cNvGrpSpPr/>
+        <p:nvPr/>
+      </p:nvGrpSpPr>
+      <p:grpSpPr>
+        <a:xfrm>
+          <a:off x="0" y="0"/>
+          <a:ext cx="0" cy="0"/>
+          <a:chOff x="0" y="0"/>
+          <a:chExt cx="0" cy="0"/>
+        </a:xfrm>
+      </p:grpSpPr>
+      <p:sp>
+        <p:nvSpPr>
+          <p:cNvPr id="4" name="Slide Number Placeholder 3">
+            <a:extLst>
+              <a:ext uri="{FF2B5EF4-FFF2-40B4-BE49-F238E27FC236}">
+                <a16:creationId xmlns:a16="http://schemas.microsoft.com/office/drawing/2014/main" id="{AD4616E4-DD6D-8FFE-D068-CF28685D56B1}"/>
+              </a:ext>
+            </a:extLst>
+          </p:cNvPr>
+          <p:cNvSpPr>
+            <a:spLocks noGrp="1"/>
+          </p:cNvSpPr>
+          <p:nvPr>
+            <p:ph type="sldNum" sz="quarter" idx="12"/>
+          </p:nvPr>
+        </p:nvSpPr>
+        <p:spPr/>
+        <p:txBody>
+          <a:bodyPr/>
+          <a:lstStyle/>
+          <a:p>
+            <a:fld id="{B75B56F8-EB57-7748-88E5-B1194B5EAB74}" type="slidenum">
+              <a:rPr lang="en-DE" smtClean="0"/>
+              <a:t>52</a:t>
+            </a:fld>
+            <a:endParaRPr lang="en-DE" dirty="0"/>
+          </a:p>
+        </p:txBody>
+      </p:sp>
+      <p:sp>
+        <p:nvSpPr>
+          <p:cNvPr id="8" name="TextBox 7">
+            <a:extLst>
+              <a:ext uri="{FF2B5EF4-FFF2-40B4-BE49-F238E27FC236}">
+                <a16:creationId xmlns:a16="http://schemas.microsoft.com/office/drawing/2014/main" id="{F810AFE0-34A7-C1B8-47F2-896A3E03F70E}"/>
+              </a:ext>
+            </a:extLst>
+          </p:cNvPr>
+          <p:cNvSpPr txBox="1"/>
+          <p:nvPr/>
+        </p:nvSpPr>
+        <p:spPr>
+          <a:xfrm>
+            <a:off x="1278731" y="1464321"/>
+            <a:ext cx="10236994" cy="4524315"/>
+          </a:xfrm>
+          <a:prstGeom prst="rect">
+            <a:avLst/>
+          </a:prstGeom>
+          <a:noFill/>
+        </p:spPr>
+        <p:txBody>
+          <a:bodyPr wrap="square">
+            <a:spAutoFit/>
+          </a:bodyPr>
+          <a:lstStyle/>
+          <a:p>
+            <a:r>
+              <a:rPr lang="en-DE" dirty="0"/>
+              <a:t>Anova test of free_sulfur_dioxide : </a:t>
+            </a:r>
+          </a:p>
+          <a:p>
+            <a:r>
+              <a:rPr lang="en-DE" dirty="0"/>
+              <a:t>                                                                   sum_sq          df            F                  PR(&gt;F)</a:t>
+            </a:r>
+          </a:p>
+          <a:p>
+            <a:r>
+              <a:rPr lang="en-DE" dirty="0"/>
+              <a:t>C(quality_label)                                 1.372190e+01     2.0      0.034249       0.966331</a:t>
+            </a:r>
+          </a:p>
+          <a:p>
+            <a:r>
+              <a:rPr lang="en-DE" dirty="0"/>
+              <a:t>C(kind_of_wine)                                4.194326e+05     1.0     2093.737409  0.000000</a:t>
+            </a:r>
+          </a:p>
+          <a:p>
+            <a:r>
+              <a:rPr lang="en-DE" dirty="0"/>
+              <a:t>C(quality_label):C(kind_of_wine)   4.209403e+02     2.0     1.050632        0.349782</a:t>
+            </a:r>
+          </a:p>
+          <a:p>
+            <a:r>
+              <a:rPr lang="en-DE" dirty="0"/>
+              <a:t>Residual                                              1.179326e+06    5887.0          NaN         NaN</a:t>
+            </a:r>
+          </a:p>
+          <a:p>
+            <a:endParaRPr lang="en-DE" dirty="0"/>
+          </a:p>
+          <a:p>
+            <a:endParaRPr lang="en-DE" dirty="0"/>
+          </a:p>
+          <a:p>
+            <a:r>
+              <a:rPr lang="en-GB" dirty="0" err="1"/>
+              <a:t>Anova</a:t>
+            </a:r>
+            <a:r>
+              <a:rPr lang="en-GB" dirty="0"/>
+              <a:t> test of alcohol : </a:t>
+            </a:r>
+          </a:p>
+          <a:p>
+            <a:r>
+              <a:rPr lang="en-GB" dirty="0"/>
+              <a:t>                                                                    </a:t>
+            </a:r>
+            <a:r>
+              <a:rPr lang="en-GB" dirty="0" err="1"/>
+              <a:t>sum_sq</a:t>
+            </a:r>
+            <a:r>
+              <a:rPr lang="en-GB" dirty="0"/>
+              <a:t>          </a:t>
+            </a:r>
+            <a:r>
+              <a:rPr lang="en-GB" dirty="0" err="1"/>
+              <a:t>df</a:t>
+            </a:r>
+            <a:r>
+              <a:rPr lang="en-GB" dirty="0"/>
+              <a:t>               F                      PR(&gt;F)  </a:t>
+            </a:r>
+          </a:p>
+          <a:p>
+            <a:r>
+              <a:rPr lang="en-GB" dirty="0"/>
+              <a:t>C(</a:t>
+            </a:r>
+            <a:r>
+              <a:rPr lang="en-GB" dirty="0" err="1"/>
+              <a:t>quality_label</a:t>
+            </a:r>
+            <a:r>
+              <a:rPr lang="en-GB" dirty="0"/>
+              <a:t>)                                   1356.294903     2.0      589.150347.    5.848261e-234</a:t>
+            </a:r>
+          </a:p>
+          <a:p>
+            <a:r>
+              <a:rPr lang="en-GB" dirty="0"/>
+              <a:t>C(</a:t>
+            </a:r>
+            <a:r>
+              <a:rPr lang="en-GB" dirty="0" err="1"/>
+              <a:t>kind_of_wine</a:t>
+            </a:r>
+            <a:r>
+              <a:rPr lang="en-GB" dirty="0"/>
+              <a:t>)                                  1.147737           1.0       0.997113.        3.180512e-01 </a:t>
+            </a:r>
+          </a:p>
+          <a:p>
+            <a:r>
+              <a:rPr lang="en-GB" dirty="0"/>
+              <a:t>C(</a:t>
+            </a:r>
+            <a:r>
+              <a:rPr lang="en-GB" dirty="0" err="1"/>
+              <a:t>quality_label</a:t>
+            </a:r>
+            <a:r>
+              <a:rPr lang="en-GB" dirty="0"/>
+              <a:t>):C(</a:t>
+            </a:r>
+            <a:r>
+              <a:rPr lang="en-GB" dirty="0" err="1"/>
+              <a:t>kind_of_wine</a:t>
+            </a:r>
+            <a:r>
+              <a:rPr lang="en-GB" dirty="0"/>
+              <a:t>)     2.990817           2.0       1.299158.        2.728397e-01 </a:t>
+            </a:r>
+          </a:p>
+          <a:p>
+            <a:r>
+              <a:rPr lang="en-GB" dirty="0"/>
+              <a:t>Residual                                                6776.290756   5887.0         </a:t>
+            </a:r>
+            <a:r>
+              <a:rPr lang="en-GB" dirty="0" err="1"/>
+              <a:t>NaN</a:t>
+            </a:r>
+            <a:r>
+              <a:rPr lang="en-GB" dirty="0"/>
+              <a:t>              NAN</a:t>
+            </a:r>
+          </a:p>
+          <a:p>
+            <a:endParaRPr lang="en-DE" dirty="0"/>
+          </a:p>
+          <a:p>
+            <a:endParaRPr lang="en-DE" dirty="0"/>
+          </a:p>
+        </p:txBody>
+      </p:sp>
+      <p:sp>
+        <p:nvSpPr>
+          <p:cNvPr id="9" name="Title 1">
+            <a:extLst>
+              <a:ext uri="{FF2B5EF4-FFF2-40B4-BE49-F238E27FC236}">
+                <a16:creationId xmlns:a16="http://schemas.microsoft.com/office/drawing/2014/main" id="{D33E1FAF-B1BD-6020-7E37-123A4BA82C3C}"/>
+              </a:ext>
+            </a:extLst>
+          </p:cNvPr>
+          <p:cNvSpPr>
+            <a:spLocks noGrp="1"/>
+          </p:cNvSpPr>
+          <p:nvPr>
+            <p:ph type="title"/>
+          </p:nvPr>
+        </p:nvSpPr>
+        <p:spPr>
+          <a:xfrm>
+            <a:off x="838200" y="-228956"/>
+            <a:ext cx="10515600" cy="1325563"/>
+          </a:xfrm>
+        </p:spPr>
+        <p:txBody>
+          <a:bodyPr>
+            <a:normAutofit/>
+          </a:bodyPr>
+          <a:lstStyle/>
+          <a:p>
+            <a:pPr algn="ctr"/>
+            <a:r>
+              <a:rPr lang="en-US" sz="3600" b="1" dirty="0">
+                <a:latin typeface="Times" pitchFamily="2" charset="0"/>
+              </a:rPr>
+              <a:t>Total wines: two way </a:t>
+            </a:r>
+            <a:r>
+              <a:rPr lang="en-US" sz="3600" b="1" dirty="0" err="1">
+                <a:latin typeface="Times" pitchFamily="2" charset="0"/>
+              </a:rPr>
+              <a:t>Anova</a:t>
+            </a:r>
+            <a:r>
+              <a:rPr lang="en-US" sz="3600" b="1" dirty="0">
+                <a:latin typeface="Times" pitchFamily="2" charset="0"/>
+              </a:rPr>
+              <a:t> test:</a:t>
+            </a:r>
+          </a:p>
+        </p:txBody>
+      </p:sp>
+    </p:spTree>
+    <p:extLst>
+      <p:ext uri="{BB962C8B-B14F-4D97-AF65-F5344CB8AC3E}">
+        <p14:creationId xmlns:p14="http://schemas.microsoft.com/office/powerpoint/2010/main" val="1834564091"/>
+      </p:ext>
+    </p:extLst>
+  </p:cSld>
+  <p:clrMapOvr>
+    <a:masterClrMapping/>
+  </p:clrMapOvr>
+</p:sld>
+</file>
+
+<file path=ppt/slides/slide53.xml><?xml version="1.0" encoding="utf-8"?>
+<p:sld xmlns:a="http://schemas.openxmlformats.org/drawingml/2006/main" xmlns:r="http://schemas.openxmlformats.org/officeDocument/2006/relationships" xmlns:p="http://schemas.openxmlformats.org/presentationml/2006/main">
+  <p:cSld>
+    <p:bg>
+      <p:bgPr>
+        <a:solidFill>
+          <a:schemeClr val="accent6">
+            <a:lumMod val="20000"/>
+            <a:lumOff val="80000"/>
+          </a:schemeClr>
+        </a:solidFill>
+        <a:effectLst/>
+      </p:bgPr>
+    </p:bg>
+    <p:spTree>
+      <p:nvGrpSpPr>
+        <p:cNvPr id="1" name=""/>
+        <p:cNvGrpSpPr/>
+        <p:nvPr/>
+      </p:nvGrpSpPr>
+      <p:grpSpPr>
+        <a:xfrm>
+          <a:off x="0" y="0"/>
+          <a:ext cx="0" cy="0"/>
+          <a:chOff x="0" y="0"/>
+          <a:chExt cx="0" cy="0"/>
+        </a:xfrm>
+      </p:grpSpPr>
+      <p:sp>
+        <p:nvSpPr>
+          <p:cNvPr id="2" name="Title 1">
+            <a:extLst>
+              <a:ext uri="{FF2B5EF4-FFF2-40B4-BE49-F238E27FC236}">
+                <a16:creationId xmlns:a16="http://schemas.microsoft.com/office/drawing/2014/main" id="{1D13C5AE-B493-0EB6-EEFA-7185096A3FE3}"/>
+              </a:ext>
+            </a:extLst>
+          </p:cNvPr>
+          <p:cNvSpPr>
+            <a:spLocks noGrp="1"/>
+          </p:cNvSpPr>
+          <p:nvPr>
+            <p:ph type="title"/>
+          </p:nvPr>
+        </p:nvSpPr>
+        <p:spPr>
+          <a:xfrm>
+            <a:off x="838200" y="-228956"/>
+            <a:ext cx="10515600" cy="1325563"/>
+          </a:xfrm>
+        </p:spPr>
+        <p:txBody>
+          <a:bodyPr>
+            <a:normAutofit/>
+          </a:bodyPr>
+          <a:lstStyle/>
+          <a:p>
+            <a:pPr algn="ctr"/>
+            <a:r>
+              <a:rPr lang="en-US" sz="3600" b="1" dirty="0">
+                <a:latin typeface="Times" pitchFamily="2" charset="0"/>
+              </a:rPr>
+              <a:t>Total wines</a:t>
+            </a:r>
+          </a:p>
+        </p:txBody>
+      </p:sp>
+      <p:sp>
+        <p:nvSpPr>
+          <p:cNvPr id="4" name="Slide Number Placeholder 3">
+            <a:extLst>
+              <a:ext uri="{FF2B5EF4-FFF2-40B4-BE49-F238E27FC236}">
+                <a16:creationId xmlns:a16="http://schemas.microsoft.com/office/drawing/2014/main" id="{FD31AD99-9635-208F-783E-589A82632EAA}"/>
+              </a:ext>
+            </a:extLst>
+          </p:cNvPr>
+          <p:cNvSpPr>
+            <a:spLocks noGrp="1"/>
+          </p:cNvSpPr>
+          <p:nvPr>
+            <p:ph type="sldNum" sz="quarter" idx="12"/>
+          </p:nvPr>
+        </p:nvSpPr>
+        <p:spPr/>
+        <p:txBody>
+          <a:bodyPr/>
+          <a:lstStyle/>
+          <a:p>
+            <a:fld id="{B75B56F8-EB57-7748-88E5-B1194B5EAB74}" type="slidenum">
+              <a:rPr lang="en-DE" smtClean="0"/>
+              <a:t>53</a:t>
+            </a:fld>
+            <a:endParaRPr lang="en-DE"/>
+          </a:p>
+        </p:txBody>
+      </p:sp>
+      <p:pic>
+        <p:nvPicPr>
+          <p:cNvPr id="8" name="Picture 7">
+            <a:extLst>
+              <a:ext uri="{FF2B5EF4-FFF2-40B4-BE49-F238E27FC236}">
+                <a16:creationId xmlns:a16="http://schemas.microsoft.com/office/drawing/2014/main" id="{C465DF9F-0333-A67D-BF2F-7A1723C8A6CA}"/>
+              </a:ext>
+            </a:extLst>
+          </p:cNvPr>
+          <p:cNvPicPr>
+            <a:picLocks noChangeAspect="1"/>
+          </p:cNvPicPr>
+          <p:nvPr/>
+        </p:nvPicPr>
+        <p:blipFill>
+          <a:blip r:embed="rId2"/>
+          <a:stretch>
+            <a:fillRect/>
+          </a:stretch>
+        </p:blipFill>
+        <p:spPr>
+          <a:xfrm>
+            <a:off x="-79682" y="5618650"/>
+            <a:ext cx="1394132" cy="1207318"/>
+          </a:xfrm>
+          <a:prstGeom prst="rect">
+            <a:avLst/>
+          </a:prstGeom>
+        </p:spPr>
+      </p:pic>
+      <p:pic>
+        <p:nvPicPr>
+          <p:cNvPr id="5" name="Picture 4">
+            <a:extLst>
+              <a:ext uri="{FF2B5EF4-FFF2-40B4-BE49-F238E27FC236}">
+                <a16:creationId xmlns:a16="http://schemas.microsoft.com/office/drawing/2014/main" id="{38934DF0-8D47-87F2-479A-9B03746A7062}"/>
+              </a:ext>
+            </a:extLst>
+          </p:cNvPr>
+          <p:cNvPicPr>
+            <a:picLocks noChangeAspect="1"/>
+          </p:cNvPicPr>
+          <p:nvPr/>
+        </p:nvPicPr>
+        <p:blipFill>
+          <a:blip r:embed="rId3"/>
+          <a:stretch>
+            <a:fillRect/>
+          </a:stretch>
+        </p:blipFill>
+        <p:spPr>
+          <a:xfrm>
+            <a:off x="1952624" y="853442"/>
+            <a:ext cx="9148763" cy="6004558"/>
+          </a:xfrm>
+          <a:prstGeom prst="rect">
+            <a:avLst/>
+          </a:prstGeom>
+        </p:spPr>
+      </p:pic>
+    </p:spTree>
+    <p:extLst>
+      <p:ext uri="{BB962C8B-B14F-4D97-AF65-F5344CB8AC3E}">
+        <p14:creationId xmlns:p14="http://schemas.microsoft.com/office/powerpoint/2010/main" val="1731797574"/>
+      </p:ext>
+    </p:extLst>
+  </p:cSld>
+  <p:clrMapOvr>
+    <a:masterClrMapping/>
+  </p:clrMapOvr>
+</p:sld>
+</file>
+
+<file path=ppt/slides/slide54.xml><?xml version="1.0" encoding="utf-8"?>
+<p:sld xmlns:a="http://schemas.openxmlformats.org/drawingml/2006/main" xmlns:r="http://schemas.openxmlformats.org/officeDocument/2006/relationships" xmlns:p="http://schemas.openxmlformats.org/presentationml/2006/main">
+  <p:cSld>
+    <p:bg>
+      <p:bgPr>
+        <a:solidFill>
+          <a:schemeClr val="accent6">
+            <a:lumMod val="20000"/>
+            <a:lumOff val="80000"/>
+          </a:schemeClr>
+        </a:solidFill>
+        <a:effectLst/>
+      </p:bgPr>
+    </p:bg>
+    <p:spTree>
+      <p:nvGrpSpPr>
+        <p:cNvPr id="1" name=""/>
+        <p:cNvGrpSpPr/>
+        <p:nvPr/>
+      </p:nvGrpSpPr>
+      <p:grpSpPr>
+        <a:xfrm>
+          <a:off x="0" y="0"/>
+          <a:ext cx="0" cy="0"/>
+          <a:chOff x="0" y="0"/>
+          <a:chExt cx="0" cy="0"/>
+        </a:xfrm>
+      </p:grpSpPr>
+      <p:sp>
+        <p:nvSpPr>
+          <p:cNvPr id="2" name="Title 1">
+            <a:extLst>
+              <a:ext uri="{FF2B5EF4-FFF2-40B4-BE49-F238E27FC236}">
+                <a16:creationId xmlns:a16="http://schemas.microsoft.com/office/drawing/2014/main" id="{1D13C5AE-B493-0EB6-EEFA-7185096A3FE3}"/>
+              </a:ext>
+            </a:extLst>
+          </p:cNvPr>
+          <p:cNvSpPr>
+            <a:spLocks noGrp="1"/>
+          </p:cNvSpPr>
+          <p:nvPr>
+            <p:ph type="title"/>
+          </p:nvPr>
+        </p:nvSpPr>
+        <p:spPr>
+          <a:xfrm>
+            <a:off x="838200" y="42510"/>
+            <a:ext cx="10515600" cy="1325563"/>
+          </a:xfrm>
+        </p:spPr>
+        <p:txBody>
+          <a:bodyPr>
+            <a:normAutofit/>
+          </a:bodyPr>
+          <a:lstStyle/>
+          <a:p>
+            <a:pPr algn="ctr"/>
+            <a:r>
+              <a:rPr lang="en-US" sz="3600" b="1" dirty="0">
+                <a:latin typeface="Times" pitchFamily="2" charset="0"/>
+              </a:rPr>
+              <a:t>Red wines quality box plot</a:t>
+            </a:r>
+          </a:p>
+        </p:txBody>
+      </p:sp>
+      <p:sp>
+        <p:nvSpPr>
+          <p:cNvPr id="4" name="Slide Number Placeholder 3">
+            <a:extLst>
+              <a:ext uri="{FF2B5EF4-FFF2-40B4-BE49-F238E27FC236}">
+                <a16:creationId xmlns:a16="http://schemas.microsoft.com/office/drawing/2014/main" id="{FD31AD99-9635-208F-783E-589A82632EAA}"/>
+              </a:ext>
+            </a:extLst>
+          </p:cNvPr>
+          <p:cNvSpPr>
+            <a:spLocks noGrp="1"/>
+          </p:cNvSpPr>
+          <p:nvPr>
+            <p:ph type="sldNum" sz="quarter" idx="12"/>
+          </p:nvPr>
+        </p:nvSpPr>
+        <p:spPr/>
+        <p:txBody>
+          <a:bodyPr/>
+          <a:lstStyle/>
+          <a:p>
+            <a:fld id="{B75B56F8-EB57-7748-88E5-B1194B5EAB74}" type="slidenum">
+              <a:rPr lang="en-DE" smtClean="0"/>
+              <a:t>54</a:t>
+            </a:fld>
+            <a:endParaRPr lang="en-DE"/>
+          </a:p>
+        </p:txBody>
+      </p:sp>
+      <p:pic>
+        <p:nvPicPr>
+          <p:cNvPr id="8" name="Picture 7">
+            <a:extLst>
+              <a:ext uri="{FF2B5EF4-FFF2-40B4-BE49-F238E27FC236}">
+                <a16:creationId xmlns:a16="http://schemas.microsoft.com/office/drawing/2014/main" id="{C465DF9F-0333-A67D-BF2F-7A1723C8A6CA}"/>
+              </a:ext>
+            </a:extLst>
+          </p:cNvPr>
+          <p:cNvPicPr>
+            <a:picLocks noChangeAspect="1"/>
+          </p:cNvPicPr>
+          <p:nvPr/>
+        </p:nvPicPr>
+        <p:blipFill>
+          <a:blip r:embed="rId2"/>
+          <a:stretch>
+            <a:fillRect/>
+          </a:stretch>
+        </p:blipFill>
+        <p:spPr>
+          <a:xfrm>
+            <a:off x="-79682" y="5618650"/>
+            <a:ext cx="1394132" cy="1207318"/>
+          </a:xfrm>
+          <a:prstGeom prst="rect">
+            <a:avLst/>
+          </a:prstGeom>
+        </p:spPr>
+      </p:pic>
+      <p:pic>
+        <p:nvPicPr>
+          <p:cNvPr id="6" name="Picture 5">
+            <a:extLst>
+              <a:ext uri="{FF2B5EF4-FFF2-40B4-BE49-F238E27FC236}">
+                <a16:creationId xmlns:a16="http://schemas.microsoft.com/office/drawing/2014/main" id="{41F3BB7F-3C8B-F1E6-D9C5-41CC0594670E}"/>
+              </a:ext>
+            </a:extLst>
+          </p:cNvPr>
+          <p:cNvPicPr>
+            <a:picLocks noChangeAspect="1"/>
+          </p:cNvPicPr>
+          <p:nvPr/>
+        </p:nvPicPr>
+        <p:blipFill>
+          <a:blip r:embed="rId3"/>
+          <a:stretch>
+            <a:fillRect/>
+          </a:stretch>
+        </p:blipFill>
+        <p:spPr>
+          <a:xfrm>
+            <a:off x="1905918" y="1057275"/>
+            <a:ext cx="8838196" cy="5800725"/>
+          </a:xfrm>
+          <a:prstGeom prst="rect">
+            <a:avLst/>
+          </a:prstGeom>
+        </p:spPr>
+      </p:pic>
+    </p:spTree>
+    <p:extLst>
+      <p:ext uri="{BB962C8B-B14F-4D97-AF65-F5344CB8AC3E}">
+        <p14:creationId xmlns:p14="http://schemas.microsoft.com/office/powerpoint/2010/main" val="2649340877"/>
+      </p:ext>
+    </p:extLst>
+  </p:cSld>
+  <p:clrMapOvr>
+    <a:masterClrMapping/>
+  </p:clrMapOvr>
+</p:sld>
+</file>
+
+<file path=ppt/slides/slide55.xml><?xml version="1.0" encoding="utf-8"?>
+<p:sld xmlns:a="http://schemas.openxmlformats.org/drawingml/2006/main" xmlns:r="http://schemas.openxmlformats.org/officeDocument/2006/relationships" xmlns:p="http://schemas.openxmlformats.org/presentationml/2006/main">
+  <p:cSld>
+    <p:bg>
+      <p:bgPr>
+        <a:solidFill>
+          <a:schemeClr val="accent6">
+            <a:lumMod val="20000"/>
+            <a:lumOff val="80000"/>
+          </a:schemeClr>
+        </a:solidFill>
+        <a:effectLst/>
+      </p:bgPr>
+    </p:bg>
+    <p:spTree>
+      <p:nvGrpSpPr>
+        <p:cNvPr id="1" name=""/>
+        <p:cNvGrpSpPr/>
+        <p:nvPr/>
+      </p:nvGrpSpPr>
+      <p:grpSpPr>
+        <a:xfrm>
+          <a:off x="0" y="0"/>
+          <a:ext cx="0" cy="0"/>
+          <a:chOff x="0" y="0"/>
+          <a:chExt cx="0" cy="0"/>
+        </a:xfrm>
+      </p:grpSpPr>
+      <p:sp>
+        <p:nvSpPr>
+          <p:cNvPr id="2" name="Title 1">
+            <a:extLst>
+              <a:ext uri="{FF2B5EF4-FFF2-40B4-BE49-F238E27FC236}">
+                <a16:creationId xmlns:a16="http://schemas.microsoft.com/office/drawing/2014/main" id="{1D13C5AE-B493-0EB6-EEFA-7185096A3FE3}"/>
+              </a:ext>
+            </a:extLst>
+          </p:cNvPr>
+          <p:cNvSpPr>
+            <a:spLocks noGrp="1"/>
+          </p:cNvSpPr>
+          <p:nvPr>
+            <p:ph type="title"/>
+          </p:nvPr>
+        </p:nvSpPr>
+        <p:spPr>
+          <a:xfrm>
+            <a:off x="838200" y="32032"/>
+            <a:ext cx="10515600" cy="1325563"/>
+          </a:xfrm>
+        </p:spPr>
+        <p:txBody>
+          <a:bodyPr/>
+          <a:lstStyle/>
+          <a:p>
+            <a:pPr algn="ctr"/>
+            <a:r>
+              <a:rPr lang="en-DE" b="1" dirty="0">
+                <a:latin typeface="Times" pitchFamily="2" charset="0"/>
+              </a:rPr>
+              <a:t>Conclusions</a:t>
+            </a:r>
+            <a:endParaRPr lang="en-DE" sz="3200" b="1" dirty="0">
+              <a:latin typeface="Times" pitchFamily="2" charset="0"/>
+            </a:endParaRPr>
+          </a:p>
+        </p:txBody>
+      </p:sp>
+      <p:sp>
+        <p:nvSpPr>
+          <p:cNvPr id="4" name="Slide Number Placeholder 3">
+            <a:extLst>
+              <a:ext uri="{FF2B5EF4-FFF2-40B4-BE49-F238E27FC236}">
+                <a16:creationId xmlns:a16="http://schemas.microsoft.com/office/drawing/2014/main" id="{FD31AD99-9635-208F-783E-589A82632EAA}"/>
+              </a:ext>
+            </a:extLst>
+          </p:cNvPr>
+          <p:cNvSpPr>
+            <a:spLocks noGrp="1"/>
+          </p:cNvSpPr>
+          <p:nvPr>
+            <p:ph type="sldNum" sz="quarter" idx="12"/>
+          </p:nvPr>
+        </p:nvSpPr>
+        <p:spPr/>
+        <p:txBody>
+          <a:bodyPr/>
+          <a:lstStyle/>
+          <a:p>
+            <a:fld id="{B75B56F8-EB57-7748-88E5-B1194B5EAB74}" type="slidenum">
+              <a:rPr lang="en-DE" smtClean="0"/>
+              <a:t>55</a:t>
+            </a:fld>
+            <a:endParaRPr lang="en-DE"/>
+          </a:p>
+        </p:txBody>
+      </p:sp>
+      <p:pic>
+        <p:nvPicPr>
+          <p:cNvPr id="8" name="Picture 7">
+            <a:extLst>
+              <a:ext uri="{FF2B5EF4-FFF2-40B4-BE49-F238E27FC236}">
+                <a16:creationId xmlns:a16="http://schemas.microsoft.com/office/drawing/2014/main" id="{C465DF9F-0333-A67D-BF2F-7A1723C8A6CA}"/>
+              </a:ext>
+            </a:extLst>
+          </p:cNvPr>
+          <p:cNvPicPr>
+            <a:picLocks noChangeAspect="1"/>
+          </p:cNvPicPr>
+          <p:nvPr/>
+        </p:nvPicPr>
+        <p:blipFill>
+          <a:blip r:embed="rId2"/>
+          <a:stretch>
+            <a:fillRect/>
+          </a:stretch>
+        </p:blipFill>
+        <p:spPr>
+          <a:xfrm>
+            <a:off x="-79682" y="5618650"/>
+            <a:ext cx="1394132" cy="1207318"/>
+          </a:xfrm>
+          <a:prstGeom prst="rect">
+            <a:avLst/>
+          </a:prstGeom>
+        </p:spPr>
+      </p:pic>
+      <p:sp>
+        <p:nvSpPr>
+          <p:cNvPr id="3" name="TextBox 2">
+            <a:extLst>
+              <a:ext uri="{FF2B5EF4-FFF2-40B4-BE49-F238E27FC236}">
+                <a16:creationId xmlns:a16="http://schemas.microsoft.com/office/drawing/2014/main" id="{D8E58776-AAA5-F280-417E-F81F28FA4F38}"/>
+              </a:ext>
+            </a:extLst>
+          </p:cNvPr>
+          <p:cNvSpPr txBox="1"/>
+          <p:nvPr/>
+        </p:nvSpPr>
+        <p:spPr>
+          <a:xfrm>
+            <a:off x="532617" y="1543052"/>
+            <a:ext cx="11168845" cy="5170646"/>
+          </a:xfrm>
+          <a:prstGeom prst="rect">
+            <a:avLst/>
+          </a:prstGeom>
+          <a:noFill/>
+        </p:spPr>
+        <p:txBody>
+          <a:bodyPr wrap="square" rtlCol="0">
+            <a:spAutoFit/>
+          </a:bodyPr>
+          <a:lstStyle/>
+          <a:p>
+            <a:pPr marL="36000" indent="-285750">
+              <a:buFont typeface="Arial" panose="020B0604020202020204" pitchFamily="34" charset="0"/>
+              <a:buChar char="•"/>
+            </a:pPr>
+            <a:r>
+              <a:rPr lang="en-DE" sz="2400" b="1" dirty="0">
+                <a:latin typeface="Times" pitchFamily="2" charset="0"/>
+              </a:rPr>
+              <a:t> In red wines, decreasing volatile acidity and groth of fixed acidity  increases the quality of wines but it has no effect in the.</a:t>
+            </a:r>
+          </a:p>
+          <a:p>
+            <a:pPr marL="36000" indent="-285750">
+              <a:buFont typeface="Arial" panose="020B0604020202020204" pitchFamily="34" charset="0"/>
+              <a:buChar char="•"/>
+            </a:pPr>
+            <a:r>
+              <a:rPr lang="en-DE" sz="2400" b="1" dirty="0">
+                <a:latin typeface="Times" pitchFamily="2" charset="0"/>
+              </a:rPr>
+              <a:t>More than half of red wines have high sulphates. Medium quality red wines have the highest sulphates.</a:t>
+            </a:r>
+          </a:p>
+          <a:p>
+            <a:pPr marL="36000" indent="-285750">
+              <a:buFont typeface="Arial" panose="020B0604020202020204" pitchFamily="34" charset="0"/>
+              <a:buChar char="•"/>
+            </a:pPr>
+            <a:r>
+              <a:rPr lang="en-DE" sz="2400" b="1" dirty="0">
+                <a:latin typeface="Times" pitchFamily="2" charset="0"/>
+              </a:rPr>
+              <a:t>Sulphates and alcohol increase with increasing the quality of red wines while free sulfure and total sulfur dioxides have invert effects.</a:t>
+            </a:r>
+          </a:p>
+          <a:p>
+            <a:pPr marL="36000" indent="-285750">
+              <a:buFont typeface="Arial" panose="020B0604020202020204" pitchFamily="34" charset="0"/>
+              <a:buChar char="•"/>
+            </a:pPr>
+            <a:r>
+              <a:rPr lang="en-GB" sz="2400" b="1" dirty="0">
+                <a:latin typeface="Times" pitchFamily="2" charset="0"/>
+              </a:rPr>
+              <a:t>D</a:t>
+            </a:r>
+            <a:r>
+              <a:rPr lang="en-DE" sz="2400" b="1" dirty="0">
+                <a:latin typeface="Times" pitchFamily="2" charset="0"/>
+              </a:rPr>
+              <a:t>ensity, residual sugar and chlorides decrease with increasing the quality of white wines, while has an inverse effect.</a:t>
+            </a:r>
+          </a:p>
+          <a:p>
+            <a:pPr marL="36000" indent="-285750">
+              <a:buFont typeface="Arial" panose="020B0604020202020204" pitchFamily="34" charset="0"/>
+              <a:buChar char="•"/>
+            </a:pPr>
+            <a:r>
+              <a:rPr lang="en-GB" sz="2400" b="1" dirty="0">
+                <a:latin typeface="Times" pitchFamily="2" charset="0"/>
+              </a:rPr>
+              <a:t>Fixed acidity, volatile acidity, chlorides, density, pH and sulphates are high in red wines, free and total </a:t>
+            </a:r>
+            <a:r>
+              <a:rPr lang="en-GB" sz="2400" b="1" dirty="0" err="1">
+                <a:latin typeface="Times" pitchFamily="2" charset="0"/>
+              </a:rPr>
+              <a:t>sulfur</a:t>
+            </a:r>
+            <a:r>
+              <a:rPr lang="en-GB" sz="2400" b="1" dirty="0">
+                <a:latin typeface="Times" pitchFamily="2" charset="0"/>
+              </a:rPr>
+              <a:t> dioxides and residual sugar are lower. The alcohol is almost the same in both wines</a:t>
+            </a:r>
+            <a:endParaRPr lang="en-DE" sz="2400" b="1" dirty="0">
+              <a:latin typeface="Times" pitchFamily="2" charset="0"/>
+            </a:endParaRPr>
+          </a:p>
+          <a:p>
+            <a:pPr marL="36000" indent="-285750">
+              <a:buFont typeface="Arial" panose="020B0604020202020204" pitchFamily="34" charset="0"/>
+              <a:buChar char="•"/>
+            </a:pPr>
+            <a:endParaRPr lang="en-DE" sz="2400" b="1" dirty="0">
+              <a:latin typeface="Times" pitchFamily="2" charset="0"/>
+            </a:endParaRPr>
+          </a:p>
+          <a:p>
+            <a:pPr marL="36000" indent="-285750">
+              <a:buFont typeface="Arial" panose="020B0604020202020204" pitchFamily="34" charset="0"/>
+              <a:buChar char="•"/>
+            </a:pPr>
+            <a:endParaRPr lang="en-DE" sz="2400" b="1" dirty="0">
+              <a:latin typeface="Times" pitchFamily="2" charset="0"/>
+            </a:endParaRPr>
+          </a:p>
+          <a:p>
+            <a:endParaRPr lang="en-DE" dirty="0"/>
+          </a:p>
+        </p:txBody>
+      </p:sp>
+    </p:spTree>
+    <p:extLst>
+      <p:ext uri="{BB962C8B-B14F-4D97-AF65-F5344CB8AC3E}">
+        <p14:creationId xmlns:p14="http://schemas.microsoft.com/office/powerpoint/2010/main" val="4067531572"/>
+      </p:ext>
+    </p:extLst>
+  </p:cSld>
+  <p:clrMapOvr>
+    <a:masterClrMapping/>
+  </p:clrMapOvr>
+</p:sld>
+</file>
+
+<file path=ppt/slides/slide56.xml><?xml version="1.0" encoding="utf-8"?>
+<p:sld xmlns:a="http://schemas.openxmlformats.org/drawingml/2006/main" xmlns:r="http://schemas.openxmlformats.org/officeDocument/2006/relationships" xmlns:p="http://schemas.openxmlformats.org/presentationml/2006/main">
+  <p:cSld>
+    <p:spTree>
+      <p:nvGrpSpPr>
+        <p:cNvPr id="1" name=""/>
+        <p:cNvGrpSpPr/>
+        <p:nvPr/>
+      </p:nvGrpSpPr>
+      <p:grpSpPr>
+        <a:xfrm>
+          <a:off x="0" y="0"/>
+          <a:ext cx="0" cy="0"/>
+          <a:chOff x="0" y="0"/>
+          <a:chExt cx="0" cy="0"/>
+        </a:xfrm>
+      </p:grpSpPr>
+      <p:sp>
+        <p:nvSpPr>
+          <p:cNvPr id="2" name="Title 1">
+            <a:extLst>
+              <a:ext uri="{FF2B5EF4-FFF2-40B4-BE49-F238E27FC236}">
+                <a16:creationId xmlns:a16="http://schemas.microsoft.com/office/drawing/2014/main" id="{1D13C5AE-B493-0EB6-EEFA-7185096A3FE3}"/>
+              </a:ext>
+            </a:extLst>
+          </p:cNvPr>
+          <p:cNvSpPr>
+            <a:spLocks noGrp="1"/>
+          </p:cNvSpPr>
+          <p:nvPr>
+            <p:ph type="title"/>
+          </p:nvPr>
+        </p:nvSpPr>
+        <p:spPr>
+          <a:xfrm>
+            <a:off x="838200" y="2203732"/>
+            <a:ext cx="10515600" cy="1325563"/>
+          </a:xfrm>
+        </p:spPr>
+        <p:txBody>
+          <a:bodyPr>
+            <a:normAutofit/>
+          </a:bodyPr>
+          <a:lstStyle/>
+          <a:p>
+            <a:pPr algn="ctr"/>
+            <a:r>
+              <a:rPr lang="en-DE" b="1" dirty="0">
+                <a:latin typeface="Times" pitchFamily="2" charset="0"/>
+              </a:rPr>
+              <a:t>Thank you very much for</a:t>
+            </a:r>
+            <a:br>
+              <a:rPr lang="en-DE" b="1" dirty="0">
+                <a:latin typeface="Times" pitchFamily="2" charset="0"/>
+              </a:rPr>
+            </a:br>
+            <a:r>
+              <a:rPr lang="en-DE" b="1" dirty="0">
+                <a:latin typeface="Times" pitchFamily="2" charset="0"/>
+              </a:rPr>
+              <a:t> your attension</a:t>
+            </a:r>
+          </a:p>
+        </p:txBody>
+      </p:sp>
+      <p:sp>
+        <p:nvSpPr>
+          <p:cNvPr id="4" name="Slide Number Placeholder 3">
+            <a:extLst>
+              <a:ext uri="{FF2B5EF4-FFF2-40B4-BE49-F238E27FC236}">
+                <a16:creationId xmlns:a16="http://schemas.microsoft.com/office/drawing/2014/main" id="{FD31AD99-9635-208F-783E-589A82632EAA}"/>
+              </a:ext>
+            </a:extLst>
+          </p:cNvPr>
+          <p:cNvSpPr>
+            <a:spLocks noGrp="1"/>
+          </p:cNvSpPr>
+          <p:nvPr>
+            <p:ph type="sldNum" sz="quarter" idx="12"/>
+          </p:nvPr>
+        </p:nvSpPr>
+        <p:spPr/>
+        <p:txBody>
+          <a:bodyPr/>
+          <a:lstStyle/>
+          <a:p>
+            <a:fld id="{B75B56F8-EB57-7748-88E5-B1194B5EAB74}" type="slidenum">
+              <a:rPr lang="en-DE" smtClean="0"/>
+              <a:t>56</a:t>
+            </a:fld>
+            <a:endParaRPr lang="en-DE"/>
+          </a:p>
+        </p:txBody>
+      </p:sp>
+      <p:pic>
+        <p:nvPicPr>
+          <p:cNvPr id="8" name="Picture 7">
+            <a:extLst>
+              <a:ext uri="{FF2B5EF4-FFF2-40B4-BE49-F238E27FC236}">
+                <a16:creationId xmlns:a16="http://schemas.microsoft.com/office/drawing/2014/main" id="{C465DF9F-0333-A67D-BF2F-7A1723C8A6CA}"/>
+              </a:ext>
+            </a:extLst>
+          </p:cNvPr>
+          <p:cNvPicPr>
+            <a:picLocks noChangeAspect="1"/>
+          </p:cNvPicPr>
+          <p:nvPr/>
+        </p:nvPicPr>
+        <p:blipFill>
+          <a:blip r:embed="rId2"/>
+          <a:stretch>
+            <a:fillRect/>
+          </a:stretch>
+        </p:blipFill>
+        <p:spPr>
+          <a:xfrm>
+            <a:off x="-79682" y="5618650"/>
+            <a:ext cx="1394132" cy="1207318"/>
+          </a:xfrm>
+          <a:prstGeom prst="rect">
+            <a:avLst/>
+          </a:prstGeom>
+        </p:spPr>
+      </p:pic>
+    </p:spTree>
+    <p:extLst>
+      <p:ext uri="{BB962C8B-B14F-4D97-AF65-F5344CB8AC3E}">
+        <p14:creationId xmlns:p14="http://schemas.microsoft.com/office/powerpoint/2010/main" val="153896433"/>
       </p:ext>
     </p:extLst>
   </p:cSld>
